--- a/relatorio/Presentation/presentation.pptx
+++ b/relatorio/Presentation/presentation.pptx
@@ -12,6 +12,12 @@
     <p:sldId id="260" r:id="rId6"/>
     <p:sldId id="261" r:id="rId7"/>
     <p:sldId id="262" r:id="rId8"/>
+    <p:sldId id="263" r:id="rId9"/>
+    <p:sldId id="264" r:id="rId10"/>
+    <p:sldId id="265" r:id="rId11"/>
+    <p:sldId id="266" r:id="rId12"/>
+    <p:sldId id="267" r:id="rId13"/>
+    <p:sldId id="268" r:id="rId14"/>
   </p:sldIdLst>
   <p:sldSz cx="12192000" cy="6858000"/>
   <p:notesSz cx="6858000" cy="9144000"/>
@@ -110,6 +116,11 @@
       </a:defRPr>
     </a:lvl9pPr>
   </p:defaultTextStyle>
+  <p:extLst>
+    <p:ext uri="{EFAFB233-063F-42B5-8137-9DF3F51BA10A}">
+      <p15:sldGuideLst xmlns:p15="http://schemas.microsoft.com/office/powerpoint/2012/main"/>
+    </p:ext>
+  </p:extLst>
 </p:presentation>
 </file>
 
@@ -170,7 +181,7 @@
           <a:noFill/>
           <a:extLst>
             <a:ext uri="{909E8E84-426E-40dd-AFC4-6F175D3DCCD1}">
-              <a14:hiddenFill xmlns:a14="http://schemas.microsoft.com/office/drawing/2010/main" xmlns="">
+              <a14:hiddenFill xmlns="" xmlns:a14="http://schemas.microsoft.com/office/drawing/2010/main">
                 <a:solidFill>
                   <a:srgbClr val="FFFFFF"/>
                 </a:solidFill>
@@ -229,7 +240,7 @@
             </a:ln>
             <a:extLst>
               <a:ext uri="{91240B29-F687-4f45-9708-019B960494DF}">
-                <a14:hiddenLine xmlns:a14="http://schemas.microsoft.com/office/drawing/2010/main" xmlns="" w="9525">
+                <a14:hiddenLine xmlns="" xmlns:a14="http://schemas.microsoft.com/office/drawing/2010/main" w="9525">
                   <a:solidFill>
                     <a:srgbClr val="000000"/>
                   </a:solidFill>
@@ -319,7 +330,7 @@
             </a:ln>
             <a:extLst>
               <a:ext uri="{91240B29-F687-4f45-9708-019B960494DF}">
-                <a14:hiddenLine xmlns:a14="http://schemas.microsoft.com/office/drawing/2010/main" xmlns="" w="9525">
+                <a14:hiddenLine xmlns="" xmlns:a14="http://schemas.microsoft.com/office/drawing/2010/main" w="9525">
                   <a:solidFill>
                     <a:srgbClr val="000000"/>
                   </a:solidFill>
@@ -409,7 +420,7 @@
             </a:ln>
             <a:extLst>
               <a:ext uri="{91240B29-F687-4f45-9708-019B960494DF}">
-                <a14:hiddenLine xmlns:a14="http://schemas.microsoft.com/office/drawing/2010/main" xmlns="" w="9525">
+                <a14:hiddenLine xmlns="" xmlns:a14="http://schemas.microsoft.com/office/drawing/2010/main" w="9525">
                   <a:solidFill>
                     <a:srgbClr val="000000"/>
                   </a:solidFill>
@@ -443,7 +454,7 @@
             </a:ln>
             <a:extLst>
               <a:ext uri="{91240B29-F687-4f45-9708-019B960494DF}">
-                <a14:hiddenLine xmlns:a14="http://schemas.microsoft.com/office/drawing/2010/main" xmlns="" w="9525">
+                <a14:hiddenLine xmlns="" xmlns:a14="http://schemas.microsoft.com/office/drawing/2010/main" w="9525">
                   <a:solidFill>
                     <a:srgbClr val="000000"/>
                   </a:solidFill>
@@ -533,7 +544,7 @@
             </a:ln>
             <a:extLst>
               <a:ext uri="{91240B29-F687-4f45-9708-019B960494DF}">
-                <a14:hiddenLine xmlns:a14="http://schemas.microsoft.com/office/drawing/2010/main" xmlns="" w="9525">
+                <a14:hiddenLine xmlns="" xmlns:a14="http://schemas.microsoft.com/office/drawing/2010/main" w="9525">
                   <a:solidFill>
                     <a:srgbClr val="000000"/>
                   </a:solidFill>
@@ -595,7 +606,7 @@
             </a:ln>
             <a:extLst>
               <a:ext uri="{91240B29-F687-4f45-9708-019B960494DF}">
-                <a14:hiddenLine xmlns:a14="http://schemas.microsoft.com/office/drawing/2010/main" xmlns="" w="9525">
+                <a14:hiddenLine xmlns="" xmlns:a14="http://schemas.microsoft.com/office/drawing/2010/main" w="9525">
                   <a:solidFill>
                     <a:srgbClr val="000000"/>
                   </a:solidFill>
@@ -657,7 +668,7 @@
             </a:ln>
             <a:extLst>
               <a:ext uri="{91240B29-F687-4f45-9708-019B960494DF}">
-                <a14:hiddenLine xmlns:a14="http://schemas.microsoft.com/office/drawing/2010/main" xmlns="" w="9525">
+                <a14:hiddenLine xmlns="" xmlns:a14="http://schemas.microsoft.com/office/drawing/2010/main" w="9525">
                   <a:solidFill>
                     <a:srgbClr val="000000"/>
                   </a:solidFill>
@@ -747,7 +758,7 @@
             </a:ln>
             <a:extLst>
               <a:ext uri="{91240B29-F687-4f45-9708-019B960494DF}">
-                <a14:hiddenLine xmlns:a14="http://schemas.microsoft.com/office/drawing/2010/main" xmlns="" w="9525">
+                <a14:hiddenLine xmlns="" xmlns:a14="http://schemas.microsoft.com/office/drawing/2010/main" w="9525">
                   <a:solidFill>
                     <a:srgbClr val="000000"/>
                   </a:solidFill>
@@ -809,7 +820,7 @@
             </a:ln>
             <a:extLst>
               <a:ext uri="{91240B29-F687-4f45-9708-019B960494DF}">
-                <a14:hiddenLine xmlns:a14="http://schemas.microsoft.com/office/drawing/2010/main" xmlns="" w="9525">
+                <a14:hiddenLine xmlns="" xmlns:a14="http://schemas.microsoft.com/office/drawing/2010/main" w="9525">
                   <a:solidFill>
                     <a:srgbClr val="000000"/>
                   </a:solidFill>
@@ -871,7 +882,7 @@
             </a:ln>
             <a:extLst>
               <a:ext uri="{91240B29-F687-4f45-9708-019B960494DF}">
-                <a14:hiddenLine xmlns:a14="http://schemas.microsoft.com/office/drawing/2010/main" xmlns="" w="9525">
+                <a14:hiddenLine xmlns="" xmlns:a14="http://schemas.microsoft.com/office/drawing/2010/main" w="9525">
                   <a:solidFill>
                     <a:srgbClr val="000000"/>
                   </a:solidFill>
@@ -961,7 +972,7 @@
             </a:ln>
             <a:extLst>
               <a:ext uri="{91240B29-F687-4f45-9708-019B960494DF}">
-                <a14:hiddenLine xmlns:a14="http://schemas.microsoft.com/office/drawing/2010/main" xmlns="" w="9525">
+                <a14:hiddenLine xmlns="" xmlns:a14="http://schemas.microsoft.com/office/drawing/2010/main" w="9525">
                   <a:solidFill>
                     <a:srgbClr val="000000"/>
                   </a:solidFill>
@@ -1051,7 +1062,7 @@
             </a:ln>
             <a:extLst>
               <a:ext uri="{91240B29-F687-4f45-9708-019B960494DF}">
-                <a14:hiddenLine xmlns:a14="http://schemas.microsoft.com/office/drawing/2010/main" xmlns="" w="9525">
+                <a14:hiddenLine xmlns="" xmlns:a14="http://schemas.microsoft.com/office/drawing/2010/main" w="9525">
                   <a:solidFill>
                     <a:srgbClr val="000000"/>
                   </a:solidFill>
@@ -1113,7 +1124,7 @@
             </a:ln>
             <a:extLst>
               <a:ext uri="{91240B29-F687-4f45-9708-019B960494DF}">
-                <a14:hiddenLine xmlns:a14="http://schemas.microsoft.com/office/drawing/2010/main" xmlns="" w="9525">
+                <a14:hiddenLine xmlns="" xmlns:a14="http://schemas.microsoft.com/office/drawing/2010/main" w="9525">
                   <a:solidFill>
                     <a:srgbClr val="000000"/>
                   </a:solidFill>
@@ -1223,7 +1234,7 @@
             </a:ln>
             <a:extLst>
               <a:ext uri="{91240B29-F687-4f45-9708-019B960494DF}">
-                <a14:hiddenLine xmlns:a14="http://schemas.microsoft.com/office/drawing/2010/main" xmlns="" w="9525">
+                <a14:hiddenLine xmlns="" xmlns:a14="http://schemas.microsoft.com/office/drawing/2010/main" w="9525">
                   <a:solidFill>
                     <a:srgbClr val="000000"/>
                   </a:solidFill>
@@ -1285,7 +1296,7 @@
             </a:ln>
             <a:extLst>
               <a:ext uri="{91240B29-F687-4f45-9708-019B960494DF}">
-                <a14:hiddenLine xmlns:a14="http://schemas.microsoft.com/office/drawing/2010/main" xmlns="" w="9525">
+                <a14:hiddenLine xmlns="" xmlns:a14="http://schemas.microsoft.com/office/drawing/2010/main" w="9525">
                   <a:solidFill>
                     <a:srgbClr val="000000"/>
                   </a:solidFill>
@@ -1375,7 +1386,7 @@
             </a:ln>
             <a:extLst>
               <a:ext uri="{91240B29-F687-4f45-9708-019B960494DF}">
-                <a14:hiddenLine xmlns:a14="http://schemas.microsoft.com/office/drawing/2010/main" xmlns="" w="9525">
+                <a14:hiddenLine xmlns="" xmlns:a14="http://schemas.microsoft.com/office/drawing/2010/main" w="9525">
                   <a:solidFill>
                     <a:srgbClr val="000000"/>
                   </a:solidFill>
@@ -1465,7 +1476,7 @@
             </a:ln>
             <a:extLst>
               <a:ext uri="{91240B29-F687-4f45-9708-019B960494DF}">
-                <a14:hiddenLine xmlns:a14="http://schemas.microsoft.com/office/drawing/2010/main" xmlns="" w="9525">
+                <a14:hiddenLine xmlns="" xmlns:a14="http://schemas.microsoft.com/office/drawing/2010/main" w="9525">
                   <a:solidFill>
                     <a:srgbClr val="000000"/>
                   </a:solidFill>
@@ -1527,7 +1538,7 @@
             </a:ln>
             <a:extLst>
               <a:ext uri="{91240B29-F687-4f45-9708-019B960494DF}">
-                <a14:hiddenLine xmlns:a14="http://schemas.microsoft.com/office/drawing/2010/main" xmlns="" w="9525">
+                <a14:hiddenLine xmlns="" xmlns:a14="http://schemas.microsoft.com/office/drawing/2010/main" w="9525">
                   <a:solidFill>
                     <a:srgbClr val="000000"/>
                   </a:solidFill>
@@ -1617,7 +1628,7 @@
             </a:ln>
             <a:extLst>
               <a:ext uri="{91240B29-F687-4f45-9708-019B960494DF}">
-                <a14:hiddenLine xmlns:a14="http://schemas.microsoft.com/office/drawing/2010/main" xmlns="" w="9525">
+                <a14:hiddenLine xmlns="" xmlns:a14="http://schemas.microsoft.com/office/drawing/2010/main" w="9525">
                   <a:solidFill>
                     <a:srgbClr val="000000"/>
                   </a:solidFill>
@@ -1707,7 +1718,7 @@
             </a:ln>
             <a:extLst>
               <a:ext uri="{91240B29-F687-4f45-9708-019B960494DF}">
-                <a14:hiddenLine xmlns:a14="http://schemas.microsoft.com/office/drawing/2010/main" xmlns="" w="9525">
+                <a14:hiddenLine xmlns="" xmlns:a14="http://schemas.microsoft.com/office/drawing/2010/main" w="9525">
                   <a:solidFill>
                     <a:srgbClr val="000000"/>
                   </a:solidFill>
@@ -1763,7 +1774,7 @@
             </a:ln>
             <a:extLst>
               <a:ext uri="{91240B29-F687-4f45-9708-019B960494DF}">
-                <a14:hiddenLine xmlns:a14="http://schemas.microsoft.com/office/drawing/2010/main" xmlns="" w="9525">
+                <a14:hiddenLine xmlns="" xmlns:a14="http://schemas.microsoft.com/office/drawing/2010/main" w="9525">
                   <a:solidFill>
                     <a:srgbClr val="000000"/>
                   </a:solidFill>
@@ -1853,7 +1864,7 @@
             </a:ln>
             <a:extLst>
               <a:ext uri="{91240B29-F687-4f45-9708-019B960494DF}">
-                <a14:hiddenLine xmlns:a14="http://schemas.microsoft.com/office/drawing/2010/main" xmlns="" w="9525">
+                <a14:hiddenLine xmlns="" xmlns:a14="http://schemas.microsoft.com/office/drawing/2010/main" w="9525">
                   <a:solidFill>
                     <a:srgbClr val="000000"/>
                   </a:solidFill>
@@ -1909,7 +1920,7 @@
             </a:ln>
             <a:extLst>
               <a:ext uri="{91240B29-F687-4f45-9708-019B960494DF}">
-                <a14:hiddenLine xmlns:a14="http://schemas.microsoft.com/office/drawing/2010/main" xmlns="" w="9525">
+                <a14:hiddenLine xmlns="" xmlns:a14="http://schemas.microsoft.com/office/drawing/2010/main" w="9525">
                   <a:solidFill>
                     <a:srgbClr val="000000"/>
                   </a:solidFill>
@@ -1999,7 +2010,7 @@
             </a:ln>
             <a:extLst>
               <a:ext uri="{91240B29-F687-4f45-9708-019B960494DF}">
-                <a14:hiddenLine xmlns:a14="http://schemas.microsoft.com/office/drawing/2010/main" xmlns="" w="9525">
+                <a14:hiddenLine xmlns="" xmlns:a14="http://schemas.microsoft.com/office/drawing/2010/main" w="9525">
                   <a:solidFill>
                     <a:srgbClr val="000000"/>
                   </a:solidFill>
@@ -2067,7 +2078,7 @@
             </a:ln>
             <a:extLst>
               <a:ext uri="{91240B29-F687-4f45-9708-019B960494DF}">
-                <a14:hiddenLine xmlns:a14="http://schemas.microsoft.com/office/drawing/2010/main" xmlns="" w="9525">
+                <a14:hiddenLine xmlns="" xmlns:a14="http://schemas.microsoft.com/office/drawing/2010/main" w="9525">
                   <a:solidFill>
                     <a:srgbClr val="000000"/>
                   </a:solidFill>
@@ -2157,7 +2168,7 @@
             </a:ln>
             <a:extLst>
               <a:ext uri="{91240B29-F687-4f45-9708-019B960494DF}">
-                <a14:hiddenLine xmlns:a14="http://schemas.microsoft.com/office/drawing/2010/main" xmlns="" w="9525">
+                <a14:hiddenLine xmlns="" xmlns:a14="http://schemas.microsoft.com/office/drawing/2010/main" w="9525">
                   <a:solidFill>
                     <a:srgbClr val="000000"/>
                   </a:solidFill>
@@ -2225,7 +2236,7 @@
             </a:ln>
             <a:extLst>
               <a:ext uri="{91240B29-F687-4f45-9708-019B960494DF}">
-                <a14:hiddenLine xmlns:a14="http://schemas.microsoft.com/office/drawing/2010/main" xmlns="" w="9525">
+                <a14:hiddenLine xmlns="" xmlns:a14="http://schemas.microsoft.com/office/drawing/2010/main" w="9525">
                   <a:solidFill>
                     <a:srgbClr val="000000"/>
                   </a:solidFill>
@@ -2315,7 +2326,7 @@
             </a:ln>
             <a:extLst>
               <a:ext uri="{91240B29-F687-4f45-9708-019B960494DF}">
-                <a14:hiddenLine xmlns:a14="http://schemas.microsoft.com/office/drawing/2010/main" xmlns="" w="9525">
+                <a14:hiddenLine xmlns="" xmlns:a14="http://schemas.microsoft.com/office/drawing/2010/main" w="9525">
                   <a:solidFill>
                     <a:srgbClr val="000000"/>
                   </a:solidFill>
@@ -2349,7 +2360,7 @@
             </a:ln>
             <a:extLst>
               <a:ext uri="{91240B29-F687-4f45-9708-019B960494DF}">
-                <a14:hiddenLine xmlns:a14="http://schemas.microsoft.com/office/drawing/2010/main" xmlns="" w="9525">
+                <a14:hiddenLine xmlns="" xmlns:a14="http://schemas.microsoft.com/office/drawing/2010/main" w="9525">
                   <a:solidFill>
                     <a:srgbClr val="000000"/>
                   </a:solidFill>
@@ -2439,7 +2450,7 @@
             </a:ln>
             <a:extLst>
               <a:ext uri="{91240B29-F687-4f45-9708-019B960494DF}">
-                <a14:hiddenLine xmlns:a14="http://schemas.microsoft.com/office/drawing/2010/main" xmlns="" w="9525">
+                <a14:hiddenLine xmlns="" xmlns:a14="http://schemas.microsoft.com/office/drawing/2010/main" w="9525">
                   <a:solidFill>
                     <a:srgbClr val="000000"/>
                   </a:solidFill>
@@ -2501,7 +2512,7 @@
             </a:ln>
             <a:extLst>
               <a:ext uri="{91240B29-F687-4f45-9708-019B960494DF}">
-                <a14:hiddenLine xmlns:a14="http://schemas.microsoft.com/office/drawing/2010/main" xmlns="" w="9525">
+                <a14:hiddenLine xmlns="" xmlns:a14="http://schemas.microsoft.com/office/drawing/2010/main" w="9525">
                   <a:solidFill>
                     <a:srgbClr val="000000"/>
                   </a:solidFill>
@@ -2563,7 +2574,7 @@
             </a:ln>
             <a:extLst>
               <a:ext uri="{91240B29-F687-4f45-9708-019B960494DF}">
-                <a14:hiddenLine xmlns:a14="http://schemas.microsoft.com/office/drawing/2010/main" xmlns="" w="9525">
+                <a14:hiddenLine xmlns="" xmlns:a14="http://schemas.microsoft.com/office/drawing/2010/main" w="9525">
                   <a:solidFill>
                     <a:srgbClr val="000000"/>
                   </a:solidFill>
@@ -2653,7 +2664,7 @@
             </a:ln>
             <a:extLst>
               <a:ext uri="{91240B29-F687-4f45-9708-019B960494DF}">
-                <a14:hiddenLine xmlns:a14="http://schemas.microsoft.com/office/drawing/2010/main" xmlns="" w="9525">
+                <a14:hiddenLine xmlns="" xmlns:a14="http://schemas.microsoft.com/office/drawing/2010/main" w="9525">
                   <a:solidFill>
                     <a:srgbClr val="000000"/>
                   </a:solidFill>
@@ -2721,7 +2732,7 @@
             </a:ln>
             <a:extLst>
               <a:ext uri="{91240B29-F687-4f45-9708-019B960494DF}">
-                <a14:hiddenLine xmlns:a14="http://schemas.microsoft.com/office/drawing/2010/main" xmlns="" w="9525">
+                <a14:hiddenLine xmlns="" xmlns:a14="http://schemas.microsoft.com/office/drawing/2010/main" w="9525">
                   <a:solidFill>
                     <a:srgbClr val="000000"/>
                   </a:solidFill>
@@ -2783,7 +2794,7 @@
             </a:ln>
             <a:extLst>
               <a:ext uri="{91240B29-F687-4f45-9708-019B960494DF}">
-                <a14:hiddenLine xmlns:a14="http://schemas.microsoft.com/office/drawing/2010/main" xmlns="" w="9525">
+                <a14:hiddenLine xmlns="" xmlns:a14="http://schemas.microsoft.com/office/drawing/2010/main" w="9525">
                   <a:solidFill>
                     <a:srgbClr val="000000"/>
                   </a:solidFill>
@@ -2873,7 +2884,7 @@
             </a:ln>
             <a:extLst>
               <a:ext uri="{91240B29-F687-4f45-9708-019B960494DF}">
-                <a14:hiddenLine xmlns:a14="http://schemas.microsoft.com/office/drawing/2010/main" xmlns="" w="9525">
+                <a14:hiddenLine xmlns="" xmlns:a14="http://schemas.microsoft.com/office/drawing/2010/main" w="9525">
                   <a:solidFill>
                     <a:srgbClr val="000000"/>
                   </a:solidFill>
@@ -2935,7 +2946,7 @@
             </a:ln>
             <a:extLst>
               <a:ext uri="{91240B29-F687-4f45-9708-019B960494DF}">
-                <a14:hiddenLine xmlns:a14="http://schemas.microsoft.com/office/drawing/2010/main" xmlns="" w="9525">
+                <a14:hiddenLine xmlns="" xmlns:a14="http://schemas.microsoft.com/office/drawing/2010/main" w="9525">
                   <a:solidFill>
                     <a:srgbClr val="000000"/>
                   </a:solidFill>
@@ -3025,7 +3036,7 @@
             </a:ln>
             <a:extLst>
               <a:ext uri="{91240B29-F687-4f45-9708-019B960494DF}">
-                <a14:hiddenLine xmlns:a14="http://schemas.microsoft.com/office/drawing/2010/main" xmlns="" w="9525">
+                <a14:hiddenLine xmlns="" xmlns:a14="http://schemas.microsoft.com/office/drawing/2010/main" w="9525">
                   <a:solidFill>
                     <a:srgbClr val="000000"/>
                   </a:solidFill>
@@ -3087,7 +3098,7 @@
             </a:ln>
             <a:extLst>
               <a:ext uri="{91240B29-F687-4f45-9708-019B960494DF}">
-                <a14:hiddenLine xmlns:a14="http://schemas.microsoft.com/office/drawing/2010/main" xmlns="" w="9525">
+                <a14:hiddenLine xmlns="" xmlns:a14="http://schemas.microsoft.com/office/drawing/2010/main" w="9525">
                   <a:solidFill>
                     <a:srgbClr val="000000"/>
                   </a:solidFill>
@@ -3177,7 +3188,7 @@
             </a:ln>
             <a:extLst>
               <a:ext uri="{91240B29-F687-4f45-9708-019B960494DF}">
-                <a14:hiddenLine xmlns:a14="http://schemas.microsoft.com/office/drawing/2010/main" xmlns="" w="9525">
+                <a14:hiddenLine xmlns="" xmlns:a14="http://schemas.microsoft.com/office/drawing/2010/main" w="9525">
                   <a:solidFill>
                     <a:srgbClr val="000000"/>
                   </a:solidFill>
@@ -3211,7 +3222,7 @@
             </a:ln>
             <a:extLst>
               <a:ext uri="{91240B29-F687-4f45-9708-019B960494DF}">
-                <a14:hiddenLine xmlns:a14="http://schemas.microsoft.com/office/drawing/2010/main" xmlns="" w="9525">
+                <a14:hiddenLine xmlns="" xmlns:a14="http://schemas.microsoft.com/office/drawing/2010/main" w="9525">
                   <a:solidFill>
                     <a:srgbClr val="000000"/>
                   </a:solidFill>
@@ -3276,7 +3287,7 @@
             </a:ln>
             <a:extLst>
               <a:ext uri="{91240B29-F687-4f45-9708-019B960494DF}">
-                <a14:hiddenLine xmlns:a14="http://schemas.microsoft.com/office/drawing/2010/main" xmlns="" w="9525">
+                <a14:hiddenLine xmlns="" xmlns:a14="http://schemas.microsoft.com/office/drawing/2010/main" w="9525">
                   <a:solidFill>
                     <a:srgbClr val="000000"/>
                   </a:solidFill>
@@ -3366,7 +3377,7 @@
             </a:ln>
             <a:extLst>
               <a:ext uri="{91240B29-F687-4f45-9708-019B960494DF}">
-                <a14:hiddenLine xmlns:a14="http://schemas.microsoft.com/office/drawing/2010/main" xmlns="" w="9525">
+                <a14:hiddenLine xmlns="" xmlns:a14="http://schemas.microsoft.com/office/drawing/2010/main" w="9525">
                   <a:solidFill>
                     <a:srgbClr val="000000"/>
                   </a:solidFill>
@@ -3428,7 +3439,7 @@
             </a:ln>
             <a:extLst>
               <a:ext uri="{91240B29-F687-4f45-9708-019B960494DF}">
-                <a14:hiddenLine xmlns:a14="http://schemas.microsoft.com/office/drawing/2010/main" xmlns="" w="9525">
+                <a14:hiddenLine xmlns="" xmlns:a14="http://schemas.microsoft.com/office/drawing/2010/main" w="9525">
                   <a:solidFill>
                     <a:srgbClr val="000000"/>
                   </a:solidFill>
@@ -3518,7 +3529,7 @@
             </a:ln>
             <a:extLst>
               <a:ext uri="{91240B29-F687-4f45-9708-019B960494DF}">
-                <a14:hiddenLine xmlns:a14="http://schemas.microsoft.com/office/drawing/2010/main" xmlns="" w="9525">
+                <a14:hiddenLine xmlns="" xmlns:a14="http://schemas.microsoft.com/office/drawing/2010/main" w="9525">
                   <a:solidFill>
                     <a:srgbClr val="000000"/>
                   </a:solidFill>
@@ -3608,7 +3619,7 @@
             </a:ln>
             <a:extLst>
               <a:ext uri="{91240B29-F687-4f45-9708-019B960494DF}">
-                <a14:hiddenLine xmlns:a14="http://schemas.microsoft.com/office/drawing/2010/main" xmlns="" w="9525">
+                <a14:hiddenLine xmlns="" xmlns:a14="http://schemas.microsoft.com/office/drawing/2010/main" w="9525">
                   <a:solidFill>
                     <a:srgbClr val="000000"/>
                   </a:solidFill>
@@ -3673,7 +3684,7 @@
             </a:ln>
             <a:extLst>
               <a:ext uri="{91240B29-F687-4f45-9708-019B960494DF}">
-                <a14:hiddenLine xmlns:a14="http://schemas.microsoft.com/office/drawing/2010/main" xmlns="" w="9525">
+                <a14:hiddenLine xmlns="" xmlns:a14="http://schemas.microsoft.com/office/drawing/2010/main" w="9525">
                   <a:solidFill>
                     <a:srgbClr val="000000"/>
                   </a:solidFill>
@@ -3735,7 +3746,7 @@
             </a:ln>
             <a:extLst>
               <a:ext uri="{91240B29-F687-4f45-9708-019B960494DF}">
-                <a14:hiddenLine xmlns:a14="http://schemas.microsoft.com/office/drawing/2010/main" xmlns="" w="9525">
+                <a14:hiddenLine xmlns="" xmlns:a14="http://schemas.microsoft.com/office/drawing/2010/main" w="9525">
                   <a:solidFill>
                     <a:srgbClr val="000000"/>
                   </a:solidFill>
@@ -3825,7 +3836,7 @@
             </a:ln>
             <a:extLst>
               <a:ext uri="{91240B29-F687-4f45-9708-019B960494DF}">
-                <a14:hiddenLine xmlns:a14="http://schemas.microsoft.com/office/drawing/2010/main" xmlns="" w="9525">
+                <a14:hiddenLine xmlns="" xmlns:a14="http://schemas.microsoft.com/office/drawing/2010/main" w="9525">
                   <a:solidFill>
                     <a:srgbClr val="000000"/>
                   </a:solidFill>
@@ -3915,7 +3926,7 @@
             </a:ln>
             <a:extLst>
               <a:ext uri="{91240B29-F687-4f45-9708-019B960494DF}">
-                <a14:hiddenLine xmlns:a14="http://schemas.microsoft.com/office/drawing/2010/main" xmlns="" w="9525">
+                <a14:hiddenLine xmlns="" xmlns:a14="http://schemas.microsoft.com/office/drawing/2010/main" w="9525">
                   <a:solidFill>
                     <a:srgbClr val="000000"/>
                   </a:solidFill>
@@ -3977,7 +3988,7 @@
             </a:ln>
             <a:extLst>
               <a:ext uri="{91240B29-F687-4f45-9708-019B960494DF}">
-                <a14:hiddenLine xmlns:a14="http://schemas.microsoft.com/office/drawing/2010/main" xmlns="" w="9525">
+                <a14:hiddenLine xmlns="" xmlns:a14="http://schemas.microsoft.com/office/drawing/2010/main" w="9525">
                   <a:solidFill>
                     <a:srgbClr val="000000"/>
                   </a:solidFill>
@@ -4097,7 +4108,7 @@
             </a:ln>
             <a:extLst>
               <a:ext uri="{91240B29-F687-4f45-9708-019B960494DF}">
-                <a14:hiddenLine xmlns:a14="http://schemas.microsoft.com/office/drawing/2010/main" xmlns="" w="9525">
+                <a14:hiddenLine xmlns="" xmlns:a14="http://schemas.microsoft.com/office/drawing/2010/main" w="9525">
                   <a:solidFill>
                     <a:srgbClr val="000000"/>
                   </a:solidFill>
@@ -4165,7 +4176,7 @@
             </a:ln>
             <a:extLst>
               <a:ext uri="{91240B29-F687-4f45-9708-019B960494DF}">
-                <a14:hiddenLine xmlns:a14="http://schemas.microsoft.com/office/drawing/2010/main" xmlns="" w="9525">
+                <a14:hiddenLine xmlns="" xmlns:a14="http://schemas.microsoft.com/office/drawing/2010/main" w="9525">
                   <a:solidFill>
                     <a:srgbClr val="000000"/>
                   </a:solidFill>
@@ -4255,7 +4266,7 @@
             </a:ln>
             <a:extLst>
               <a:ext uri="{91240B29-F687-4f45-9708-019B960494DF}">
-                <a14:hiddenLine xmlns:a14="http://schemas.microsoft.com/office/drawing/2010/main" xmlns="" w="9525">
+                <a14:hiddenLine xmlns="" xmlns:a14="http://schemas.microsoft.com/office/drawing/2010/main" w="9525">
                   <a:solidFill>
                     <a:srgbClr val="000000"/>
                   </a:solidFill>
@@ -9069,7 +9080,7 @@
           <a:noFill/>
           <a:extLst>
             <a:ext uri="{909E8E84-426E-40dd-AFC4-6F175D3DCCD1}">
-              <a14:hiddenFill xmlns:a14="http://schemas.microsoft.com/office/drawing/2010/main" xmlns="">
+              <a14:hiddenFill xmlns="" xmlns:a14="http://schemas.microsoft.com/office/drawing/2010/main">
                 <a:solidFill>
                   <a:srgbClr val="FFFFFF"/>
                 </a:solidFill>
@@ -9143,7 +9154,7 @@
               </a:ln>
               <a:extLst>
                 <a:ext uri="{91240B29-F687-4f45-9708-019B960494DF}">
-                  <a14:hiddenLine xmlns:a14="http://schemas.microsoft.com/office/drawing/2010/main" xmlns="" w="9525">
+                  <a14:hiddenLine xmlns="" xmlns:a14="http://schemas.microsoft.com/office/drawing/2010/main" w="9525">
                     <a:solidFill>
                       <a:srgbClr val="000000"/>
                     </a:solidFill>
@@ -9233,7 +9244,7 @@
               </a:ln>
               <a:extLst>
                 <a:ext uri="{91240B29-F687-4f45-9708-019B960494DF}">
-                  <a14:hiddenLine xmlns:a14="http://schemas.microsoft.com/office/drawing/2010/main" xmlns="" w="9525">
+                  <a14:hiddenLine xmlns="" xmlns:a14="http://schemas.microsoft.com/office/drawing/2010/main" w="9525">
                     <a:solidFill>
                       <a:srgbClr val="000000"/>
                     </a:solidFill>
@@ -9323,7 +9334,7 @@
               </a:ln>
               <a:extLst>
                 <a:ext uri="{91240B29-F687-4f45-9708-019B960494DF}">
-                  <a14:hiddenLine xmlns:a14="http://schemas.microsoft.com/office/drawing/2010/main" xmlns="" w="9525">
+                  <a14:hiddenLine xmlns="" xmlns:a14="http://schemas.microsoft.com/office/drawing/2010/main" w="9525">
                     <a:solidFill>
                       <a:srgbClr val="000000"/>
                     </a:solidFill>
@@ -9385,7 +9396,7 @@
               </a:ln>
               <a:extLst>
                 <a:ext uri="{91240B29-F687-4f45-9708-019B960494DF}">
-                  <a14:hiddenLine xmlns:a14="http://schemas.microsoft.com/office/drawing/2010/main" xmlns="" w="9525">
+                  <a14:hiddenLine xmlns="" xmlns:a14="http://schemas.microsoft.com/office/drawing/2010/main" w="9525">
                     <a:solidFill>
                       <a:srgbClr val="000000"/>
                     </a:solidFill>
@@ -9475,7 +9486,7 @@
               </a:ln>
               <a:extLst>
                 <a:ext uri="{91240B29-F687-4f45-9708-019B960494DF}">
-                  <a14:hiddenLine xmlns:a14="http://schemas.microsoft.com/office/drawing/2010/main" xmlns="" w="9525">
+                  <a14:hiddenLine xmlns="" xmlns:a14="http://schemas.microsoft.com/office/drawing/2010/main" w="9525">
                     <a:solidFill>
                       <a:srgbClr val="000000"/>
                     </a:solidFill>
@@ -9537,7 +9548,7 @@
               </a:ln>
               <a:extLst>
                 <a:ext uri="{91240B29-F687-4f45-9708-019B960494DF}">
-                  <a14:hiddenLine xmlns:a14="http://schemas.microsoft.com/office/drawing/2010/main" xmlns="" w="9525">
+                  <a14:hiddenLine xmlns="" xmlns:a14="http://schemas.microsoft.com/office/drawing/2010/main" w="9525">
                     <a:solidFill>
                       <a:srgbClr val="000000"/>
                     </a:solidFill>
@@ -9599,7 +9610,7 @@
               </a:ln>
               <a:extLst>
                 <a:ext uri="{91240B29-F687-4f45-9708-019B960494DF}">
-                  <a14:hiddenLine xmlns:a14="http://schemas.microsoft.com/office/drawing/2010/main" xmlns="" w="9525">
+                  <a14:hiddenLine xmlns="" xmlns:a14="http://schemas.microsoft.com/office/drawing/2010/main" w="9525">
                     <a:solidFill>
                       <a:srgbClr val="000000"/>
                     </a:solidFill>
@@ -9689,7 +9700,7 @@
               </a:ln>
               <a:extLst>
                 <a:ext uri="{91240B29-F687-4f45-9708-019B960494DF}">
-                  <a14:hiddenLine xmlns:a14="http://schemas.microsoft.com/office/drawing/2010/main" xmlns="" w="9525">
+                  <a14:hiddenLine xmlns="" xmlns:a14="http://schemas.microsoft.com/office/drawing/2010/main" w="9525">
                     <a:solidFill>
                       <a:srgbClr val="000000"/>
                     </a:solidFill>
@@ -9779,7 +9790,7 @@
               </a:ln>
               <a:extLst>
                 <a:ext uri="{91240B29-F687-4f45-9708-019B960494DF}">
-                  <a14:hiddenLine xmlns:a14="http://schemas.microsoft.com/office/drawing/2010/main" xmlns="" w="9525">
+                  <a14:hiddenLine xmlns="" xmlns:a14="http://schemas.microsoft.com/office/drawing/2010/main" w="9525">
                     <a:solidFill>
                       <a:srgbClr val="000000"/>
                     </a:solidFill>
@@ -9841,7 +9852,7 @@
               </a:ln>
               <a:extLst>
                 <a:ext uri="{91240B29-F687-4f45-9708-019B960494DF}">
-                  <a14:hiddenLine xmlns:a14="http://schemas.microsoft.com/office/drawing/2010/main" xmlns="" w="9525">
+                  <a14:hiddenLine xmlns="" xmlns:a14="http://schemas.microsoft.com/office/drawing/2010/main" w="9525">
                     <a:solidFill>
                       <a:srgbClr val="000000"/>
                     </a:solidFill>
@@ -9951,7 +9962,7 @@
               </a:ln>
               <a:extLst>
                 <a:ext uri="{91240B29-F687-4f45-9708-019B960494DF}">
-                  <a14:hiddenLine xmlns:a14="http://schemas.microsoft.com/office/drawing/2010/main" xmlns="" w="9525">
+                  <a14:hiddenLine xmlns="" xmlns:a14="http://schemas.microsoft.com/office/drawing/2010/main" w="9525">
                     <a:solidFill>
                       <a:srgbClr val="000000"/>
                     </a:solidFill>
@@ -10035,7 +10046,7 @@
               </a:ln>
               <a:extLst>
                 <a:ext uri="{91240B29-F687-4f45-9708-019B960494DF}">
-                  <a14:hiddenLine xmlns:a14="http://schemas.microsoft.com/office/drawing/2010/main" xmlns="" w="9525">
+                  <a14:hiddenLine xmlns="" xmlns:a14="http://schemas.microsoft.com/office/drawing/2010/main" w="9525">
                     <a:solidFill>
                       <a:srgbClr val="000000"/>
                     </a:solidFill>
@@ -10097,7 +10108,7 @@
               </a:ln>
               <a:extLst>
                 <a:ext uri="{91240B29-F687-4f45-9708-019B960494DF}">
-                  <a14:hiddenLine xmlns:a14="http://schemas.microsoft.com/office/drawing/2010/main" xmlns="" w="9525">
+                  <a14:hiddenLine xmlns="" xmlns:a14="http://schemas.microsoft.com/office/drawing/2010/main" w="9525">
                     <a:solidFill>
                       <a:srgbClr val="000000"/>
                     </a:solidFill>
@@ -10159,7 +10170,7 @@
               </a:ln>
               <a:extLst>
                 <a:ext uri="{91240B29-F687-4f45-9708-019B960494DF}">
-                  <a14:hiddenLine xmlns:a14="http://schemas.microsoft.com/office/drawing/2010/main" xmlns="" w="9525">
+                  <a14:hiddenLine xmlns="" xmlns:a14="http://schemas.microsoft.com/office/drawing/2010/main" w="9525">
                     <a:solidFill>
                       <a:srgbClr val="000000"/>
                     </a:solidFill>
@@ -10249,7 +10260,7 @@
               </a:ln>
               <a:extLst>
                 <a:ext uri="{91240B29-F687-4f45-9708-019B960494DF}">
-                  <a14:hiddenLine xmlns:a14="http://schemas.microsoft.com/office/drawing/2010/main" xmlns="" w="9525">
+                  <a14:hiddenLine xmlns="" xmlns:a14="http://schemas.microsoft.com/office/drawing/2010/main" w="9525">
                     <a:solidFill>
                       <a:srgbClr val="000000"/>
                     </a:solidFill>
@@ -10283,7 +10294,7 @@
               </a:ln>
               <a:extLst>
                 <a:ext uri="{91240B29-F687-4f45-9708-019B960494DF}">
-                  <a14:hiddenLine xmlns:a14="http://schemas.microsoft.com/office/drawing/2010/main" xmlns="" w="9525">
+                  <a14:hiddenLine xmlns="" xmlns:a14="http://schemas.microsoft.com/office/drawing/2010/main" w="9525">
                     <a:solidFill>
                       <a:srgbClr val="000000"/>
                     </a:solidFill>
@@ -10348,7 +10359,7 @@
               </a:ln>
               <a:extLst>
                 <a:ext uri="{91240B29-F687-4f45-9708-019B960494DF}">
-                  <a14:hiddenLine xmlns:a14="http://schemas.microsoft.com/office/drawing/2010/main" xmlns="" w="9525">
+                  <a14:hiddenLine xmlns="" xmlns:a14="http://schemas.microsoft.com/office/drawing/2010/main" w="9525">
                     <a:solidFill>
                       <a:srgbClr val="000000"/>
                     </a:solidFill>
@@ -10438,7 +10449,7 @@
               </a:ln>
               <a:extLst>
                 <a:ext uri="{91240B29-F687-4f45-9708-019B960494DF}">
-                  <a14:hiddenLine xmlns:a14="http://schemas.microsoft.com/office/drawing/2010/main" xmlns="" w="9525">
+                  <a14:hiddenLine xmlns="" xmlns:a14="http://schemas.microsoft.com/office/drawing/2010/main" w="9525">
                     <a:solidFill>
                       <a:srgbClr val="000000"/>
                     </a:solidFill>
@@ -10500,7 +10511,7 @@
               </a:ln>
               <a:extLst>
                 <a:ext uri="{91240B29-F687-4f45-9708-019B960494DF}">
-                  <a14:hiddenLine xmlns:a14="http://schemas.microsoft.com/office/drawing/2010/main" xmlns="" w="9525">
+                  <a14:hiddenLine xmlns="" xmlns:a14="http://schemas.microsoft.com/office/drawing/2010/main" w="9525">
                     <a:solidFill>
                       <a:srgbClr val="000000"/>
                     </a:solidFill>
@@ -10590,7 +10601,7 @@
               </a:ln>
               <a:extLst>
                 <a:ext uri="{91240B29-F687-4f45-9708-019B960494DF}">
-                  <a14:hiddenLine xmlns:a14="http://schemas.microsoft.com/office/drawing/2010/main" xmlns="" w="9525">
+                  <a14:hiddenLine xmlns="" xmlns:a14="http://schemas.microsoft.com/office/drawing/2010/main" w="9525">
                     <a:solidFill>
                       <a:srgbClr val="000000"/>
                     </a:solidFill>
@@ -10655,7 +10666,7 @@
               </a:ln>
               <a:extLst>
                 <a:ext uri="{91240B29-F687-4f45-9708-019B960494DF}">
-                  <a14:hiddenLine xmlns:a14="http://schemas.microsoft.com/office/drawing/2010/main" xmlns="" w="9525">
+                  <a14:hiddenLine xmlns="" xmlns:a14="http://schemas.microsoft.com/office/drawing/2010/main" w="9525">
                     <a:solidFill>
                       <a:srgbClr val="000000"/>
                     </a:solidFill>
@@ -10717,7 +10728,7 @@
               </a:ln>
               <a:extLst>
                 <a:ext uri="{91240B29-F687-4f45-9708-019B960494DF}">
-                  <a14:hiddenLine xmlns:a14="http://schemas.microsoft.com/office/drawing/2010/main" xmlns="" w="9525">
+                  <a14:hiddenLine xmlns="" xmlns:a14="http://schemas.microsoft.com/office/drawing/2010/main" w="9525">
                     <a:solidFill>
                       <a:srgbClr val="000000"/>
                     </a:solidFill>
@@ -10807,7 +10818,7 @@
               </a:ln>
               <a:extLst>
                 <a:ext uri="{91240B29-F687-4f45-9708-019B960494DF}">
-                  <a14:hiddenLine xmlns:a14="http://schemas.microsoft.com/office/drawing/2010/main" xmlns="" w="9525">
+                  <a14:hiddenLine xmlns="" xmlns:a14="http://schemas.microsoft.com/office/drawing/2010/main" w="9525">
                     <a:solidFill>
                       <a:srgbClr val="000000"/>
                     </a:solidFill>
@@ -10897,7 +10908,7 @@
               </a:ln>
               <a:extLst>
                 <a:ext uri="{91240B29-F687-4f45-9708-019B960494DF}">
-                  <a14:hiddenLine xmlns:a14="http://schemas.microsoft.com/office/drawing/2010/main" xmlns="" w="9525">
+                  <a14:hiddenLine xmlns="" xmlns:a14="http://schemas.microsoft.com/office/drawing/2010/main" w="9525">
                     <a:solidFill>
                       <a:srgbClr val="000000"/>
                     </a:solidFill>
@@ -10962,7 +10973,7 @@
               </a:ln>
               <a:extLst>
                 <a:ext uri="{91240B29-F687-4f45-9708-019B960494DF}">
-                  <a14:hiddenLine xmlns:a14="http://schemas.microsoft.com/office/drawing/2010/main" xmlns="" w="9525">
+                  <a14:hiddenLine xmlns="" xmlns:a14="http://schemas.microsoft.com/office/drawing/2010/main" w="9525">
                     <a:solidFill>
                       <a:srgbClr val="000000"/>
                     </a:solidFill>
@@ -11082,7 +11093,7 @@
               </a:ln>
               <a:extLst>
                 <a:ext uri="{91240B29-F687-4f45-9708-019B960494DF}">
-                  <a14:hiddenLine xmlns:a14="http://schemas.microsoft.com/office/drawing/2010/main" xmlns="" w="9525">
+                  <a14:hiddenLine xmlns="" xmlns:a14="http://schemas.microsoft.com/office/drawing/2010/main" w="9525">
                     <a:solidFill>
                       <a:srgbClr val="000000"/>
                     </a:solidFill>
@@ -11163,7 +11174,7 @@
               </a:ln>
               <a:extLst>
                 <a:ext uri="{91240B29-F687-4f45-9708-019B960494DF}">
-                  <a14:hiddenLine xmlns:a14="http://schemas.microsoft.com/office/drawing/2010/main" xmlns="" w="9525">
+                  <a14:hiddenLine xmlns="" xmlns:a14="http://schemas.microsoft.com/office/drawing/2010/main" w="9525">
                     <a:solidFill>
                       <a:srgbClr val="000000"/>
                     </a:solidFill>
@@ -11278,7 +11289,7 @@
               </a:ln>
               <a:extLst>
                 <a:ext uri="{91240B29-F687-4f45-9708-019B960494DF}">
-                  <a14:hiddenLine xmlns:a14="http://schemas.microsoft.com/office/drawing/2010/main" xmlns="" w="9525">
+                  <a14:hiddenLine xmlns="" xmlns:a14="http://schemas.microsoft.com/office/drawing/2010/main" w="9525">
                     <a:solidFill>
                       <a:srgbClr val="000000"/>
                     </a:solidFill>
@@ -11368,7 +11379,7 @@
               </a:ln>
               <a:extLst>
                 <a:ext uri="{91240B29-F687-4f45-9708-019B960494DF}">
-                  <a14:hiddenLine xmlns:a14="http://schemas.microsoft.com/office/drawing/2010/main" xmlns="" w="9525">
+                  <a14:hiddenLine xmlns="" xmlns:a14="http://schemas.microsoft.com/office/drawing/2010/main" w="9525">
                     <a:solidFill>
                       <a:srgbClr val="000000"/>
                     </a:solidFill>
@@ -11433,7 +11444,7 @@
               </a:ln>
               <a:extLst>
                 <a:ext uri="{91240B29-F687-4f45-9708-019B960494DF}">
-                  <a14:hiddenLine xmlns:a14="http://schemas.microsoft.com/office/drawing/2010/main" xmlns="" w="9525">
+                  <a14:hiddenLine xmlns="" xmlns:a14="http://schemas.microsoft.com/office/drawing/2010/main" w="9525">
                     <a:solidFill>
                       <a:srgbClr val="000000"/>
                     </a:solidFill>
@@ -11523,7 +11534,7 @@
               </a:ln>
               <a:extLst>
                 <a:ext uri="{91240B29-F687-4f45-9708-019B960494DF}">
-                  <a14:hiddenLine xmlns:a14="http://schemas.microsoft.com/office/drawing/2010/main" xmlns="" w="9525">
+                  <a14:hiddenLine xmlns="" xmlns:a14="http://schemas.microsoft.com/office/drawing/2010/main" w="9525">
                     <a:solidFill>
                       <a:srgbClr val="000000"/>
                     </a:solidFill>
@@ -11591,7 +11602,7 @@
               </a:ln>
               <a:extLst>
                 <a:ext uri="{91240B29-F687-4f45-9708-019B960494DF}">
-                  <a14:hiddenLine xmlns:a14="http://schemas.microsoft.com/office/drawing/2010/main" xmlns="" w="9525">
+                  <a14:hiddenLine xmlns="" xmlns:a14="http://schemas.microsoft.com/office/drawing/2010/main" w="9525">
                     <a:solidFill>
                       <a:srgbClr val="000000"/>
                     </a:solidFill>
@@ -11681,7 +11692,7 @@
               </a:ln>
               <a:extLst>
                 <a:ext uri="{91240B29-F687-4f45-9708-019B960494DF}">
-                  <a14:hiddenLine xmlns:a14="http://schemas.microsoft.com/office/drawing/2010/main" xmlns="" w="9525">
+                  <a14:hiddenLine xmlns="" xmlns:a14="http://schemas.microsoft.com/office/drawing/2010/main" w="9525">
                     <a:solidFill>
                       <a:srgbClr val="000000"/>
                     </a:solidFill>
@@ -11749,7 +11760,7 @@
               </a:ln>
               <a:extLst>
                 <a:ext uri="{91240B29-F687-4f45-9708-019B960494DF}">
-                  <a14:hiddenLine xmlns:a14="http://schemas.microsoft.com/office/drawing/2010/main" xmlns="" w="9525">
+                  <a14:hiddenLine xmlns="" xmlns:a14="http://schemas.microsoft.com/office/drawing/2010/main" w="9525">
                     <a:solidFill>
                       <a:srgbClr val="000000"/>
                     </a:solidFill>
@@ -11839,7 +11850,7 @@
               </a:ln>
               <a:extLst>
                 <a:ext uri="{91240B29-F687-4f45-9708-019B960494DF}">
-                  <a14:hiddenLine xmlns:a14="http://schemas.microsoft.com/office/drawing/2010/main" xmlns="" w="9525">
+                  <a14:hiddenLine xmlns="" xmlns:a14="http://schemas.microsoft.com/office/drawing/2010/main" w="9525">
                     <a:solidFill>
                       <a:srgbClr val="000000"/>
                     </a:solidFill>
@@ -11873,7 +11884,7 @@
               </a:ln>
               <a:extLst>
                 <a:ext uri="{91240B29-F687-4f45-9708-019B960494DF}">
-                  <a14:hiddenLine xmlns:a14="http://schemas.microsoft.com/office/drawing/2010/main" xmlns="" w="9525">
+                  <a14:hiddenLine xmlns="" xmlns:a14="http://schemas.microsoft.com/office/drawing/2010/main" w="9525">
                     <a:solidFill>
                       <a:srgbClr val="000000"/>
                     </a:solidFill>
@@ -12744,6 +12755,428 @@
 </p:sld>
 </file>
 
+<file path=ppt/slides/slide10.xml><?xml version="1.0" encoding="utf-8"?>
+<p:sld xmlns:a="http://schemas.openxmlformats.org/drawingml/2006/main" xmlns:r="http://schemas.openxmlformats.org/officeDocument/2006/relationships" xmlns:p="http://schemas.openxmlformats.org/presentationml/2006/main">
+  <p:cSld>
+    <p:spTree>
+      <p:nvGrpSpPr>
+        <p:cNvPr id="1" name=""/>
+        <p:cNvGrpSpPr/>
+        <p:nvPr/>
+      </p:nvGrpSpPr>
+      <p:grpSpPr>
+        <a:xfrm>
+          <a:off x="0" y="0"/>
+          <a:ext cx="0" cy="0"/>
+          <a:chOff x="0" y="0"/>
+          <a:chExt cx="0" cy="0"/>
+        </a:xfrm>
+      </p:grpSpPr>
+      <p:sp>
+        <p:nvSpPr>
+          <p:cNvPr id="2" name="Título 1">
+            <a:extLst>
+              <a:ext uri="{FF2B5EF4-FFF2-40B4-BE49-F238E27FC236}">
+                <a16:creationId xmlns:a16="http://schemas.microsoft.com/office/drawing/2014/main" id="{A45482BD-332E-45AA-81E9-923C3A638B82}"/>
+              </a:ext>
+            </a:extLst>
+          </p:cNvPr>
+          <p:cNvSpPr>
+            <a:spLocks noGrp="1"/>
+          </p:cNvSpPr>
+          <p:nvPr>
+            <p:ph type="title"/>
+          </p:nvPr>
+        </p:nvSpPr>
+        <p:spPr/>
+        <p:txBody>
+          <a:bodyPr/>
+          <a:lstStyle/>
+          <a:p>
+            <a:r>
+              <a:rPr lang="pt-PT" dirty="0"/>
+              <a:t>Migração dos dados para um sistema não relacional</a:t>
+            </a:r>
+          </a:p>
+        </p:txBody>
+      </p:sp>
+      <p:sp>
+        <p:nvSpPr>
+          <p:cNvPr id="3" name="Marcador de Posição de Conteúdo 2">
+            <a:extLst>
+              <a:ext uri="{FF2B5EF4-FFF2-40B4-BE49-F238E27FC236}">
+                <a16:creationId xmlns:a16="http://schemas.microsoft.com/office/drawing/2014/main" id="{B89FA7A4-599C-4420-8999-114E6175AF91}"/>
+              </a:ext>
+            </a:extLst>
+          </p:cNvPr>
+          <p:cNvSpPr>
+            <a:spLocks noGrp="1"/>
+          </p:cNvSpPr>
+          <p:nvPr>
+            <p:ph idx="1"/>
+          </p:nvPr>
+        </p:nvSpPr>
+        <p:spPr/>
+        <p:txBody>
+          <a:bodyPr>
+            <a:normAutofit/>
+          </a:bodyPr>
+          <a:lstStyle/>
+          <a:p>
+            <a:r>
+              <a:rPr lang="pt-PT" sz="1800" dirty="0"/>
+              <a:t>Base de dados utilizada: </a:t>
+            </a:r>
+            <a:r>
+              <a:rPr lang="pt-PT" sz="1800" dirty="0" err="1"/>
+              <a:t>MongoDB</a:t>
+            </a:r>
+            <a:endParaRPr lang="pt-PT" sz="1800" dirty="0"/>
+          </a:p>
+          <a:p>
+            <a:pPr lvl="1"/>
+            <a:r>
+              <a:rPr lang="pt-PT" sz="1400" dirty="0"/>
+              <a:t>Tipo: Documental (Documentos possuem uma estrutura)</a:t>
+            </a:r>
+          </a:p>
+          <a:p>
+            <a:pPr lvl="1"/>
+            <a:r>
+              <a:rPr lang="pt-PT" sz="1400" dirty="0"/>
+              <a:t>Permite consultar os documentos</a:t>
+            </a:r>
+          </a:p>
+          <a:p>
+            <a:pPr lvl="1"/>
+            <a:r>
+              <a:rPr lang="pt-PT" sz="1400" dirty="0"/>
+              <a:t>No caso do </a:t>
+            </a:r>
+            <a:r>
+              <a:rPr lang="pt-PT" sz="1400" dirty="0" err="1"/>
+              <a:t>mongoDB</a:t>
+            </a:r>
+            <a:r>
+              <a:rPr lang="pt-PT" sz="1400" dirty="0"/>
+              <a:t> cada documento representa uma “linha de um ficheiro </a:t>
+            </a:r>
+            <a:r>
+              <a:rPr lang="pt-PT" sz="1400" dirty="0" err="1"/>
+              <a:t>json</a:t>
+            </a:r>
+            <a:r>
+              <a:rPr lang="pt-PT" sz="1400" dirty="0"/>
+              <a:t>”</a:t>
+            </a:r>
+          </a:p>
+          <a:p>
+            <a:r>
+              <a:rPr lang="pt-PT" sz="1800" dirty="0"/>
+              <a:t>Exemplo de um documento: </a:t>
+            </a:r>
+          </a:p>
+          <a:p>
+            <a:pPr lvl="1"/>
+            <a:endParaRPr lang="pt-PT" sz="1400" dirty="0"/>
+          </a:p>
+        </p:txBody>
+      </p:sp>
+    </p:spTree>
+    <p:extLst>
+      <p:ext uri="{BB962C8B-B14F-4D97-AF65-F5344CB8AC3E}">
+        <p14:creationId xmlns:p14="http://schemas.microsoft.com/office/powerpoint/2010/main" val="1890334832"/>
+      </p:ext>
+    </p:extLst>
+  </p:cSld>
+  <p:clrMapOvr>
+    <a:masterClrMapping/>
+  </p:clrMapOvr>
+</p:sld>
+</file>
+
+<file path=ppt/slides/slide11.xml><?xml version="1.0" encoding="utf-8"?>
+<p:sld xmlns:a="http://schemas.openxmlformats.org/drawingml/2006/main" xmlns:r="http://schemas.openxmlformats.org/officeDocument/2006/relationships" xmlns:p="http://schemas.openxmlformats.org/presentationml/2006/main">
+  <p:cSld>
+    <p:spTree>
+      <p:nvGrpSpPr>
+        <p:cNvPr id="1" name=""/>
+        <p:cNvGrpSpPr/>
+        <p:nvPr/>
+      </p:nvGrpSpPr>
+      <p:grpSpPr>
+        <a:xfrm>
+          <a:off x="0" y="0"/>
+          <a:ext cx="0" cy="0"/>
+          <a:chOff x="0" y="0"/>
+          <a:chExt cx="0" cy="0"/>
+        </a:xfrm>
+      </p:grpSpPr>
+      <p:sp>
+        <p:nvSpPr>
+          <p:cNvPr id="2" name="Título 1">
+            <a:extLst>
+              <a:ext uri="{FF2B5EF4-FFF2-40B4-BE49-F238E27FC236}">
+                <a16:creationId xmlns:a16="http://schemas.microsoft.com/office/drawing/2014/main" id="{C74F184E-E36E-4CBC-80CF-11DB7F4BAD13}"/>
+              </a:ext>
+            </a:extLst>
+          </p:cNvPr>
+          <p:cNvSpPr>
+            <a:spLocks noGrp="1"/>
+          </p:cNvSpPr>
+          <p:nvPr>
+            <p:ph type="title"/>
+          </p:nvPr>
+        </p:nvSpPr>
+        <p:spPr/>
+        <p:txBody>
+          <a:bodyPr/>
+          <a:lstStyle/>
+          <a:p>
+            <a:r>
+              <a:rPr lang="pt-PT" dirty="0"/>
+              <a:t>Implementação do </a:t>
+            </a:r>
+            <a:r>
+              <a:rPr lang="pt-PT" dirty="0" err="1"/>
+              <a:t>sgbd</a:t>
+            </a:r>
+            <a:r>
+              <a:rPr lang="pt-PT" dirty="0"/>
+              <a:t> : Algumas das </a:t>
+            </a:r>
+            <a:r>
+              <a:rPr lang="pt-PT" dirty="0" err="1"/>
+              <a:t>queries</a:t>
+            </a:r>
+            <a:r>
+              <a:rPr lang="pt-PT" dirty="0"/>
+              <a:t> desenvolvidas</a:t>
+            </a:r>
+          </a:p>
+        </p:txBody>
+      </p:sp>
+      <p:sp>
+        <p:nvSpPr>
+          <p:cNvPr id="3" name="Marcador de Posição de Conteúdo 2">
+            <a:extLst>
+              <a:ext uri="{FF2B5EF4-FFF2-40B4-BE49-F238E27FC236}">
+                <a16:creationId xmlns:a16="http://schemas.microsoft.com/office/drawing/2014/main" id="{A33F7387-9662-45D4-A98D-55A7DD9B4425}"/>
+              </a:ext>
+            </a:extLst>
+          </p:cNvPr>
+          <p:cNvSpPr>
+            <a:spLocks noGrp="1"/>
+          </p:cNvSpPr>
+          <p:nvPr>
+            <p:ph idx="1"/>
+          </p:nvPr>
+        </p:nvSpPr>
+        <p:spPr/>
+        <p:txBody>
+          <a:bodyPr/>
+          <a:lstStyle/>
+          <a:p>
+            <a:endParaRPr lang="pt-PT" dirty="0"/>
+          </a:p>
+        </p:txBody>
+      </p:sp>
+    </p:spTree>
+    <p:extLst>
+      <p:ext uri="{BB962C8B-B14F-4D97-AF65-F5344CB8AC3E}">
+        <p14:creationId xmlns:p14="http://schemas.microsoft.com/office/powerpoint/2010/main" val="2006026956"/>
+      </p:ext>
+    </p:extLst>
+  </p:cSld>
+  <p:clrMapOvr>
+    <a:masterClrMapping/>
+  </p:clrMapOvr>
+</p:sld>
+</file>
+
+<file path=ppt/slides/slide12.xml><?xml version="1.0" encoding="utf-8"?>
+<p:sld xmlns:a="http://schemas.openxmlformats.org/drawingml/2006/main" xmlns:r="http://schemas.openxmlformats.org/officeDocument/2006/relationships" xmlns:p="http://schemas.openxmlformats.org/presentationml/2006/main">
+  <p:cSld>
+    <p:spTree>
+      <p:nvGrpSpPr>
+        <p:cNvPr id="1" name=""/>
+        <p:cNvGrpSpPr/>
+        <p:nvPr/>
+      </p:nvGrpSpPr>
+      <p:grpSpPr>
+        <a:xfrm>
+          <a:off x="0" y="0"/>
+          <a:ext cx="0" cy="0"/>
+          <a:chOff x="0" y="0"/>
+          <a:chExt cx="0" cy="0"/>
+        </a:xfrm>
+      </p:grpSpPr>
+      <p:sp>
+        <p:nvSpPr>
+          <p:cNvPr id="2" name="Título 1">
+            <a:extLst>
+              <a:ext uri="{FF2B5EF4-FFF2-40B4-BE49-F238E27FC236}">
+                <a16:creationId xmlns:a16="http://schemas.microsoft.com/office/drawing/2014/main" id="{5AA1196F-B00C-4D35-8BA3-CB1E21BA9768}"/>
+              </a:ext>
+            </a:extLst>
+          </p:cNvPr>
+          <p:cNvSpPr>
+            <a:spLocks noGrp="1"/>
+          </p:cNvSpPr>
+          <p:nvPr>
+            <p:ph type="title"/>
+          </p:nvPr>
+        </p:nvSpPr>
+        <p:spPr/>
+        <p:txBody>
+          <a:bodyPr/>
+          <a:lstStyle/>
+          <a:p>
+            <a:r>
+              <a:rPr lang="pt-PT" dirty="0"/>
+              <a:t>Conclusões e trabalho futuro</a:t>
+            </a:r>
+          </a:p>
+        </p:txBody>
+      </p:sp>
+      <p:sp>
+        <p:nvSpPr>
+          <p:cNvPr id="3" name="Marcador de Posição de Conteúdo 2">
+            <a:extLst>
+              <a:ext uri="{FF2B5EF4-FFF2-40B4-BE49-F238E27FC236}">
+                <a16:creationId xmlns:a16="http://schemas.microsoft.com/office/drawing/2014/main" id="{AF06836B-9E5A-4A0A-BD5E-2B92B4EFB3AC}"/>
+              </a:ext>
+            </a:extLst>
+          </p:cNvPr>
+          <p:cNvSpPr>
+            <a:spLocks noGrp="1"/>
+          </p:cNvSpPr>
+          <p:nvPr>
+            <p:ph idx="1"/>
+          </p:nvPr>
+        </p:nvSpPr>
+        <p:spPr/>
+        <p:txBody>
+          <a:bodyPr>
+            <a:normAutofit/>
+          </a:bodyPr>
+          <a:lstStyle/>
+          <a:p>
+            <a:r>
+              <a:rPr lang="pt-PT" sz="1800" dirty="0"/>
+              <a:t>Familiarização com sistemas de bases de dados relacionais e não relacionais.</a:t>
+            </a:r>
+          </a:p>
+          <a:p>
+            <a:r>
+              <a:rPr lang="pt-PT" sz="1800" dirty="0"/>
+              <a:t>Maior eficiência das bases de dados no que toca ao armazenamento de um grande volume de dados.</a:t>
+            </a:r>
+          </a:p>
+          <a:p>
+            <a:endParaRPr lang="pt-PT" sz="1800" dirty="0"/>
+          </a:p>
+          <a:p>
+            <a:r>
+              <a:rPr lang="pt-PT" sz="1800" dirty="0"/>
+              <a:t>No entanto o trabalho não terminaria aqui.</a:t>
+            </a:r>
+          </a:p>
+          <a:p>
+            <a:pPr lvl="1"/>
+            <a:r>
+              <a:rPr lang="pt-PT" sz="1400" dirty="0"/>
+              <a:t>Eventuais melhorias</a:t>
+            </a:r>
+          </a:p>
+          <a:p>
+            <a:pPr lvl="1"/>
+            <a:r>
+              <a:rPr lang="pt-PT" sz="1400" dirty="0"/>
+              <a:t>Questões relacionadas com a manutenção</a:t>
+            </a:r>
+          </a:p>
+        </p:txBody>
+      </p:sp>
+    </p:spTree>
+    <p:extLst>
+      <p:ext uri="{BB962C8B-B14F-4D97-AF65-F5344CB8AC3E}">
+        <p14:creationId xmlns:p14="http://schemas.microsoft.com/office/powerpoint/2010/main" val="2942415365"/>
+      </p:ext>
+    </p:extLst>
+  </p:cSld>
+  <p:clrMapOvr>
+    <a:masterClrMapping/>
+  </p:clrMapOvr>
+</p:sld>
+</file>
+
+<file path=ppt/slides/slide13.xml><?xml version="1.0" encoding="utf-8"?>
+<p:sld xmlns:a="http://schemas.openxmlformats.org/drawingml/2006/main" xmlns:r="http://schemas.openxmlformats.org/officeDocument/2006/relationships" xmlns:p="http://schemas.openxmlformats.org/presentationml/2006/main">
+  <p:cSld>
+    <p:spTree>
+      <p:nvGrpSpPr>
+        <p:cNvPr id="1" name=""/>
+        <p:cNvGrpSpPr/>
+        <p:nvPr/>
+      </p:nvGrpSpPr>
+      <p:grpSpPr>
+        <a:xfrm>
+          <a:off x="0" y="0"/>
+          <a:ext cx="0" cy="0"/>
+          <a:chOff x="0" y="0"/>
+          <a:chExt cx="0" cy="0"/>
+        </a:xfrm>
+      </p:grpSpPr>
+      <p:sp>
+        <p:nvSpPr>
+          <p:cNvPr id="2" name="Título 1">
+            <a:extLst>
+              <a:ext uri="{FF2B5EF4-FFF2-40B4-BE49-F238E27FC236}">
+                <a16:creationId xmlns:a16="http://schemas.microsoft.com/office/drawing/2014/main" id="{963C1E1F-0821-40FC-B9DA-5C4759032E08}"/>
+              </a:ext>
+            </a:extLst>
+          </p:cNvPr>
+          <p:cNvSpPr>
+            <a:spLocks noGrp="1"/>
+          </p:cNvSpPr>
+          <p:nvPr>
+            <p:ph type="title"/>
+          </p:nvPr>
+        </p:nvSpPr>
+        <p:spPr>
+          <a:xfrm>
+            <a:off x="1143001" y="2169610"/>
+            <a:ext cx="9905998" cy="2518779"/>
+          </a:xfrm>
+        </p:spPr>
+        <p:txBody>
+          <a:bodyPr>
+            <a:normAutofit/>
+          </a:bodyPr>
+          <a:lstStyle/>
+          <a:p>
+            <a:pPr algn="ctr"/>
+            <a:r>
+              <a:rPr lang="pt-PT" sz="8000" dirty="0"/>
+              <a:t>Fim</a:t>
+            </a:r>
+          </a:p>
+        </p:txBody>
+      </p:sp>
+    </p:spTree>
+    <p:extLst>
+      <p:ext uri="{BB962C8B-B14F-4D97-AF65-F5344CB8AC3E}">
+        <p14:creationId xmlns:p14="http://schemas.microsoft.com/office/powerpoint/2010/main" val="4173340034"/>
+      </p:ext>
+    </p:extLst>
+  </p:cSld>
+  <p:clrMapOvr>
+    <a:masterClrMapping/>
+  </p:clrMapOvr>
+</p:sld>
+</file>
+
 <file path=ppt/slides/slide2.xml><?xml version="1.0" encoding="utf-8"?>
 <p:sld xmlns:a="http://schemas.openxmlformats.org/drawingml/2006/main" xmlns:r="http://schemas.openxmlformats.org/officeDocument/2006/relationships" xmlns:p="http://schemas.openxmlformats.org/presentationml/2006/main">
   <p:cSld>
@@ -13630,6 +14063,294 @@
     <p:extLst>
       <p:ext uri="{BB962C8B-B14F-4D97-AF65-F5344CB8AC3E}">
         <p14:creationId xmlns:p14="http://schemas.microsoft.com/office/powerpoint/2010/main" val="2576976277"/>
+      </p:ext>
+    </p:extLst>
+  </p:cSld>
+  <p:clrMapOvr>
+    <a:masterClrMapping/>
+  </p:clrMapOvr>
+</p:sld>
+</file>
+
+<file path=ppt/slides/slide8.xml><?xml version="1.0" encoding="utf-8"?>
+<p:sld xmlns:a="http://schemas.openxmlformats.org/drawingml/2006/main" xmlns:r="http://schemas.openxmlformats.org/officeDocument/2006/relationships" xmlns:p="http://schemas.openxmlformats.org/presentationml/2006/main">
+  <p:cSld>
+    <p:spTree>
+      <p:nvGrpSpPr>
+        <p:cNvPr id="1" name=""/>
+        <p:cNvGrpSpPr/>
+        <p:nvPr/>
+      </p:nvGrpSpPr>
+      <p:grpSpPr>
+        <a:xfrm>
+          <a:off x="0" y="0"/>
+          <a:ext cx="0" cy="0"/>
+          <a:chOff x="0" y="0"/>
+          <a:chExt cx="0" cy="0"/>
+        </a:xfrm>
+      </p:grpSpPr>
+      <p:sp>
+        <p:nvSpPr>
+          <p:cNvPr id="2" name="Título 1">
+            <a:extLst>
+              <a:ext uri="{FF2B5EF4-FFF2-40B4-BE49-F238E27FC236}">
+                <a16:creationId xmlns:a16="http://schemas.microsoft.com/office/drawing/2014/main" id="{220C6C52-199C-41E4-8F83-ADBDF52A2B58}"/>
+              </a:ext>
+            </a:extLst>
+          </p:cNvPr>
+          <p:cNvSpPr>
+            <a:spLocks noGrp="1"/>
+          </p:cNvSpPr>
+          <p:nvPr>
+            <p:ph type="title"/>
+          </p:nvPr>
+        </p:nvSpPr>
+        <p:spPr/>
+        <p:txBody>
+          <a:bodyPr/>
+          <a:lstStyle/>
+          <a:p>
+            <a:r>
+              <a:rPr lang="pt-PT" dirty="0"/>
+              <a:t>Implementação do </a:t>
+            </a:r>
+            <a:r>
+              <a:rPr lang="pt-PT" dirty="0" err="1"/>
+              <a:t>sgbd</a:t>
+            </a:r>
+            <a:r>
+              <a:rPr lang="pt-PT" dirty="0"/>
+              <a:t> relacional : Modelo Físico</a:t>
+            </a:r>
+          </a:p>
+        </p:txBody>
+      </p:sp>
+      <p:sp>
+        <p:nvSpPr>
+          <p:cNvPr id="3" name="Marcador de Posição de Conteúdo 2">
+            <a:extLst>
+              <a:ext uri="{FF2B5EF4-FFF2-40B4-BE49-F238E27FC236}">
+                <a16:creationId xmlns:a16="http://schemas.microsoft.com/office/drawing/2014/main" id="{7A1525E6-E6A7-40CF-ACBA-546F9A1791D3}"/>
+              </a:ext>
+            </a:extLst>
+          </p:cNvPr>
+          <p:cNvSpPr>
+            <a:spLocks noGrp="1"/>
+          </p:cNvSpPr>
+          <p:nvPr>
+            <p:ph idx="1"/>
+          </p:nvPr>
+        </p:nvSpPr>
+        <p:spPr>
+          <a:xfrm>
+            <a:off x="1141413" y="2249487"/>
+            <a:ext cx="3995364" cy="3541714"/>
+          </a:xfrm>
+        </p:spPr>
+        <p:txBody>
+          <a:bodyPr>
+            <a:normAutofit/>
+          </a:bodyPr>
+          <a:lstStyle/>
+          <a:p>
+            <a:r>
+              <a:rPr lang="pt-PT" sz="1800" dirty="0"/>
+              <a:t>Passagem para o modelo físico feito através da ferramenta disponibilidade pelo </a:t>
+            </a:r>
+            <a:r>
+              <a:rPr lang="pt-PT" sz="1800" dirty="0" err="1"/>
+              <a:t>MySQL</a:t>
+            </a:r>
+            <a:r>
+              <a:rPr lang="pt-PT" sz="1800" dirty="0"/>
+              <a:t> Workbench “</a:t>
+            </a:r>
+            <a:r>
+              <a:rPr lang="pt-PT" sz="1800" dirty="0" err="1"/>
+              <a:t>Forward</a:t>
+            </a:r>
+            <a:r>
+              <a:rPr lang="pt-PT" sz="1800" dirty="0"/>
+              <a:t> </a:t>
+            </a:r>
+            <a:r>
+              <a:rPr lang="pt-PT" sz="1800" dirty="0" err="1"/>
+              <a:t>Engineer</a:t>
+            </a:r>
+            <a:r>
+              <a:rPr lang="pt-PT" sz="1800" dirty="0"/>
+              <a:t>”.</a:t>
+            </a:r>
+          </a:p>
+          <a:p>
+            <a:r>
+              <a:rPr lang="pt-PT" sz="1800" dirty="0"/>
+              <a:t>Implementação de algumas </a:t>
+            </a:r>
+            <a:r>
+              <a:rPr lang="pt-PT" sz="1800" dirty="0" err="1"/>
+              <a:t>queries</a:t>
+            </a:r>
+            <a:r>
+              <a:rPr lang="pt-PT" sz="1800" dirty="0"/>
+              <a:t> relevantes.</a:t>
+            </a:r>
+          </a:p>
+        </p:txBody>
+      </p:sp>
+    </p:spTree>
+    <p:extLst>
+      <p:ext uri="{BB962C8B-B14F-4D97-AF65-F5344CB8AC3E}">
+        <p14:creationId xmlns:p14="http://schemas.microsoft.com/office/powerpoint/2010/main" val="1116501746"/>
+      </p:ext>
+    </p:extLst>
+  </p:cSld>
+  <p:clrMapOvr>
+    <a:masterClrMapping/>
+  </p:clrMapOvr>
+</p:sld>
+</file>
+
+<file path=ppt/slides/slide9.xml><?xml version="1.0" encoding="utf-8"?>
+<p:sld xmlns:a="http://schemas.openxmlformats.org/drawingml/2006/main" xmlns:r="http://schemas.openxmlformats.org/officeDocument/2006/relationships" xmlns:p="http://schemas.openxmlformats.org/presentationml/2006/main">
+  <p:cSld>
+    <p:spTree>
+      <p:nvGrpSpPr>
+        <p:cNvPr id="1" name=""/>
+        <p:cNvGrpSpPr/>
+        <p:nvPr/>
+      </p:nvGrpSpPr>
+      <p:grpSpPr>
+        <a:xfrm>
+          <a:off x="0" y="0"/>
+          <a:ext cx="0" cy="0"/>
+          <a:chOff x="0" y="0"/>
+          <a:chExt cx="0" cy="0"/>
+        </a:xfrm>
+      </p:grpSpPr>
+      <p:sp>
+        <p:nvSpPr>
+          <p:cNvPr id="2" name="Título 1">
+            <a:extLst>
+              <a:ext uri="{FF2B5EF4-FFF2-40B4-BE49-F238E27FC236}">
+                <a16:creationId xmlns:a16="http://schemas.microsoft.com/office/drawing/2014/main" id="{3A610915-4D04-4508-98C2-A81570AC5AB8}"/>
+              </a:ext>
+            </a:extLst>
+          </p:cNvPr>
+          <p:cNvSpPr>
+            <a:spLocks noGrp="1"/>
+          </p:cNvSpPr>
+          <p:nvPr>
+            <p:ph type="title"/>
+          </p:nvPr>
+        </p:nvSpPr>
+        <p:spPr/>
+        <p:txBody>
+          <a:bodyPr/>
+          <a:lstStyle/>
+          <a:p>
+            <a:r>
+              <a:rPr lang="pt-PT" dirty="0"/>
+              <a:t>Implementação do </a:t>
+            </a:r>
+            <a:r>
+              <a:rPr lang="pt-PT" dirty="0" err="1"/>
+              <a:t>sgbd</a:t>
+            </a:r>
+            <a:r>
+              <a:rPr lang="pt-PT" dirty="0"/>
+              <a:t> relacional : Objetivos</a:t>
+            </a:r>
+          </a:p>
+        </p:txBody>
+      </p:sp>
+      <p:sp>
+        <p:nvSpPr>
+          <p:cNvPr id="3" name="Marcador de Posição de Conteúdo 2">
+            <a:extLst>
+              <a:ext uri="{FF2B5EF4-FFF2-40B4-BE49-F238E27FC236}">
+                <a16:creationId xmlns:a16="http://schemas.microsoft.com/office/drawing/2014/main" id="{0E9ADB4E-ABBB-4F54-8A37-72A766E3CFB6}"/>
+              </a:ext>
+            </a:extLst>
+          </p:cNvPr>
+          <p:cNvSpPr>
+            <a:spLocks noGrp="1"/>
+          </p:cNvSpPr>
+          <p:nvPr>
+            <p:ph idx="1"/>
+          </p:nvPr>
+        </p:nvSpPr>
+        <p:spPr/>
+        <p:txBody>
+          <a:bodyPr>
+            <a:normAutofit/>
+          </a:bodyPr>
+          <a:lstStyle/>
+          <a:p>
+            <a:r>
+              <a:rPr lang="pt-PT" sz="1800" dirty="0"/>
+              <a:t>Lidar com </a:t>
+            </a:r>
+            <a:r>
+              <a:rPr lang="pt-PT" sz="1800" dirty="0" err="1"/>
+              <a:t>Big</a:t>
+            </a:r>
+            <a:r>
+              <a:rPr lang="pt-PT" sz="1800" dirty="0"/>
+              <a:t> Data</a:t>
+            </a:r>
+          </a:p>
+          <a:p>
+            <a:pPr lvl="1"/>
+            <a:r>
+              <a:rPr lang="pt-PT" sz="1400" dirty="0"/>
+              <a:t>Crescimento acentuado do volume de dados</a:t>
+            </a:r>
+          </a:p>
+          <a:p>
+            <a:pPr lvl="1"/>
+            <a:r>
+              <a:rPr lang="pt-PT" sz="1400" dirty="0"/>
+              <a:t>Perca de eficiência para realização de consultas sobre um elevado volume de dados</a:t>
+            </a:r>
+          </a:p>
+          <a:p>
+            <a:pPr lvl="1"/>
+            <a:r>
+              <a:rPr lang="pt-PT" sz="1400" dirty="0"/>
+              <a:t>As bases de dados relacionais não são escaláveis horizontalmente</a:t>
+            </a:r>
+          </a:p>
+          <a:p>
+            <a:pPr lvl="1"/>
+            <a:endParaRPr lang="pt-PT" sz="1400" dirty="0"/>
+          </a:p>
+          <a:p>
+            <a:r>
+              <a:rPr lang="pt-PT" sz="1800" dirty="0"/>
+              <a:t>Solução?</a:t>
+            </a:r>
+          </a:p>
+          <a:p>
+            <a:pPr lvl="1"/>
+            <a:r>
+              <a:rPr lang="pt-PT" sz="1400" dirty="0"/>
+              <a:t>Aceitar sacrificar algo a consistência de modo a garantir a eficiência</a:t>
+            </a:r>
+          </a:p>
+          <a:p>
+            <a:pPr lvl="1"/>
+            <a:r>
+              <a:rPr lang="pt-PT" sz="1400" dirty="0"/>
+              <a:t>Levou ao aparecimento de Bases de Dados não relacionais</a:t>
+            </a:r>
+          </a:p>
+        </p:txBody>
+      </p:sp>
+    </p:spTree>
+    <p:extLst>
+      <p:ext uri="{BB962C8B-B14F-4D97-AF65-F5344CB8AC3E}">
+        <p14:creationId xmlns:p14="http://schemas.microsoft.com/office/powerpoint/2010/main" val="2760215115"/>
       </p:ext>
     </p:extLst>
   </p:cSld>

--- a/relatorio/Presentation/presentation.pptx
+++ b/relatorio/Presentation/presentation.pptx
@@ -181,7 +181,7 @@
           <a:noFill/>
           <a:extLst>
             <a:ext uri="{909E8E84-426E-40dd-AFC4-6F175D3DCCD1}">
-              <a14:hiddenFill xmlns="" xmlns:a14="http://schemas.microsoft.com/office/drawing/2010/main">
+              <a14:hiddenFill xmlns:a14="http://schemas.microsoft.com/office/drawing/2010/main" xmlns="">
                 <a:solidFill>
                   <a:srgbClr val="FFFFFF"/>
                 </a:solidFill>
@@ -240,7 +240,7 @@
             </a:ln>
             <a:extLst>
               <a:ext uri="{91240B29-F687-4f45-9708-019B960494DF}">
-                <a14:hiddenLine xmlns="" xmlns:a14="http://schemas.microsoft.com/office/drawing/2010/main" w="9525">
+                <a14:hiddenLine xmlns:a14="http://schemas.microsoft.com/office/drawing/2010/main" xmlns="" w="9525">
                   <a:solidFill>
                     <a:srgbClr val="000000"/>
                   </a:solidFill>
@@ -330,7 +330,7 @@
             </a:ln>
             <a:extLst>
               <a:ext uri="{91240B29-F687-4f45-9708-019B960494DF}">
-                <a14:hiddenLine xmlns="" xmlns:a14="http://schemas.microsoft.com/office/drawing/2010/main" w="9525">
+                <a14:hiddenLine xmlns:a14="http://schemas.microsoft.com/office/drawing/2010/main" xmlns="" w="9525">
                   <a:solidFill>
                     <a:srgbClr val="000000"/>
                   </a:solidFill>
@@ -420,7 +420,7 @@
             </a:ln>
             <a:extLst>
               <a:ext uri="{91240B29-F687-4f45-9708-019B960494DF}">
-                <a14:hiddenLine xmlns="" xmlns:a14="http://schemas.microsoft.com/office/drawing/2010/main" w="9525">
+                <a14:hiddenLine xmlns:a14="http://schemas.microsoft.com/office/drawing/2010/main" xmlns="" w="9525">
                   <a:solidFill>
                     <a:srgbClr val="000000"/>
                   </a:solidFill>
@@ -454,7 +454,7 @@
             </a:ln>
             <a:extLst>
               <a:ext uri="{91240B29-F687-4f45-9708-019B960494DF}">
-                <a14:hiddenLine xmlns="" xmlns:a14="http://schemas.microsoft.com/office/drawing/2010/main" w="9525">
+                <a14:hiddenLine xmlns:a14="http://schemas.microsoft.com/office/drawing/2010/main" xmlns="" w="9525">
                   <a:solidFill>
                     <a:srgbClr val="000000"/>
                   </a:solidFill>
@@ -544,7 +544,7 @@
             </a:ln>
             <a:extLst>
               <a:ext uri="{91240B29-F687-4f45-9708-019B960494DF}">
-                <a14:hiddenLine xmlns="" xmlns:a14="http://schemas.microsoft.com/office/drawing/2010/main" w="9525">
+                <a14:hiddenLine xmlns:a14="http://schemas.microsoft.com/office/drawing/2010/main" xmlns="" w="9525">
                   <a:solidFill>
                     <a:srgbClr val="000000"/>
                   </a:solidFill>
@@ -606,7 +606,7 @@
             </a:ln>
             <a:extLst>
               <a:ext uri="{91240B29-F687-4f45-9708-019B960494DF}">
-                <a14:hiddenLine xmlns="" xmlns:a14="http://schemas.microsoft.com/office/drawing/2010/main" w="9525">
+                <a14:hiddenLine xmlns:a14="http://schemas.microsoft.com/office/drawing/2010/main" xmlns="" w="9525">
                   <a:solidFill>
                     <a:srgbClr val="000000"/>
                   </a:solidFill>
@@ -668,7 +668,7 @@
             </a:ln>
             <a:extLst>
               <a:ext uri="{91240B29-F687-4f45-9708-019B960494DF}">
-                <a14:hiddenLine xmlns="" xmlns:a14="http://schemas.microsoft.com/office/drawing/2010/main" w="9525">
+                <a14:hiddenLine xmlns:a14="http://schemas.microsoft.com/office/drawing/2010/main" xmlns="" w="9525">
                   <a:solidFill>
                     <a:srgbClr val="000000"/>
                   </a:solidFill>
@@ -758,7 +758,7 @@
             </a:ln>
             <a:extLst>
               <a:ext uri="{91240B29-F687-4f45-9708-019B960494DF}">
-                <a14:hiddenLine xmlns="" xmlns:a14="http://schemas.microsoft.com/office/drawing/2010/main" w="9525">
+                <a14:hiddenLine xmlns:a14="http://schemas.microsoft.com/office/drawing/2010/main" xmlns="" w="9525">
                   <a:solidFill>
                     <a:srgbClr val="000000"/>
                   </a:solidFill>
@@ -820,7 +820,7 @@
             </a:ln>
             <a:extLst>
               <a:ext uri="{91240B29-F687-4f45-9708-019B960494DF}">
-                <a14:hiddenLine xmlns="" xmlns:a14="http://schemas.microsoft.com/office/drawing/2010/main" w="9525">
+                <a14:hiddenLine xmlns:a14="http://schemas.microsoft.com/office/drawing/2010/main" xmlns="" w="9525">
                   <a:solidFill>
                     <a:srgbClr val="000000"/>
                   </a:solidFill>
@@ -882,7 +882,7 @@
             </a:ln>
             <a:extLst>
               <a:ext uri="{91240B29-F687-4f45-9708-019B960494DF}">
-                <a14:hiddenLine xmlns="" xmlns:a14="http://schemas.microsoft.com/office/drawing/2010/main" w="9525">
+                <a14:hiddenLine xmlns:a14="http://schemas.microsoft.com/office/drawing/2010/main" xmlns="" w="9525">
                   <a:solidFill>
                     <a:srgbClr val="000000"/>
                   </a:solidFill>
@@ -972,7 +972,7 @@
             </a:ln>
             <a:extLst>
               <a:ext uri="{91240B29-F687-4f45-9708-019B960494DF}">
-                <a14:hiddenLine xmlns="" xmlns:a14="http://schemas.microsoft.com/office/drawing/2010/main" w="9525">
+                <a14:hiddenLine xmlns:a14="http://schemas.microsoft.com/office/drawing/2010/main" xmlns="" w="9525">
                   <a:solidFill>
                     <a:srgbClr val="000000"/>
                   </a:solidFill>
@@ -1062,7 +1062,7 @@
             </a:ln>
             <a:extLst>
               <a:ext uri="{91240B29-F687-4f45-9708-019B960494DF}">
-                <a14:hiddenLine xmlns="" xmlns:a14="http://schemas.microsoft.com/office/drawing/2010/main" w="9525">
+                <a14:hiddenLine xmlns:a14="http://schemas.microsoft.com/office/drawing/2010/main" xmlns="" w="9525">
                   <a:solidFill>
                     <a:srgbClr val="000000"/>
                   </a:solidFill>
@@ -1124,7 +1124,7 @@
             </a:ln>
             <a:extLst>
               <a:ext uri="{91240B29-F687-4f45-9708-019B960494DF}">
-                <a14:hiddenLine xmlns="" xmlns:a14="http://schemas.microsoft.com/office/drawing/2010/main" w="9525">
+                <a14:hiddenLine xmlns:a14="http://schemas.microsoft.com/office/drawing/2010/main" xmlns="" w="9525">
                   <a:solidFill>
                     <a:srgbClr val="000000"/>
                   </a:solidFill>
@@ -1234,7 +1234,7 @@
             </a:ln>
             <a:extLst>
               <a:ext uri="{91240B29-F687-4f45-9708-019B960494DF}">
-                <a14:hiddenLine xmlns="" xmlns:a14="http://schemas.microsoft.com/office/drawing/2010/main" w="9525">
+                <a14:hiddenLine xmlns:a14="http://schemas.microsoft.com/office/drawing/2010/main" xmlns="" w="9525">
                   <a:solidFill>
                     <a:srgbClr val="000000"/>
                   </a:solidFill>
@@ -1296,7 +1296,7 @@
             </a:ln>
             <a:extLst>
               <a:ext uri="{91240B29-F687-4f45-9708-019B960494DF}">
-                <a14:hiddenLine xmlns="" xmlns:a14="http://schemas.microsoft.com/office/drawing/2010/main" w="9525">
+                <a14:hiddenLine xmlns:a14="http://schemas.microsoft.com/office/drawing/2010/main" xmlns="" w="9525">
                   <a:solidFill>
                     <a:srgbClr val="000000"/>
                   </a:solidFill>
@@ -1386,7 +1386,7 @@
             </a:ln>
             <a:extLst>
               <a:ext uri="{91240B29-F687-4f45-9708-019B960494DF}">
-                <a14:hiddenLine xmlns="" xmlns:a14="http://schemas.microsoft.com/office/drawing/2010/main" w="9525">
+                <a14:hiddenLine xmlns:a14="http://schemas.microsoft.com/office/drawing/2010/main" xmlns="" w="9525">
                   <a:solidFill>
                     <a:srgbClr val="000000"/>
                   </a:solidFill>
@@ -1476,7 +1476,7 @@
             </a:ln>
             <a:extLst>
               <a:ext uri="{91240B29-F687-4f45-9708-019B960494DF}">
-                <a14:hiddenLine xmlns="" xmlns:a14="http://schemas.microsoft.com/office/drawing/2010/main" w="9525">
+                <a14:hiddenLine xmlns:a14="http://schemas.microsoft.com/office/drawing/2010/main" xmlns="" w="9525">
                   <a:solidFill>
                     <a:srgbClr val="000000"/>
                   </a:solidFill>
@@ -1538,7 +1538,7 @@
             </a:ln>
             <a:extLst>
               <a:ext uri="{91240B29-F687-4f45-9708-019B960494DF}">
-                <a14:hiddenLine xmlns="" xmlns:a14="http://schemas.microsoft.com/office/drawing/2010/main" w="9525">
+                <a14:hiddenLine xmlns:a14="http://schemas.microsoft.com/office/drawing/2010/main" xmlns="" w="9525">
                   <a:solidFill>
                     <a:srgbClr val="000000"/>
                   </a:solidFill>
@@ -1628,7 +1628,7 @@
             </a:ln>
             <a:extLst>
               <a:ext uri="{91240B29-F687-4f45-9708-019B960494DF}">
-                <a14:hiddenLine xmlns="" xmlns:a14="http://schemas.microsoft.com/office/drawing/2010/main" w="9525">
+                <a14:hiddenLine xmlns:a14="http://schemas.microsoft.com/office/drawing/2010/main" xmlns="" w="9525">
                   <a:solidFill>
                     <a:srgbClr val="000000"/>
                   </a:solidFill>
@@ -1718,7 +1718,7 @@
             </a:ln>
             <a:extLst>
               <a:ext uri="{91240B29-F687-4f45-9708-019B960494DF}">
-                <a14:hiddenLine xmlns="" xmlns:a14="http://schemas.microsoft.com/office/drawing/2010/main" w="9525">
+                <a14:hiddenLine xmlns:a14="http://schemas.microsoft.com/office/drawing/2010/main" xmlns="" w="9525">
                   <a:solidFill>
                     <a:srgbClr val="000000"/>
                   </a:solidFill>
@@ -1774,7 +1774,7 @@
             </a:ln>
             <a:extLst>
               <a:ext uri="{91240B29-F687-4f45-9708-019B960494DF}">
-                <a14:hiddenLine xmlns="" xmlns:a14="http://schemas.microsoft.com/office/drawing/2010/main" w="9525">
+                <a14:hiddenLine xmlns:a14="http://schemas.microsoft.com/office/drawing/2010/main" xmlns="" w="9525">
                   <a:solidFill>
                     <a:srgbClr val="000000"/>
                   </a:solidFill>
@@ -1864,7 +1864,7 @@
             </a:ln>
             <a:extLst>
               <a:ext uri="{91240B29-F687-4f45-9708-019B960494DF}">
-                <a14:hiddenLine xmlns="" xmlns:a14="http://schemas.microsoft.com/office/drawing/2010/main" w="9525">
+                <a14:hiddenLine xmlns:a14="http://schemas.microsoft.com/office/drawing/2010/main" xmlns="" w="9525">
                   <a:solidFill>
                     <a:srgbClr val="000000"/>
                   </a:solidFill>
@@ -1920,7 +1920,7 @@
             </a:ln>
             <a:extLst>
               <a:ext uri="{91240B29-F687-4f45-9708-019B960494DF}">
-                <a14:hiddenLine xmlns="" xmlns:a14="http://schemas.microsoft.com/office/drawing/2010/main" w="9525">
+                <a14:hiddenLine xmlns:a14="http://schemas.microsoft.com/office/drawing/2010/main" xmlns="" w="9525">
                   <a:solidFill>
                     <a:srgbClr val="000000"/>
                   </a:solidFill>
@@ -2010,7 +2010,7 @@
             </a:ln>
             <a:extLst>
               <a:ext uri="{91240B29-F687-4f45-9708-019B960494DF}">
-                <a14:hiddenLine xmlns="" xmlns:a14="http://schemas.microsoft.com/office/drawing/2010/main" w="9525">
+                <a14:hiddenLine xmlns:a14="http://schemas.microsoft.com/office/drawing/2010/main" xmlns="" w="9525">
                   <a:solidFill>
                     <a:srgbClr val="000000"/>
                   </a:solidFill>
@@ -2078,7 +2078,7 @@
             </a:ln>
             <a:extLst>
               <a:ext uri="{91240B29-F687-4f45-9708-019B960494DF}">
-                <a14:hiddenLine xmlns="" xmlns:a14="http://schemas.microsoft.com/office/drawing/2010/main" w="9525">
+                <a14:hiddenLine xmlns:a14="http://schemas.microsoft.com/office/drawing/2010/main" xmlns="" w="9525">
                   <a:solidFill>
                     <a:srgbClr val="000000"/>
                   </a:solidFill>
@@ -2168,7 +2168,7 @@
             </a:ln>
             <a:extLst>
               <a:ext uri="{91240B29-F687-4f45-9708-019B960494DF}">
-                <a14:hiddenLine xmlns="" xmlns:a14="http://schemas.microsoft.com/office/drawing/2010/main" w="9525">
+                <a14:hiddenLine xmlns:a14="http://schemas.microsoft.com/office/drawing/2010/main" xmlns="" w="9525">
                   <a:solidFill>
                     <a:srgbClr val="000000"/>
                   </a:solidFill>
@@ -2236,7 +2236,7 @@
             </a:ln>
             <a:extLst>
               <a:ext uri="{91240B29-F687-4f45-9708-019B960494DF}">
-                <a14:hiddenLine xmlns="" xmlns:a14="http://schemas.microsoft.com/office/drawing/2010/main" w="9525">
+                <a14:hiddenLine xmlns:a14="http://schemas.microsoft.com/office/drawing/2010/main" xmlns="" w="9525">
                   <a:solidFill>
                     <a:srgbClr val="000000"/>
                   </a:solidFill>
@@ -2326,7 +2326,7 @@
             </a:ln>
             <a:extLst>
               <a:ext uri="{91240B29-F687-4f45-9708-019B960494DF}">
-                <a14:hiddenLine xmlns="" xmlns:a14="http://schemas.microsoft.com/office/drawing/2010/main" w="9525">
+                <a14:hiddenLine xmlns:a14="http://schemas.microsoft.com/office/drawing/2010/main" xmlns="" w="9525">
                   <a:solidFill>
                     <a:srgbClr val="000000"/>
                   </a:solidFill>
@@ -2360,7 +2360,7 @@
             </a:ln>
             <a:extLst>
               <a:ext uri="{91240B29-F687-4f45-9708-019B960494DF}">
-                <a14:hiddenLine xmlns="" xmlns:a14="http://schemas.microsoft.com/office/drawing/2010/main" w="9525">
+                <a14:hiddenLine xmlns:a14="http://schemas.microsoft.com/office/drawing/2010/main" xmlns="" w="9525">
                   <a:solidFill>
                     <a:srgbClr val="000000"/>
                   </a:solidFill>
@@ -2450,7 +2450,7 @@
             </a:ln>
             <a:extLst>
               <a:ext uri="{91240B29-F687-4f45-9708-019B960494DF}">
-                <a14:hiddenLine xmlns="" xmlns:a14="http://schemas.microsoft.com/office/drawing/2010/main" w="9525">
+                <a14:hiddenLine xmlns:a14="http://schemas.microsoft.com/office/drawing/2010/main" xmlns="" w="9525">
                   <a:solidFill>
                     <a:srgbClr val="000000"/>
                   </a:solidFill>
@@ -2512,7 +2512,7 @@
             </a:ln>
             <a:extLst>
               <a:ext uri="{91240B29-F687-4f45-9708-019B960494DF}">
-                <a14:hiddenLine xmlns="" xmlns:a14="http://schemas.microsoft.com/office/drawing/2010/main" w="9525">
+                <a14:hiddenLine xmlns:a14="http://schemas.microsoft.com/office/drawing/2010/main" xmlns="" w="9525">
                   <a:solidFill>
                     <a:srgbClr val="000000"/>
                   </a:solidFill>
@@ -2574,7 +2574,7 @@
             </a:ln>
             <a:extLst>
               <a:ext uri="{91240B29-F687-4f45-9708-019B960494DF}">
-                <a14:hiddenLine xmlns="" xmlns:a14="http://schemas.microsoft.com/office/drawing/2010/main" w="9525">
+                <a14:hiddenLine xmlns:a14="http://schemas.microsoft.com/office/drawing/2010/main" xmlns="" w="9525">
                   <a:solidFill>
                     <a:srgbClr val="000000"/>
                   </a:solidFill>
@@ -2664,7 +2664,7 @@
             </a:ln>
             <a:extLst>
               <a:ext uri="{91240B29-F687-4f45-9708-019B960494DF}">
-                <a14:hiddenLine xmlns="" xmlns:a14="http://schemas.microsoft.com/office/drawing/2010/main" w="9525">
+                <a14:hiddenLine xmlns:a14="http://schemas.microsoft.com/office/drawing/2010/main" xmlns="" w="9525">
                   <a:solidFill>
                     <a:srgbClr val="000000"/>
                   </a:solidFill>
@@ -2732,7 +2732,7 @@
             </a:ln>
             <a:extLst>
               <a:ext uri="{91240B29-F687-4f45-9708-019B960494DF}">
-                <a14:hiddenLine xmlns="" xmlns:a14="http://schemas.microsoft.com/office/drawing/2010/main" w="9525">
+                <a14:hiddenLine xmlns:a14="http://schemas.microsoft.com/office/drawing/2010/main" xmlns="" w="9525">
                   <a:solidFill>
                     <a:srgbClr val="000000"/>
                   </a:solidFill>
@@ -2794,7 +2794,7 @@
             </a:ln>
             <a:extLst>
               <a:ext uri="{91240B29-F687-4f45-9708-019B960494DF}">
-                <a14:hiddenLine xmlns="" xmlns:a14="http://schemas.microsoft.com/office/drawing/2010/main" w="9525">
+                <a14:hiddenLine xmlns:a14="http://schemas.microsoft.com/office/drawing/2010/main" xmlns="" w="9525">
                   <a:solidFill>
                     <a:srgbClr val="000000"/>
                   </a:solidFill>
@@ -2884,7 +2884,7 @@
             </a:ln>
             <a:extLst>
               <a:ext uri="{91240B29-F687-4f45-9708-019B960494DF}">
-                <a14:hiddenLine xmlns="" xmlns:a14="http://schemas.microsoft.com/office/drawing/2010/main" w="9525">
+                <a14:hiddenLine xmlns:a14="http://schemas.microsoft.com/office/drawing/2010/main" xmlns="" w="9525">
                   <a:solidFill>
                     <a:srgbClr val="000000"/>
                   </a:solidFill>
@@ -2946,7 +2946,7 @@
             </a:ln>
             <a:extLst>
               <a:ext uri="{91240B29-F687-4f45-9708-019B960494DF}">
-                <a14:hiddenLine xmlns="" xmlns:a14="http://schemas.microsoft.com/office/drawing/2010/main" w="9525">
+                <a14:hiddenLine xmlns:a14="http://schemas.microsoft.com/office/drawing/2010/main" xmlns="" w="9525">
                   <a:solidFill>
                     <a:srgbClr val="000000"/>
                   </a:solidFill>
@@ -3036,7 +3036,7 @@
             </a:ln>
             <a:extLst>
               <a:ext uri="{91240B29-F687-4f45-9708-019B960494DF}">
-                <a14:hiddenLine xmlns="" xmlns:a14="http://schemas.microsoft.com/office/drawing/2010/main" w="9525">
+                <a14:hiddenLine xmlns:a14="http://schemas.microsoft.com/office/drawing/2010/main" xmlns="" w="9525">
                   <a:solidFill>
                     <a:srgbClr val="000000"/>
                   </a:solidFill>
@@ -3098,7 +3098,7 @@
             </a:ln>
             <a:extLst>
               <a:ext uri="{91240B29-F687-4f45-9708-019B960494DF}">
-                <a14:hiddenLine xmlns="" xmlns:a14="http://schemas.microsoft.com/office/drawing/2010/main" w="9525">
+                <a14:hiddenLine xmlns:a14="http://schemas.microsoft.com/office/drawing/2010/main" xmlns="" w="9525">
                   <a:solidFill>
                     <a:srgbClr val="000000"/>
                   </a:solidFill>
@@ -3188,7 +3188,7 @@
             </a:ln>
             <a:extLst>
               <a:ext uri="{91240B29-F687-4f45-9708-019B960494DF}">
-                <a14:hiddenLine xmlns="" xmlns:a14="http://schemas.microsoft.com/office/drawing/2010/main" w="9525">
+                <a14:hiddenLine xmlns:a14="http://schemas.microsoft.com/office/drawing/2010/main" xmlns="" w="9525">
                   <a:solidFill>
                     <a:srgbClr val="000000"/>
                   </a:solidFill>
@@ -3222,7 +3222,7 @@
             </a:ln>
             <a:extLst>
               <a:ext uri="{91240B29-F687-4f45-9708-019B960494DF}">
-                <a14:hiddenLine xmlns="" xmlns:a14="http://schemas.microsoft.com/office/drawing/2010/main" w="9525">
+                <a14:hiddenLine xmlns:a14="http://schemas.microsoft.com/office/drawing/2010/main" xmlns="" w="9525">
                   <a:solidFill>
                     <a:srgbClr val="000000"/>
                   </a:solidFill>
@@ -3287,7 +3287,7 @@
             </a:ln>
             <a:extLst>
               <a:ext uri="{91240B29-F687-4f45-9708-019B960494DF}">
-                <a14:hiddenLine xmlns="" xmlns:a14="http://schemas.microsoft.com/office/drawing/2010/main" w="9525">
+                <a14:hiddenLine xmlns:a14="http://schemas.microsoft.com/office/drawing/2010/main" xmlns="" w="9525">
                   <a:solidFill>
                     <a:srgbClr val="000000"/>
                   </a:solidFill>
@@ -3377,7 +3377,7 @@
             </a:ln>
             <a:extLst>
               <a:ext uri="{91240B29-F687-4f45-9708-019B960494DF}">
-                <a14:hiddenLine xmlns="" xmlns:a14="http://schemas.microsoft.com/office/drawing/2010/main" w="9525">
+                <a14:hiddenLine xmlns:a14="http://schemas.microsoft.com/office/drawing/2010/main" xmlns="" w="9525">
                   <a:solidFill>
                     <a:srgbClr val="000000"/>
                   </a:solidFill>
@@ -3439,7 +3439,7 @@
             </a:ln>
             <a:extLst>
               <a:ext uri="{91240B29-F687-4f45-9708-019B960494DF}">
-                <a14:hiddenLine xmlns="" xmlns:a14="http://schemas.microsoft.com/office/drawing/2010/main" w="9525">
+                <a14:hiddenLine xmlns:a14="http://schemas.microsoft.com/office/drawing/2010/main" xmlns="" w="9525">
                   <a:solidFill>
                     <a:srgbClr val="000000"/>
                   </a:solidFill>
@@ -3529,7 +3529,7 @@
             </a:ln>
             <a:extLst>
               <a:ext uri="{91240B29-F687-4f45-9708-019B960494DF}">
-                <a14:hiddenLine xmlns="" xmlns:a14="http://schemas.microsoft.com/office/drawing/2010/main" w="9525">
+                <a14:hiddenLine xmlns:a14="http://schemas.microsoft.com/office/drawing/2010/main" xmlns="" w="9525">
                   <a:solidFill>
                     <a:srgbClr val="000000"/>
                   </a:solidFill>
@@ -3619,7 +3619,7 @@
             </a:ln>
             <a:extLst>
               <a:ext uri="{91240B29-F687-4f45-9708-019B960494DF}">
-                <a14:hiddenLine xmlns="" xmlns:a14="http://schemas.microsoft.com/office/drawing/2010/main" w="9525">
+                <a14:hiddenLine xmlns:a14="http://schemas.microsoft.com/office/drawing/2010/main" xmlns="" w="9525">
                   <a:solidFill>
                     <a:srgbClr val="000000"/>
                   </a:solidFill>
@@ -3684,7 +3684,7 @@
             </a:ln>
             <a:extLst>
               <a:ext uri="{91240B29-F687-4f45-9708-019B960494DF}">
-                <a14:hiddenLine xmlns="" xmlns:a14="http://schemas.microsoft.com/office/drawing/2010/main" w="9525">
+                <a14:hiddenLine xmlns:a14="http://schemas.microsoft.com/office/drawing/2010/main" xmlns="" w="9525">
                   <a:solidFill>
                     <a:srgbClr val="000000"/>
                   </a:solidFill>
@@ -3746,7 +3746,7 @@
             </a:ln>
             <a:extLst>
               <a:ext uri="{91240B29-F687-4f45-9708-019B960494DF}">
-                <a14:hiddenLine xmlns="" xmlns:a14="http://schemas.microsoft.com/office/drawing/2010/main" w="9525">
+                <a14:hiddenLine xmlns:a14="http://schemas.microsoft.com/office/drawing/2010/main" xmlns="" w="9525">
                   <a:solidFill>
                     <a:srgbClr val="000000"/>
                   </a:solidFill>
@@ -3836,7 +3836,7 @@
             </a:ln>
             <a:extLst>
               <a:ext uri="{91240B29-F687-4f45-9708-019B960494DF}">
-                <a14:hiddenLine xmlns="" xmlns:a14="http://schemas.microsoft.com/office/drawing/2010/main" w="9525">
+                <a14:hiddenLine xmlns:a14="http://schemas.microsoft.com/office/drawing/2010/main" xmlns="" w="9525">
                   <a:solidFill>
                     <a:srgbClr val="000000"/>
                   </a:solidFill>
@@ -3926,7 +3926,7 @@
             </a:ln>
             <a:extLst>
               <a:ext uri="{91240B29-F687-4f45-9708-019B960494DF}">
-                <a14:hiddenLine xmlns="" xmlns:a14="http://schemas.microsoft.com/office/drawing/2010/main" w="9525">
+                <a14:hiddenLine xmlns:a14="http://schemas.microsoft.com/office/drawing/2010/main" xmlns="" w="9525">
                   <a:solidFill>
                     <a:srgbClr val="000000"/>
                   </a:solidFill>
@@ -3988,7 +3988,7 @@
             </a:ln>
             <a:extLst>
               <a:ext uri="{91240B29-F687-4f45-9708-019B960494DF}">
-                <a14:hiddenLine xmlns="" xmlns:a14="http://schemas.microsoft.com/office/drawing/2010/main" w="9525">
+                <a14:hiddenLine xmlns:a14="http://schemas.microsoft.com/office/drawing/2010/main" xmlns="" w="9525">
                   <a:solidFill>
                     <a:srgbClr val="000000"/>
                   </a:solidFill>
@@ -4108,7 +4108,7 @@
             </a:ln>
             <a:extLst>
               <a:ext uri="{91240B29-F687-4f45-9708-019B960494DF}">
-                <a14:hiddenLine xmlns="" xmlns:a14="http://schemas.microsoft.com/office/drawing/2010/main" w="9525">
+                <a14:hiddenLine xmlns:a14="http://schemas.microsoft.com/office/drawing/2010/main" xmlns="" w="9525">
                   <a:solidFill>
                     <a:srgbClr val="000000"/>
                   </a:solidFill>
@@ -4176,7 +4176,7 @@
             </a:ln>
             <a:extLst>
               <a:ext uri="{91240B29-F687-4f45-9708-019B960494DF}">
-                <a14:hiddenLine xmlns="" xmlns:a14="http://schemas.microsoft.com/office/drawing/2010/main" w="9525">
+                <a14:hiddenLine xmlns:a14="http://schemas.microsoft.com/office/drawing/2010/main" xmlns="" w="9525">
                   <a:solidFill>
                     <a:srgbClr val="000000"/>
                   </a:solidFill>
@@ -4266,7 +4266,7 @@
             </a:ln>
             <a:extLst>
               <a:ext uri="{91240B29-F687-4f45-9708-019B960494DF}">
-                <a14:hiddenLine xmlns="" xmlns:a14="http://schemas.microsoft.com/office/drawing/2010/main" w="9525">
+                <a14:hiddenLine xmlns:a14="http://schemas.microsoft.com/office/drawing/2010/main" xmlns="" w="9525">
                   <a:solidFill>
                     <a:srgbClr val="000000"/>
                   </a:solidFill>
@@ -9080,7 +9080,7 @@
           <a:noFill/>
           <a:extLst>
             <a:ext uri="{909E8E84-426E-40dd-AFC4-6F175D3DCCD1}">
-              <a14:hiddenFill xmlns="" xmlns:a14="http://schemas.microsoft.com/office/drawing/2010/main">
+              <a14:hiddenFill xmlns:a14="http://schemas.microsoft.com/office/drawing/2010/main" xmlns="">
                 <a:solidFill>
                   <a:srgbClr val="FFFFFF"/>
                 </a:solidFill>
@@ -9154,7 +9154,7 @@
               </a:ln>
               <a:extLst>
                 <a:ext uri="{91240B29-F687-4f45-9708-019B960494DF}">
-                  <a14:hiddenLine xmlns="" xmlns:a14="http://schemas.microsoft.com/office/drawing/2010/main" w="9525">
+                  <a14:hiddenLine xmlns:a14="http://schemas.microsoft.com/office/drawing/2010/main" xmlns="" w="9525">
                     <a:solidFill>
                       <a:srgbClr val="000000"/>
                     </a:solidFill>
@@ -9244,7 +9244,7 @@
               </a:ln>
               <a:extLst>
                 <a:ext uri="{91240B29-F687-4f45-9708-019B960494DF}">
-                  <a14:hiddenLine xmlns="" xmlns:a14="http://schemas.microsoft.com/office/drawing/2010/main" w="9525">
+                  <a14:hiddenLine xmlns:a14="http://schemas.microsoft.com/office/drawing/2010/main" xmlns="" w="9525">
                     <a:solidFill>
                       <a:srgbClr val="000000"/>
                     </a:solidFill>
@@ -9334,7 +9334,7 @@
               </a:ln>
               <a:extLst>
                 <a:ext uri="{91240B29-F687-4f45-9708-019B960494DF}">
-                  <a14:hiddenLine xmlns="" xmlns:a14="http://schemas.microsoft.com/office/drawing/2010/main" w="9525">
+                  <a14:hiddenLine xmlns:a14="http://schemas.microsoft.com/office/drawing/2010/main" xmlns="" w="9525">
                     <a:solidFill>
                       <a:srgbClr val="000000"/>
                     </a:solidFill>
@@ -9396,7 +9396,7 @@
               </a:ln>
               <a:extLst>
                 <a:ext uri="{91240B29-F687-4f45-9708-019B960494DF}">
-                  <a14:hiddenLine xmlns="" xmlns:a14="http://schemas.microsoft.com/office/drawing/2010/main" w="9525">
+                  <a14:hiddenLine xmlns:a14="http://schemas.microsoft.com/office/drawing/2010/main" xmlns="" w="9525">
                     <a:solidFill>
                       <a:srgbClr val="000000"/>
                     </a:solidFill>
@@ -9486,7 +9486,7 @@
               </a:ln>
               <a:extLst>
                 <a:ext uri="{91240B29-F687-4f45-9708-019B960494DF}">
-                  <a14:hiddenLine xmlns="" xmlns:a14="http://schemas.microsoft.com/office/drawing/2010/main" w="9525">
+                  <a14:hiddenLine xmlns:a14="http://schemas.microsoft.com/office/drawing/2010/main" xmlns="" w="9525">
                     <a:solidFill>
                       <a:srgbClr val="000000"/>
                     </a:solidFill>
@@ -9548,7 +9548,7 @@
               </a:ln>
               <a:extLst>
                 <a:ext uri="{91240B29-F687-4f45-9708-019B960494DF}">
-                  <a14:hiddenLine xmlns="" xmlns:a14="http://schemas.microsoft.com/office/drawing/2010/main" w="9525">
+                  <a14:hiddenLine xmlns:a14="http://schemas.microsoft.com/office/drawing/2010/main" xmlns="" w="9525">
                     <a:solidFill>
                       <a:srgbClr val="000000"/>
                     </a:solidFill>
@@ -9610,7 +9610,7 @@
               </a:ln>
               <a:extLst>
                 <a:ext uri="{91240B29-F687-4f45-9708-019B960494DF}">
-                  <a14:hiddenLine xmlns="" xmlns:a14="http://schemas.microsoft.com/office/drawing/2010/main" w="9525">
+                  <a14:hiddenLine xmlns:a14="http://schemas.microsoft.com/office/drawing/2010/main" xmlns="" w="9525">
                     <a:solidFill>
                       <a:srgbClr val="000000"/>
                     </a:solidFill>
@@ -9700,7 +9700,7 @@
               </a:ln>
               <a:extLst>
                 <a:ext uri="{91240B29-F687-4f45-9708-019B960494DF}">
-                  <a14:hiddenLine xmlns="" xmlns:a14="http://schemas.microsoft.com/office/drawing/2010/main" w="9525">
+                  <a14:hiddenLine xmlns:a14="http://schemas.microsoft.com/office/drawing/2010/main" xmlns="" w="9525">
                     <a:solidFill>
                       <a:srgbClr val="000000"/>
                     </a:solidFill>
@@ -9790,7 +9790,7 @@
               </a:ln>
               <a:extLst>
                 <a:ext uri="{91240B29-F687-4f45-9708-019B960494DF}">
-                  <a14:hiddenLine xmlns="" xmlns:a14="http://schemas.microsoft.com/office/drawing/2010/main" w="9525">
+                  <a14:hiddenLine xmlns:a14="http://schemas.microsoft.com/office/drawing/2010/main" xmlns="" w="9525">
                     <a:solidFill>
                       <a:srgbClr val="000000"/>
                     </a:solidFill>
@@ -9852,7 +9852,7 @@
               </a:ln>
               <a:extLst>
                 <a:ext uri="{91240B29-F687-4f45-9708-019B960494DF}">
-                  <a14:hiddenLine xmlns="" xmlns:a14="http://schemas.microsoft.com/office/drawing/2010/main" w="9525">
+                  <a14:hiddenLine xmlns:a14="http://schemas.microsoft.com/office/drawing/2010/main" xmlns="" w="9525">
                     <a:solidFill>
                       <a:srgbClr val="000000"/>
                     </a:solidFill>
@@ -9962,7 +9962,7 @@
               </a:ln>
               <a:extLst>
                 <a:ext uri="{91240B29-F687-4f45-9708-019B960494DF}">
-                  <a14:hiddenLine xmlns="" xmlns:a14="http://schemas.microsoft.com/office/drawing/2010/main" w="9525">
+                  <a14:hiddenLine xmlns:a14="http://schemas.microsoft.com/office/drawing/2010/main" xmlns="" w="9525">
                     <a:solidFill>
                       <a:srgbClr val="000000"/>
                     </a:solidFill>
@@ -10046,7 +10046,7 @@
               </a:ln>
               <a:extLst>
                 <a:ext uri="{91240B29-F687-4f45-9708-019B960494DF}">
-                  <a14:hiddenLine xmlns="" xmlns:a14="http://schemas.microsoft.com/office/drawing/2010/main" w="9525">
+                  <a14:hiddenLine xmlns:a14="http://schemas.microsoft.com/office/drawing/2010/main" xmlns="" w="9525">
                     <a:solidFill>
                       <a:srgbClr val="000000"/>
                     </a:solidFill>
@@ -10108,7 +10108,7 @@
               </a:ln>
               <a:extLst>
                 <a:ext uri="{91240B29-F687-4f45-9708-019B960494DF}">
-                  <a14:hiddenLine xmlns="" xmlns:a14="http://schemas.microsoft.com/office/drawing/2010/main" w="9525">
+                  <a14:hiddenLine xmlns:a14="http://schemas.microsoft.com/office/drawing/2010/main" xmlns="" w="9525">
                     <a:solidFill>
                       <a:srgbClr val="000000"/>
                     </a:solidFill>
@@ -10170,7 +10170,7 @@
               </a:ln>
               <a:extLst>
                 <a:ext uri="{91240B29-F687-4f45-9708-019B960494DF}">
-                  <a14:hiddenLine xmlns="" xmlns:a14="http://schemas.microsoft.com/office/drawing/2010/main" w="9525">
+                  <a14:hiddenLine xmlns:a14="http://schemas.microsoft.com/office/drawing/2010/main" xmlns="" w="9525">
                     <a:solidFill>
                       <a:srgbClr val="000000"/>
                     </a:solidFill>
@@ -10260,7 +10260,7 @@
               </a:ln>
               <a:extLst>
                 <a:ext uri="{91240B29-F687-4f45-9708-019B960494DF}">
-                  <a14:hiddenLine xmlns="" xmlns:a14="http://schemas.microsoft.com/office/drawing/2010/main" w="9525">
+                  <a14:hiddenLine xmlns:a14="http://schemas.microsoft.com/office/drawing/2010/main" xmlns="" w="9525">
                     <a:solidFill>
                       <a:srgbClr val="000000"/>
                     </a:solidFill>
@@ -10294,7 +10294,7 @@
               </a:ln>
               <a:extLst>
                 <a:ext uri="{91240B29-F687-4f45-9708-019B960494DF}">
-                  <a14:hiddenLine xmlns="" xmlns:a14="http://schemas.microsoft.com/office/drawing/2010/main" w="9525">
+                  <a14:hiddenLine xmlns:a14="http://schemas.microsoft.com/office/drawing/2010/main" xmlns="" w="9525">
                     <a:solidFill>
                       <a:srgbClr val="000000"/>
                     </a:solidFill>
@@ -10359,7 +10359,7 @@
               </a:ln>
               <a:extLst>
                 <a:ext uri="{91240B29-F687-4f45-9708-019B960494DF}">
-                  <a14:hiddenLine xmlns="" xmlns:a14="http://schemas.microsoft.com/office/drawing/2010/main" w="9525">
+                  <a14:hiddenLine xmlns:a14="http://schemas.microsoft.com/office/drawing/2010/main" xmlns="" w="9525">
                     <a:solidFill>
                       <a:srgbClr val="000000"/>
                     </a:solidFill>
@@ -10449,7 +10449,7 @@
               </a:ln>
               <a:extLst>
                 <a:ext uri="{91240B29-F687-4f45-9708-019B960494DF}">
-                  <a14:hiddenLine xmlns="" xmlns:a14="http://schemas.microsoft.com/office/drawing/2010/main" w="9525">
+                  <a14:hiddenLine xmlns:a14="http://schemas.microsoft.com/office/drawing/2010/main" xmlns="" w="9525">
                     <a:solidFill>
                       <a:srgbClr val="000000"/>
                     </a:solidFill>
@@ -10511,7 +10511,7 @@
               </a:ln>
               <a:extLst>
                 <a:ext uri="{91240B29-F687-4f45-9708-019B960494DF}">
-                  <a14:hiddenLine xmlns="" xmlns:a14="http://schemas.microsoft.com/office/drawing/2010/main" w="9525">
+                  <a14:hiddenLine xmlns:a14="http://schemas.microsoft.com/office/drawing/2010/main" xmlns="" w="9525">
                     <a:solidFill>
                       <a:srgbClr val="000000"/>
                     </a:solidFill>
@@ -10601,7 +10601,7 @@
               </a:ln>
               <a:extLst>
                 <a:ext uri="{91240B29-F687-4f45-9708-019B960494DF}">
-                  <a14:hiddenLine xmlns="" xmlns:a14="http://schemas.microsoft.com/office/drawing/2010/main" w="9525">
+                  <a14:hiddenLine xmlns:a14="http://schemas.microsoft.com/office/drawing/2010/main" xmlns="" w="9525">
                     <a:solidFill>
                       <a:srgbClr val="000000"/>
                     </a:solidFill>
@@ -10666,7 +10666,7 @@
               </a:ln>
               <a:extLst>
                 <a:ext uri="{91240B29-F687-4f45-9708-019B960494DF}">
-                  <a14:hiddenLine xmlns="" xmlns:a14="http://schemas.microsoft.com/office/drawing/2010/main" w="9525">
+                  <a14:hiddenLine xmlns:a14="http://schemas.microsoft.com/office/drawing/2010/main" xmlns="" w="9525">
                     <a:solidFill>
                       <a:srgbClr val="000000"/>
                     </a:solidFill>
@@ -10728,7 +10728,7 @@
               </a:ln>
               <a:extLst>
                 <a:ext uri="{91240B29-F687-4f45-9708-019B960494DF}">
-                  <a14:hiddenLine xmlns="" xmlns:a14="http://schemas.microsoft.com/office/drawing/2010/main" w="9525">
+                  <a14:hiddenLine xmlns:a14="http://schemas.microsoft.com/office/drawing/2010/main" xmlns="" w="9525">
                     <a:solidFill>
                       <a:srgbClr val="000000"/>
                     </a:solidFill>
@@ -10818,7 +10818,7 @@
               </a:ln>
               <a:extLst>
                 <a:ext uri="{91240B29-F687-4f45-9708-019B960494DF}">
-                  <a14:hiddenLine xmlns="" xmlns:a14="http://schemas.microsoft.com/office/drawing/2010/main" w="9525">
+                  <a14:hiddenLine xmlns:a14="http://schemas.microsoft.com/office/drawing/2010/main" xmlns="" w="9525">
                     <a:solidFill>
                       <a:srgbClr val="000000"/>
                     </a:solidFill>
@@ -10908,7 +10908,7 @@
               </a:ln>
               <a:extLst>
                 <a:ext uri="{91240B29-F687-4f45-9708-019B960494DF}">
-                  <a14:hiddenLine xmlns="" xmlns:a14="http://schemas.microsoft.com/office/drawing/2010/main" w="9525">
+                  <a14:hiddenLine xmlns:a14="http://schemas.microsoft.com/office/drawing/2010/main" xmlns="" w="9525">
                     <a:solidFill>
                       <a:srgbClr val="000000"/>
                     </a:solidFill>
@@ -10973,7 +10973,7 @@
               </a:ln>
               <a:extLst>
                 <a:ext uri="{91240B29-F687-4f45-9708-019B960494DF}">
-                  <a14:hiddenLine xmlns="" xmlns:a14="http://schemas.microsoft.com/office/drawing/2010/main" w="9525">
+                  <a14:hiddenLine xmlns:a14="http://schemas.microsoft.com/office/drawing/2010/main" xmlns="" w="9525">
                     <a:solidFill>
                       <a:srgbClr val="000000"/>
                     </a:solidFill>
@@ -11093,7 +11093,7 @@
               </a:ln>
               <a:extLst>
                 <a:ext uri="{91240B29-F687-4f45-9708-019B960494DF}">
-                  <a14:hiddenLine xmlns="" xmlns:a14="http://schemas.microsoft.com/office/drawing/2010/main" w="9525">
+                  <a14:hiddenLine xmlns:a14="http://schemas.microsoft.com/office/drawing/2010/main" xmlns="" w="9525">
                     <a:solidFill>
                       <a:srgbClr val="000000"/>
                     </a:solidFill>
@@ -11174,7 +11174,7 @@
               </a:ln>
               <a:extLst>
                 <a:ext uri="{91240B29-F687-4f45-9708-019B960494DF}">
-                  <a14:hiddenLine xmlns="" xmlns:a14="http://schemas.microsoft.com/office/drawing/2010/main" w="9525">
+                  <a14:hiddenLine xmlns:a14="http://schemas.microsoft.com/office/drawing/2010/main" xmlns="" w="9525">
                     <a:solidFill>
                       <a:srgbClr val="000000"/>
                     </a:solidFill>
@@ -11289,7 +11289,7 @@
               </a:ln>
               <a:extLst>
                 <a:ext uri="{91240B29-F687-4f45-9708-019B960494DF}">
-                  <a14:hiddenLine xmlns="" xmlns:a14="http://schemas.microsoft.com/office/drawing/2010/main" w="9525">
+                  <a14:hiddenLine xmlns:a14="http://schemas.microsoft.com/office/drawing/2010/main" xmlns="" w="9525">
                     <a:solidFill>
                       <a:srgbClr val="000000"/>
                     </a:solidFill>
@@ -11379,7 +11379,7 @@
               </a:ln>
               <a:extLst>
                 <a:ext uri="{91240B29-F687-4f45-9708-019B960494DF}">
-                  <a14:hiddenLine xmlns="" xmlns:a14="http://schemas.microsoft.com/office/drawing/2010/main" w="9525">
+                  <a14:hiddenLine xmlns:a14="http://schemas.microsoft.com/office/drawing/2010/main" xmlns="" w="9525">
                     <a:solidFill>
                       <a:srgbClr val="000000"/>
                     </a:solidFill>
@@ -11444,7 +11444,7 @@
               </a:ln>
               <a:extLst>
                 <a:ext uri="{91240B29-F687-4f45-9708-019B960494DF}">
-                  <a14:hiddenLine xmlns="" xmlns:a14="http://schemas.microsoft.com/office/drawing/2010/main" w="9525">
+                  <a14:hiddenLine xmlns:a14="http://schemas.microsoft.com/office/drawing/2010/main" xmlns="" w="9525">
                     <a:solidFill>
                       <a:srgbClr val="000000"/>
                     </a:solidFill>
@@ -11534,7 +11534,7 @@
               </a:ln>
               <a:extLst>
                 <a:ext uri="{91240B29-F687-4f45-9708-019B960494DF}">
-                  <a14:hiddenLine xmlns="" xmlns:a14="http://schemas.microsoft.com/office/drawing/2010/main" w="9525">
+                  <a14:hiddenLine xmlns:a14="http://schemas.microsoft.com/office/drawing/2010/main" xmlns="" w="9525">
                     <a:solidFill>
                       <a:srgbClr val="000000"/>
                     </a:solidFill>
@@ -11602,7 +11602,7 @@
               </a:ln>
               <a:extLst>
                 <a:ext uri="{91240B29-F687-4f45-9708-019B960494DF}">
-                  <a14:hiddenLine xmlns="" xmlns:a14="http://schemas.microsoft.com/office/drawing/2010/main" w="9525">
+                  <a14:hiddenLine xmlns:a14="http://schemas.microsoft.com/office/drawing/2010/main" xmlns="" w="9525">
                     <a:solidFill>
                       <a:srgbClr val="000000"/>
                     </a:solidFill>
@@ -11692,7 +11692,7 @@
               </a:ln>
               <a:extLst>
                 <a:ext uri="{91240B29-F687-4f45-9708-019B960494DF}">
-                  <a14:hiddenLine xmlns="" xmlns:a14="http://schemas.microsoft.com/office/drawing/2010/main" w="9525">
+                  <a14:hiddenLine xmlns:a14="http://schemas.microsoft.com/office/drawing/2010/main" xmlns="" w="9525">
                     <a:solidFill>
                       <a:srgbClr val="000000"/>
                     </a:solidFill>
@@ -11760,7 +11760,7 @@
               </a:ln>
               <a:extLst>
                 <a:ext uri="{91240B29-F687-4f45-9708-019B960494DF}">
-                  <a14:hiddenLine xmlns="" xmlns:a14="http://schemas.microsoft.com/office/drawing/2010/main" w="9525">
+                  <a14:hiddenLine xmlns:a14="http://schemas.microsoft.com/office/drawing/2010/main" xmlns="" w="9525">
                     <a:solidFill>
                       <a:srgbClr val="000000"/>
                     </a:solidFill>
@@ -11850,7 +11850,7 @@
               </a:ln>
               <a:extLst>
                 <a:ext uri="{91240B29-F687-4f45-9708-019B960494DF}">
-                  <a14:hiddenLine xmlns="" xmlns:a14="http://schemas.microsoft.com/office/drawing/2010/main" w="9525">
+                  <a14:hiddenLine xmlns:a14="http://schemas.microsoft.com/office/drawing/2010/main" xmlns="" w="9525">
                     <a:solidFill>
                       <a:srgbClr val="000000"/>
                     </a:solidFill>
@@ -11884,7 +11884,7 @@
               </a:ln>
               <a:extLst>
                 <a:ext uri="{91240B29-F687-4f45-9708-019B960494DF}">
-                  <a14:hiddenLine xmlns="" xmlns:a14="http://schemas.microsoft.com/office/drawing/2010/main" w="9525">
+                  <a14:hiddenLine xmlns:a14="http://schemas.microsoft.com/office/drawing/2010/main" xmlns="" w="9525">
                     <a:solidFill>
                       <a:srgbClr val="000000"/>
                     </a:solidFill>
@@ -12882,6 +12882,36 @@
           </a:p>
         </p:txBody>
       </p:sp>
+      <p:pic>
+        <p:nvPicPr>
+          <p:cNvPr id="4" name="Imagem 3">
+            <a:extLst>
+              <a:ext uri="{FF2B5EF4-FFF2-40B4-BE49-F238E27FC236}">
+                <a16:creationId xmlns:a16="http://schemas.microsoft.com/office/drawing/2014/main" id="{29EB758B-5A6D-4519-9DA5-ED2C7BECA625}"/>
+              </a:ext>
+            </a:extLst>
+          </p:cNvPr>
+          <p:cNvPicPr>
+            <a:picLocks noChangeAspect="1"/>
+          </p:cNvPicPr>
+          <p:nvPr/>
+        </p:nvPicPr>
+        <p:blipFill>
+          <a:blip r:embed="rId2"/>
+          <a:stretch>
+            <a:fillRect/>
+          </a:stretch>
+        </p:blipFill>
+        <p:spPr>
+          <a:xfrm>
+            <a:off x="1998866" y="4621876"/>
+            <a:ext cx="8191089" cy="1169325"/>
+          </a:xfrm>
+          <a:prstGeom prst="rect">
+            <a:avLst/>
+          </a:prstGeom>
+        </p:spPr>
+      </p:pic>
     </p:spTree>
     <p:extLst>
       <p:ext uri="{BB962C8B-B14F-4D97-AF65-F5344CB8AC3E}">
@@ -12956,31 +12986,36 @@
           </a:p>
         </p:txBody>
       </p:sp>
-      <p:sp>
-        <p:nvSpPr>
-          <p:cNvPr id="3" name="Marcador de Posição de Conteúdo 2">
+      <p:pic>
+        <p:nvPicPr>
+          <p:cNvPr id="6" name="Imagem 5">
             <a:extLst>
               <a:ext uri="{FF2B5EF4-FFF2-40B4-BE49-F238E27FC236}">
-                <a16:creationId xmlns:a16="http://schemas.microsoft.com/office/drawing/2014/main" id="{A33F7387-9662-45D4-A98D-55A7DD9B4425}"/>
+                <a16:creationId xmlns:a16="http://schemas.microsoft.com/office/drawing/2014/main" id="{33783A1E-272C-4AC8-815F-F75CFE450E5A}"/>
               </a:ext>
             </a:extLst>
           </p:cNvPr>
-          <p:cNvSpPr>
-            <a:spLocks noGrp="1"/>
-          </p:cNvSpPr>
-          <p:nvPr>
-            <p:ph idx="1"/>
-          </p:nvPr>
-        </p:nvSpPr>
-        <p:spPr/>
-        <p:txBody>
-          <a:bodyPr/>
-          <a:lstStyle/>
-          <a:p>
-            <a:endParaRPr lang="pt-PT" dirty="0"/>
-          </a:p>
-        </p:txBody>
-      </p:sp>
+          <p:cNvPicPr>
+            <a:picLocks noChangeAspect="1"/>
+          </p:cNvPicPr>
+          <p:nvPr/>
+        </p:nvPicPr>
+        <p:blipFill>
+          <a:blip r:embed="rId2"/>
+          <a:stretch>
+            <a:fillRect/>
+          </a:stretch>
+        </p:blipFill>
+        <p:spPr>
+          <a:xfrm>
+            <a:off x="2351393" y="2758941"/>
+            <a:ext cx="7486037" cy="2759403"/>
+          </a:xfrm>
+          <a:prstGeom prst="rect">
+            <a:avLst/>
+          </a:prstGeom>
+        </p:spPr>
+      </p:pic>
     </p:spTree>
     <p:extLst>
       <p:ext uri="{BB962C8B-B14F-4D97-AF65-F5344CB8AC3E}">
@@ -14198,6 +14233,36 @@
           </a:p>
         </p:txBody>
       </p:sp>
+      <p:pic>
+        <p:nvPicPr>
+          <p:cNvPr id="4" name="Imagem 3">
+            <a:extLst>
+              <a:ext uri="{FF2B5EF4-FFF2-40B4-BE49-F238E27FC236}">
+                <a16:creationId xmlns:a16="http://schemas.microsoft.com/office/drawing/2014/main" id="{69274ECB-4D32-4F65-9128-5067B9EF04C5}"/>
+              </a:ext>
+            </a:extLst>
+          </p:cNvPr>
+          <p:cNvPicPr>
+            <a:picLocks noChangeAspect="1"/>
+          </p:cNvPicPr>
+          <p:nvPr/>
+        </p:nvPicPr>
+        <p:blipFill>
+          <a:blip r:embed="rId2"/>
+          <a:stretch>
+            <a:fillRect/>
+          </a:stretch>
+        </p:blipFill>
+        <p:spPr>
+          <a:xfrm>
+            <a:off x="5136777" y="3279851"/>
+            <a:ext cx="6327673" cy="2962124"/>
+          </a:xfrm>
+          <a:prstGeom prst="rect">
+            <a:avLst/>
+          </a:prstGeom>
+        </p:spPr>
+      </p:pic>
     </p:spTree>
     <p:extLst>
       <p:ext uri="{BB962C8B-B14F-4D97-AF65-F5344CB8AC3E}">
@@ -14347,6 +14412,53 @@
           </a:p>
         </p:txBody>
       </p:sp>
+      <p:pic>
+        <p:nvPicPr>
+          <p:cNvPr id="1026" name="Picture 2" descr="Imagem relacionada">
+            <a:extLst>
+              <a:ext uri="{FF2B5EF4-FFF2-40B4-BE49-F238E27FC236}">
+                <a16:creationId xmlns:a16="http://schemas.microsoft.com/office/drawing/2014/main" id="{E0E37B7A-D641-46F3-8A19-FE793B1D433C}"/>
+              </a:ext>
+            </a:extLst>
+          </p:cNvPr>
+          <p:cNvPicPr>
+            <a:picLocks noChangeAspect="1" noChangeArrowheads="1"/>
+          </p:cNvPicPr>
+          <p:nvPr/>
+        </p:nvPicPr>
+        <p:blipFill>
+          <a:blip r:embed="rId2">
+            <a:extLst>
+              <a:ext uri="{28A0092B-C50C-407E-A947-70E740481C1C}">
+                <a14:useLocalDpi xmlns:a14="http://schemas.microsoft.com/office/drawing/2010/main" val="0"/>
+              </a:ext>
+            </a:extLst>
+          </a:blip>
+          <a:srcRect/>
+          <a:stretch>
+            <a:fillRect/>
+          </a:stretch>
+        </p:blipFill>
+        <p:spPr bwMode="auto">
+          <a:xfrm>
+            <a:off x="7623173" y="3662362"/>
+            <a:ext cx="3424238" cy="2281238"/>
+          </a:xfrm>
+          <a:prstGeom prst="rect">
+            <a:avLst/>
+          </a:prstGeom>
+          <a:noFill/>
+          <a:extLst>
+            <a:ext uri="{909E8E84-426E-40DD-AFC4-6F175D3DCCD1}">
+              <a14:hiddenFill xmlns:a14="http://schemas.microsoft.com/office/drawing/2010/main">
+                <a:solidFill>
+                  <a:srgbClr val="FFFFFF"/>
+                </a:solidFill>
+              </a14:hiddenFill>
+            </a:ext>
+          </a:extLst>
+        </p:spPr>
+      </p:pic>
     </p:spTree>
     <p:extLst>
       <p:ext uri="{BB962C8B-B14F-4D97-AF65-F5344CB8AC3E}">

--- a/relatorio/Presentation/presentation.pptx
+++ b/relatorio/Presentation/presentation.pptx
@@ -9,15 +9,14 @@
     <p:sldId id="257" r:id="rId3"/>
     <p:sldId id="258" r:id="rId4"/>
     <p:sldId id="259" r:id="rId5"/>
-    <p:sldId id="260" r:id="rId6"/>
-    <p:sldId id="261" r:id="rId7"/>
-    <p:sldId id="262" r:id="rId8"/>
-    <p:sldId id="263" r:id="rId9"/>
-    <p:sldId id="264" r:id="rId10"/>
-    <p:sldId id="265" r:id="rId11"/>
-    <p:sldId id="266" r:id="rId12"/>
-    <p:sldId id="267" r:id="rId13"/>
-    <p:sldId id="268" r:id="rId14"/>
+    <p:sldId id="261" r:id="rId6"/>
+    <p:sldId id="262" r:id="rId7"/>
+    <p:sldId id="263" r:id="rId8"/>
+    <p:sldId id="264" r:id="rId9"/>
+    <p:sldId id="265" r:id="rId10"/>
+    <p:sldId id="266" r:id="rId11"/>
+    <p:sldId id="267" r:id="rId12"/>
+    <p:sldId id="268" r:id="rId13"/>
   </p:sldIdLst>
   <p:sldSz cx="12192000" cy="6858000"/>
   <p:notesSz cx="6858000" cy="9144000"/>
@@ -181,7 +180,7 @@
           <a:noFill/>
           <a:extLst>
             <a:ext uri="{909E8E84-426E-40dd-AFC4-6F175D3DCCD1}">
-              <a14:hiddenFill xmlns:a14="http://schemas.microsoft.com/office/drawing/2010/main" xmlns="">
+              <a14:hiddenFill xmlns="" xmlns:a14="http://schemas.microsoft.com/office/drawing/2010/main">
                 <a:solidFill>
                   <a:srgbClr val="FFFFFF"/>
                 </a:solidFill>
@@ -240,7 +239,7 @@
             </a:ln>
             <a:extLst>
               <a:ext uri="{91240B29-F687-4f45-9708-019B960494DF}">
-                <a14:hiddenLine xmlns:a14="http://schemas.microsoft.com/office/drawing/2010/main" xmlns="" w="9525">
+                <a14:hiddenLine xmlns="" xmlns:a14="http://schemas.microsoft.com/office/drawing/2010/main" w="9525">
                   <a:solidFill>
                     <a:srgbClr val="000000"/>
                   </a:solidFill>
@@ -330,7 +329,7 @@
             </a:ln>
             <a:extLst>
               <a:ext uri="{91240B29-F687-4f45-9708-019B960494DF}">
-                <a14:hiddenLine xmlns:a14="http://schemas.microsoft.com/office/drawing/2010/main" xmlns="" w="9525">
+                <a14:hiddenLine xmlns="" xmlns:a14="http://schemas.microsoft.com/office/drawing/2010/main" w="9525">
                   <a:solidFill>
                     <a:srgbClr val="000000"/>
                   </a:solidFill>
@@ -420,7 +419,7 @@
             </a:ln>
             <a:extLst>
               <a:ext uri="{91240B29-F687-4f45-9708-019B960494DF}">
-                <a14:hiddenLine xmlns:a14="http://schemas.microsoft.com/office/drawing/2010/main" xmlns="" w="9525">
+                <a14:hiddenLine xmlns="" xmlns:a14="http://schemas.microsoft.com/office/drawing/2010/main" w="9525">
                   <a:solidFill>
                     <a:srgbClr val="000000"/>
                   </a:solidFill>
@@ -454,7 +453,7 @@
             </a:ln>
             <a:extLst>
               <a:ext uri="{91240B29-F687-4f45-9708-019B960494DF}">
-                <a14:hiddenLine xmlns:a14="http://schemas.microsoft.com/office/drawing/2010/main" xmlns="" w="9525">
+                <a14:hiddenLine xmlns="" xmlns:a14="http://schemas.microsoft.com/office/drawing/2010/main" w="9525">
                   <a:solidFill>
                     <a:srgbClr val="000000"/>
                   </a:solidFill>
@@ -544,7 +543,7 @@
             </a:ln>
             <a:extLst>
               <a:ext uri="{91240B29-F687-4f45-9708-019B960494DF}">
-                <a14:hiddenLine xmlns:a14="http://schemas.microsoft.com/office/drawing/2010/main" xmlns="" w="9525">
+                <a14:hiddenLine xmlns="" xmlns:a14="http://schemas.microsoft.com/office/drawing/2010/main" w="9525">
                   <a:solidFill>
                     <a:srgbClr val="000000"/>
                   </a:solidFill>
@@ -606,7 +605,7 @@
             </a:ln>
             <a:extLst>
               <a:ext uri="{91240B29-F687-4f45-9708-019B960494DF}">
-                <a14:hiddenLine xmlns:a14="http://schemas.microsoft.com/office/drawing/2010/main" xmlns="" w="9525">
+                <a14:hiddenLine xmlns="" xmlns:a14="http://schemas.microsoft.com/office/drawing/2010/main" w="9525">
                   <a:solidFill>
                     <a:srgbClr val="000000"/>
                   </a:solidFill>
@@ -668,7 +667,7 @@
             </a:ln>
             <a:extLst>
               <a:ext uri="{91240B29-F687-4f45-9708-019B960494DF}">
-                <a14:hiddenLine xmlns:a14="http://schemas.microsoft.com/office/drawing/2010/main" xmlns="" w="9525">
+                <a14:hiddenLine xmlns="" xmlns:a14="http://schemas.microsoft.com/office/drawing/2010/main" w="9525">
                   <a:solidFill>
                     <a:srgbClr val="000000"/>
                   </a:solidFill>
@@ -758,7 +757,7 @@
             </a:ln>
             <a:extLst>
               <a:ext uri="{91240B29-F687-4f45-9708-019B960494DF}">
-                <a14:hiddenLine xmlns:a14="http://schemas.microsoft.com/office/drawing/2010/main" xmlns="" w="9525">
+                <a14:hiddenLine xmlns="" xmlns:a14="http://schemas.microsoft.com/office/drawing/2010/main" w="9525">
                   <a:solidFill>
                     <a:srgbClr val="000000"/>
                   </a:solidFill>
@@ -820,7 +819,7 @@
             </a:ln>
             <a:extLst>
               <a:ext uri="{91240B29-F687-4f45-9708-019B960494DF}">
-                <a14:hiddenLine xmlns:a14="http://schemas.microsoft.com/office/drawing/2010/main" xmlns="" w="9525">
+                <a14:hiddenLine xmlns="" xmlns:a14="http://schemas.microsoft.com/office/drawing/2010/main" w="9525">
                   <a:solidFill>
                     <a:srgbClr val="000000"/>
                   </a:solidFill>
@@ -882,7 +881,7 @@
             </a:ln>
             <a:extLst>
               <a:ext uri="{91240B29-F687-4f45-9708-019B960494DF}">
-                <a14:hiddenLine xmlns:a14="http://schemas.microsoft.com/office/drawing/2010/main" xmlns="" w="9525">
+                <a14:hiddenLine xmlns="" xmlns:a14="http://schemas.microsoft.com/office/drawing/2010/main" w="9525">
                   <a:solidFill>
                     <a:srgbClr val="000000"/>
                   </a:solidFill>
@@ -972,7 +971,7 @@
             </a:ln>
             <a:extLst>
               <a:ext uri="{91240B29-F687-4f45-9708-019B960494DF}">
-                <a14:hiddenLine xmlns:a14="http://schemas.microsoft.com/office/drawing/2010/main" xmlns="" w="9525">
+                <a14:hiddenLine xmlns="" xmlns:a14="http://schemas.microsoft.com/office/drawing/2010/main" w="9525">
                   <a:solidFill>
                     <a:srgbClr val="000000"/>
                   </a:solidFill>
@@ -1062,7 +1061,7 @@
             </a:ln>
             <a:extLst>
               <a:ext uri="{91240B29-F687-4f45-9708-019B960494DF}">
-                <a14:hiddenLine xmlns:a14="http://schemas.microsoft.com/office/drawing/2010/main" xmlns="" w="9525">
+                <a14:hiddenLine xmlns="" xmlns:a14="http://schemas.microsoft.com/office/drawing/2010/main" w="9525">
                   <a:solidFill>
                     <a:srgbClr val="000000"/>
                   </a:solidFill>
@@ -1124,7 +1123,7 @@
             </a:ln>
             <a:extLst>
               <a:ext uri="{91240B29-F687-4f45-9708-019B960494DF}">
-                <a14:hiddenLine xmlns:a14="http://schemas.microsoft.com/office/drawing/2010/main" xmlns="" w="9525">
+                <a14:hiddenLine xmlns="" xmlns:a14="http://schemas.microsoft.com/office/drawing/2010/main" w="9525">
                   <a:solidFill>
                     <a:srgbClr val="000000"/>
                   </a:solidFill>
@@ -1234,7 +1233,7 @@
             </a:ln>
             <a:extLst>
               <a:ext uri="{91240B29-F687-4f45-9708-019B960494DF}">
-                <a14:hiddenLine xmlns:a14="http://schemas.microsoft.com/office/drawing/2010/main" xmlns="" w="9525">
+                <a14:hiddenLine xmlns="" xmlns:a14="http://schemas.microsoft.com/office/drawing/2010/main" w="9525">
                   <a:solidFill>
                     <a:srgbClr val="000000"/>
                   </a:solidFill>
@@ -1296,7 +1295,7 @@
             </a:ln>
             <a:extLst>
               <a:ext uri="{91240B29-F687-4f45-9708-019B960494DF}">
-                <a14:hiddenLine xmlns:a14="http://schemas.microsoft.com/office/drawing/2010/main" xmlns="" w="9525">
+                <a14:hiddenLine xmlns="" xmlns:a14="http://schemas.microsoft.com/office/drawing/2010/main" w="9525">
                   <a:solidFill>
                     <a:srgbClr val="000000"/>
                   </a:solidFill>
@@ -1386,7 +1385,7 @@
             </a:ln>
             <a:extLst>
               <a:ext uri="{91240B29-F687-4f45-9708-019B960494DF}">
-                <a14:hiddenLine xmlns:a14="http://schemas.microsoft.com/office/drawing/2010/main" xmlns="" w="9525">
+                <a14:hiddenLine xmlns="" xmlns:a14="http://schemas.microsoft.com/office/drawing/2010/main" w="9525">
                   <a:solidFill>
                     <a:srgbClr val="000000"/>
                   </a:solidFill>
@@ -1476,7 +1475,7 @@
             </a:ln>
             <a:extLst>
               <a:ext uri="{91240B29-F687-4f45-9708-019B960494DF}">
-                <a14:hiddenLine xmlns:a14="http://schemas.microsoft.com/office/drawing/2010/main" xmlns="" w="9525">
+                <a14:hiddenLine xmlns="" xmlns:a14="http://schemas.microsoft.com/office/drawing/2010/main" w="9525">
                   <a:solidFill>
                     <a:srgbClr val="000000"/>
                   </a:solidFill>
@@ -1538,7 +1537,7 @@
             </a:ln>
             <a:extLst>
               <a:ext uri="{91240B29-F687-4f45-9708-019B960494DF}">
-                <a14:hiddenLine xmlns:a14="http://schemas.microsoft.com/office/drawing/2010/main" xmlns="" w="9525">
+                <a14:hiddenLine xmlns="" xmlns:a14="http://schemas.microsoft.com/office/drawing/2010/main" w="9525">
                   <a:solidFill>
                     <a:srgbClr val="000000"/>
                   </a:solidFill>
@@ -1628,7 +1627,7 @@
             </a:ln>
             <a:extLst>
               <a:ext uri="{91240B29-F687-4f45-9708-019B960494DF}">
-                <a14:hiddenLine xmlns:a14="http://schemas.microsoft.com/office/drawing/2010/main" xmlns="" w="9525">
+                <a14:hiddenLine xmlns="" xmlns:a14="http://schemas.microsoft.com/office/drawing/2010/main" w="9525">
                   <a:solidFill>
                     <a:srgbClr val="000000"/>
                   </a:solidFill>
@@ -1718,7 +1717,7 @@
             </a:ln>
             <a:extLst>
               <a:ext uri="{91240B29-F687-4f45-9708-019B960494DF}">
-                <a14:hiddenLine xmlns:a14="http://schemas.microsoft.com/office/drawing/2010/main" xmlns="" w="9525">
+                <a14:hiddenLine xmlns="" xmlns:a14="http://schemas.microsoft.com/office/drawing/2010/main" w="9525">
                   <a:solidFill>
                     <a:srgbClr val="000000"/>
                   </a:solidFill>
@@ -1774,7 +1773,7 @@
             </a:ln>
             <a:extLst>
               <a:ext uri="{91240B29-F687-4f45-9708-019B960494DF}">
-                <a14:hiddenLine xmlns:a14="http://schemas.microsoft.com/office/drawing/2010/main" xmlns="" w="9525">
+                <a14:hiddenLine xmlns="" xmlns:a14="http://schemas.microsoft.com/office/drawing/2010/main" w="9525">
                   <a:solidFill>
                     <a:srgbClr val="000000"/>
                   </a:solidFill>
@@ -1864,7 +1863,7 @@
             </a:ln>
             <a:extLst>
               <a:ext uri="{91240B29-F687-4f45-9708-019B960494DF}">
-                <a14:hiddenLine xmlns:a14="http://schemas.microsoft.com/office/drawing/2010/main" xmlns="" w="9525">
+                <a14:hiddenLine xmlns="" xmlns:a14="http://schemas.microsoft.com/office/drawing/2010/main" w="9525">
                   <a:solidFill>
                     <a:srgbClr val="000000"/>
                   </a:solidFill>
@@ -1920,7 +1919,7 @@
             </a:ln>
             <a:extLst>
               <a:ext uri="{91240B29-F687-4f45-9708-019B960494DF}">
-                <a14:hiddenLine xmlns:a14="http://schemas.microsoft.com/office/drawing/2010/main" xmlns="" w="9525">
+                <a14:hiddenLine xmlns="" xmlns:a14="http://schemas.microsoft.com/office/drawing/2010/main" w="9525">
                   <a:solidFill>
                     <a:srgbClr val="000000"/>
                   </a:solidFill>
@@ -2010,7 +2009,7 @@
             </a:ln>
             <a:extLst>
               <a:ext uri="{91240B29-F687-4f45-9708-019B960494DF}">
-                <a14:hiddenLine xmlns:a14="http://schemas.microsoft.com/office/drawing/2010/main" xmlns="" w="9525">
+                <a14:hiddenLine xmlns="" xmlns:a14="http://schemas.microsoft.com/office/drawing/2010/main" w="9525">
                   <a:solidFill>
                     <a:srgbClr val="000000"/>
                   </a:solidFill>
@@ -2078,7 +2077,7 @@
             </a:ln>
             <a:extLst>
               <a:ext uri="{91240B29-F687-4f45-9708-019B960494DF}">
-                <a14:hiddenLine xmlns:a14="http://schemas.microsoft.com/office/drawing/2010/main" xmlns="" w="9525">
+                <a14:hiddenLine xmlns="" xmlns:a14="http://schemas.microsoft.com/office/drawing/2010/main" w="9525">
                   <a:solidFill>
                     <a:srgbClr val="000000"/>
                   </a:solidFill>
@@ -2168,7 +2167,7 @@
             </a:ln>
             <a:extLst>
               <a:ext uri="{91240B29-F687-4f45-9708-019B960494DF}">
-                <a14:hiddenLine xmlns:a14="http://schemas.microsoft.com/office/drawing/2010/main" xmlns="" w="9525">
+                <a14:hiddenLine xmlns="" xmlns:a14="http://schemas.microsoft.com/office/drawing/2010/main" w="9525">
                   <a:solidFill>
                     <a:srgbClr val="000000"/>
                   </a:solidFill>
@@ -2236,7 +2235,7 @@
             </a:ln>
             <a:extLst>
               <a:ext uri="{91240B29-F687-4f45-9708-019B960494DF}">
-                <a14:hiddenLine xmlns:a14="http://schemas.microsoft.com/office/drawing/2010/main" xmlns="" w="9525">
+                <a14:hiddenLine xmlns="" xmlns:a14="http://schemas.microsoft.com/office/drawing/2010/main" w="9525">
                   <a:solidFill>
                     <a:srgbClr val="000000"/>
                   </a:solidFill>
@@ -2326,7 +2325,7 @@
             </a:ln>
             <a:extLst>
               <a:ext uri="{91240B29-F687-4f45-9708-019B960494DF}">
-                <a14:hiddenLine xmlns:a14="http://schemas.microsoft.com/office/drawing/2010/main" xmlns="" w="9525">
+                <a14:hiddenLine xmlns="" xmlns:a14="http://schemas.microsoft.com/office/drawing/2010/main" w="9525">
                   <a:solidFill>
                     <a:srgbClr val="000000"/>
                   </a:solidFill>
@@ -2360,7 +2359,7 @@
             </a:ln>
             <a:extLst>
               <a:ext uri="{91240B29-F687-4f45-9708-019B960494DF}">
-                <a14:hiddenLine xmlns:a14="http://schemas.microsoft.com/office/drawing/2010/main" xmlns="" w="9525">
+                <a14:hiddenLine xmlns="" xmlns:a14="http://schemas.microsoft.com/office/drawing/2010/main" w="9525">
                   <a:solidFill>
                     <a:srgbClr val="000000"/>
                   </a:solidFill>
@@ -2450,7 +2449,7 @@
             </a:ln>
             <a:extLst>
               <a:ext uri="{91240B29-F687-4f45-9708-019B960494DF}">
-                <a14:hiddenLine xmlns:a14="http://schemas.microsoft.com/office/drawing/2010/main" xmlns="" w="9525">
+                <a14:hiddenLine xmlns="" xmlns:a14="http://schemas.microsoft.com/office/drawing/2010/main" w="9525">
                   <a:solidFill>
                     <a:srgbClr val="000000"/>
                   </a:solidFill>
@@ -2512,7 +2511,7 @@
             </a:ln>
             <a:extLst>
               <a:ext uri="{91240B29-F687-4f45-9708-019B960494DF}">
-                <a14:hiddenLine xmlns:a14="http://schemas.microsoft.com/office/drawing/2010/main" xmlns="" w="9525">
+                <a14:hiddenLine xmlns="" xmlns:a14="http://schemas.microsoft.com/office/drawing/2010/main" w="9525">
                   <a:solidFill>
                     <a:srgbClr val="000000"/>
                   </a:solidFill>
@@ -2574,7 +2573,7 @@
             </a:ln>
             <a:extLst>
               <a:ext uri="{91240B29-F687-4f45-9708-019B960494DF}">
-                <a14:hiddenLine xmlns:a14="http://schemas.microsoft.com/office/drawing/2010/main" xmlns="" w="9525">
+                <a14:hiddenLine xmlns="" xmlns:a14="http://schemas.microsoft.com/office/drawing/2010/main" w="9525">
                   <a:solidFill>
                     <a:srgbClr val="000000"/>
                   </a:solidFill>
@@ -2664,7 +2663,7 @@
             </a:ln>
             <a:extLst>
               <a:ext uri="{91240B29-F687-4f45-9708-019B960494DF}">
-                <a14:hiddenLine xmlns:a14="http://schemas.microsoft.com/office/drawing/2010/main" xmlns="" w="9525">
+                <a14:hiddenLine xmlns="" xmlns:a14="http://schemas.microsoft.com/office/drawing/2010/main" w="9525">
                   <a:solidFill>
                     <a:srgbClr val="000000"/>
                   </a:solidFill>
@@ -2732,7 +2731,7 @@
             </a:ln>
             <a:extLst>
               <a:ext uri="{91240B29-F687-4f45-9708-019B960494DF}">
-                <a14:hiddenLine xmlns:a14="http://schemas.microsoft.com/office/drawing/2010/main" xmlns="" w="9525">
+                <a14:hiddenLine xmlns="" xmlns:a14="http://schemas.microsoft.com/office/drawing/2010/main" w="9525">
                   <a:solidFill>
                     <a:srgbClr val="000000"/>
                   </a:solidFill>
@@ -2794,7 +2793,7 @@
             </a:ln>
             <a:extLst>
               <a:ext uri="{91240B29-F687-4f45-9708-019B960494DF}">
-                <a14:hiddenLine xmlns:a14="http://schemas.microsoft.com/office/drawing/2010/main" xmlns="" w="9525">
+                <a14:hiddenLine xmlns="" xmlns:a14="http://schemas.microsoft.com/office/drawing/2010/main" w="9525">
                   <a:solidFill>
                     <a:srgbClr val="000000"/>
                   </a:solidFill>
@@ -2884,7 +2883,7 @@
             </a:ln>
             <a:extLst>
               <a:ext uri="{91240B29-F687-4f45-9708-019B960494DF}">
-                <a14:hiddenLine xmlns:a14="http://schemas.microsoft.com/office/drawing/2010/main" xmlns="" w="9525">
+                <a14:hiddenLine xmlns="" xmlns:a14="http://schemas.microsoft.com/office/drawing/2010/main" w="9525">
                   <a:solidFill>
                     <a:srgbClr val="000000"/>
                   </a:solidFill>
@@ -2946,7 +2945,7 @@
             </a:ln>
             <a:extLst>
               <a:ext uri="{91240B29-F687-4f45-9708-019B960494DF}">
-                <a14:hiddenLine xmlns:a14="http://schemas.microsoft.com/office/drawing/2010/main" xmlns="" w="9525">
+                <a14:hiddenLine xmlns="" xmlns:a14="http://schemas.microsoft.com/office/drawing/2010/main" w="9525">
                   <a:solidFill>
                     <a:srgbClr val="000000"/>
                   </a:solidFill>
@@ -3036,7 +3035,7 @@
             </a:ln>
             <a:extLst>
               <a:ext uri="{91240B29-F687-4f45-9708-019B960494DF}">
-                <a14:hiddenLine xmlns:a14="http://schemas.microsoft.com/office/drawing/2010/main" xmlns="" w="9525">
+                <a14:hiddenLine xmlns="" xmlns:a14="http://schemas.microsoft.com/office/drawing/2010/main" w="9525">
                   <a:solidFill>
                     <a:srgbClr val="000000"/>
                   </a:solidFill>
@@ -3098,7 +3097,7 @@
             </a:ln>
             <a:extLst>
               <a:ext uri="{91240B29-F687-4f45-9708-019B960494DF}">
-                <a14:hiddenLine xmlns:a14="http://schemas.microsoft.com/office/drawing/2010/main" xmlns="" w="9525">
+                <a14:hiddenLine xmlns="" xmlns:a14="http://schemas.microsoft.com/office/drawing/2010/main" w="9525">
                   <a:solidFill>
                     <a:srgbClr val="000000"/>
                   </a:solidFill>
@@ -3188,7 +3187,7 @@
             </a:ln>
             <a:extLst>
               <a:ext uri="{91240B29-F687-4f45-9708-019B960494DF}">
-                <a14:hiddenLine xmlns:a14="http://schemas.microsoft.com/office/drawing/2010/main" xmlns="" w="9525">
+                <a14:hiddenLine xmlns="" xmlns:a14="http://schemas.microsoft.com/office/drawing/2010/main" w="9525">
                   <a:solidFill>
                     <a:srgbClr val="000000"/>
                   </a:solidFill>
@@ -3222,7 +3221,7 @@
             </a:ln>
             <a:extLst>
               <a:ext uri="{91240B29-F687-4f45-9708-019B960494DF}">
-                <a14:hiddenLine xmlns:a14="http://schemas.microsoft.com/office/drawing/2010/main" xmlns="" w="9525">
+                <a14:hiddenLine xmlns="" xmlns:a14="http://schemas.microsoft.com/office/drawing/2010/main" w="9525">
                   <a:solidFill>
                     <a:srgbClr val="000000"/>
                   </a:solidFill>
@@ -3287,7 +3286,7 @@
             </a:ln>
             <a:extLst>
               <a:ext uri="{91240B29-F687-4f45-9708-019B960494DF}">
-                <a14:hiddenLine xmlns:a14="http://schemas.microsoft.com/office/drawing/2010/main" xmlns="" w="9525">
+                <a14:hiddenLine xmlns="" xmlns:a14="http://schemas.microsoft.com/office/drawing/2010/main" w="9525">
                   <a:solidFill>
                     <a:srgbClr val="000000"/>
                   </a:solidFill>
@@ -3377,7 +3376,7 @@
             </a:ln>
             <a:extLst>
               <a:ext uri="{91240B29-F687-4f45-9708-019B960494DF}">
-                <a14:hiddenLine xmlns:a14="http://schemas.microsoft.com/office/drawing/2010/main" xmlns="" w="9525">
+                <a14:hiddenLine xmlns="" xmlns:a14="http://schemas.microsoft.com/office/drawing/2010/main" w="9525">
                   <a:solidFill>
                     <a:srgbClr val="000000"/>
                   </a:solidFill>
@@ -3439,7 +3438,7 @@
             </a:ln>
             <a:extLst>
               <a:ext uri="{91240B29-F687-4f45-9708-019B960494DF}">
-                <a14:hiddenLine xmlns:a14="http://schemas.microsoft.com/office/drawing/2010/main" xmlns="" w="9525">
+                <a14:hiddenLine xmlns="" xmlns:a14="http://schemas.microsoft.com/office/drawing/2010/main" w="9525">
                   <a:solidFill>
                     <a:srgbClr val="000000"/>
                   </a:solidFill>
@@ -3529,7 +3528,7 @@
             </a:ln>
             <a:extLst>
               <a:ext uri="{91240B29-F687-4f45-9708-019B960494DF}">
-                <a14:hiddenLine xmlns:a14="http://schemas.microsoft.com/office/drawing/2010/main" xmlns="" w="9525">
+                <a14:hiddenLine xmlns="" xmlns:a14="http://schemas.microsoft.com/office/drawing/2010/main" w="9525">
                   <a:solidFill>
                     <a:srgbClr val="000000"/>
                   </a:solidFill>
@@ -3619,7 +3618,7 @@
             </a:ln>
             <a:extLst>
               <a:ext uri="{91240B29-F687-4f45-9708-019B960494DF}">
-                <a14:hiddenLine xmlns:a14="http://schemas.microsoft.com/office/drawing/2010/main" xmlns="" w="9525">
+                <a14:hiddenLine xmlns="" xmlns:a14="http://schemas.microsoft.com/office/drawing/2010/main" w="9525">
                   <a:solidFill>
                     <a:srgbClr val="000000"/>
                   </a:solidFill>
@@ -3684,7 +3683,7 @@
             </a:ln>
             <a:extLst>
               <a:ext uri="{91240B29-F687-4f45-9708-019B960494DF}">
-                <a14:hiddenLine xmlns:a14="http://schemas.microsoft.com/office/drawing/2010/main" xmlns="" w="9525">
+                <a14:hiddenLine xmlns="" xmlns:a14="http://schemas.microsoft.com/office/drawing/2010/main" w="9525">
                   <a:solidFill>
                     <a:srgbClr val="000000"/>
                   </a:solidFill>
@@ -3746,7 +3745,7 @@
             </a:ln>
             <a:extLst>
               <a:ext uri="{91240B29-F687-4f45-9708-019B960494DF}">
-                <a14:hiddenLine xmlns:a14="http://schemas.microsoft.com/office/drawing/2010/main" xmlns="" w="9525">
+                <a14:hiddenLine xmlns="" xmlns:a14="http://schemas.microsoft.com/office/drawing/2010/main" w="9525">
                   <a:solidFill>
                     <a:srgbClr val="000000"/>
                   </a:solidFill>
@@ -3836,7 +3835,7 @@
             </a:ln>
             <a:extLst>
               <a:ext uri="{91240B29-F687-4f45-9708-019B960494DF}">
-                <a14:hiddenLine xmlns:a14="http://schemas.microsoft.com/office/drawing/2010/main" xmlns="" w="9525">
+                <a14:hiddenLine xmlns="" xmlns:a14="http://schemas.microsoft.com/office/drawing/2010/main" w="9525">
                   <a:solidFill>
                     <a:srgbClr val="000000"/>
                   </a:solidFill>
@@ -3926,7 +3925,7 @@
             </a:ln>
             <a:extLst>
               <a:ext uri="{91240B29-F687-4f45-9708-019B960494DF}">
-                <a14:hiddenLine xmlns:a14="http://schemas.microsoft.com/office/drawing/2010/main" xmlns="" w="9525">
+                <a14:hiddenLine xmlns="" xmlns:a14="http://schemas.microsoft.com/office/drawing/2010/main" w="9525">
                   <a:solidFill>
                     <a:srgbClr val="000000"/>
                   </a:solidFill>
@@ -3988,7 +3987,7 @@
             </a:ln>
             <a:extLst>
               <a:ext uri="{91240B29-F687-4f45-9708-019B960494DF}">
-                <a14:hiddenLine xmlns:a14="http://schemas.microsoft.com/office/drawing/2010/main" xmlns="" w="9525">
+                <a14:hiddenLine xmlns="" xmlns:a14="http://schemas.microsoft.com/office/drawing/2010/main" w="9525">
                   <a:solidFill>
                     <a:srgbClr val="000000"/>
                   </a:solidFill>
@@ -4108,7 +4107,7 @@
             </a:ln>
             <a:extLst>
               <a:ext uri="{91240B29-F687-4f45-9708-019B960494DF}">
-                <a14:hiddenLine xmlns:a14="http://schemas.microsoft.com/office/drawing/2010/main" xmlns="" w="9525">
+                <a14:hiddenLine xmlns="" xmlns:a14="http://schemas.microsoft.com/office/drawing/2010/main" w="9525">
                   <a:solidFill>
                     <a:srgbClr val="000000"/>
                   </a:solidFill>
@@ -4176,7 +4175,7 @@
             </a:ln>
             <a:extLst>
               <a:ext uri="{91240B29-F687-4f45-9708-019B960494DF}">
-                <a14:hiddenLine xmlns:a14="http://schemas.microsoft.com/office/drawing/2010/main" xmlns="" w="9525">
+                <a14:hiddenLine xmlns="" xmlns:a14="http://schemas.microsoft.com/office/drawing/2010/main" w="9525">
                   <a:solidFill>
                     <a:srgbClr val="000000"/>
                   </a:solidFill>
@@ -4266,7 +4265,7 @@
             </a:ln>
             <a:extLst>
               <a:ext uri="{91240B29-F687-4f45-9708-019B960494DF}">
-                <a14:hiddenLine xmlns:a14="http://schemas.microsoft.com/office/drawing/2010/main" xmlns="" w="9525">
+                <a14:hiddenLine xmlns="" xmlns:a14="http://schemas.microsoft.com/office/drawing/2010/main" w="9525">
                   <a:solidFill>
                     <a:srgbClr val="000000"/>
                   </a:solidFill>
@@ -4406,7 +4405,7 @@
           <a:p>
             <a:fld id="{E765D5E0-CA05-4FFC-8C8F-6C45FDE86182}" type="datetimeFigureOut">
               <a:rPr lang="pt-PT" smtClean="0"/>
-              <a:t>13/01/2020</a:t>
+              <a:t>14/01/2020</a:t>
             </a:fld>
             <a:endParaRPr lang="pt-PT"/>
           </a:p>
@@ -4673,7 +4672,7 @@
           <a:p>
             <a:fld id="{E765D5E0-CA05-4FFC-8C8F-6C45FDE86182}" type="datetimeFigureOut">
               <a:rPr lang="pt-PT" smtClean="0"/>
-              <a:t>13/01/2020</a:t>
+              <a:t>14/01/2020</a:t>
             </a:fld>
             <a:endParaRPr lang="pt-PT"/>
           </a:p>
@@ -4869,7 +4868,7 @@
           <a:p>
             <a:fld id="{E765D5E0-CA05-4FFC-8C8F-6C45FDE86182}" type="datetimeFigureOut">
               <a:rPr lang="pt-PT" smtClean="0"/>
-              <a:t>13/01/2020</a:t>
+              <a:t>14/01/2020</a:t>
             </a:fld>
             <a:endParaRPr lang="pt-PT"/>
           </a:p>
@@ -5132,7 +5131,7 @@
           <a:p>
             <a:fld id="{E765D5E0-CA05-4FFC-8C8F-6C45FDE86182}" type="datetimeFigureOut">
               <a:rPr lang="pt-PT" smtClean="0"/>
-              <a:t>13/01/2020</a:t>
+              <a:t>14/01/2020</a:t>
             </a:fld>
             <a:endParaRPr lang="pt-PT"/>
           </a:p>
@@ -5566,7 +5565,7 @@
           <a:p>
             <a:fld id="{E765D5E0-CA05-4FFC-8C8F-6C45FDE86182}" type="datetimeFigureOut">
               <a:rPr lang="pt-PT" smtClean="0"/>
-              <a:t>13/01/2020</a:t>
+              <a:t>14/01/2020</a:t>
             </a:fld>
             <a:endParaRPr lang="pt-PT"/>
           </a:p>
@@ -6112,7 +6111,7 @@
           <a:p>
             <a:fld id="{E765D5E0-CA05-4FFC-8C8F-6C45FDE86182}" type="datetimeFigureOut">
               <a:rPr lang="pt-PT" smtClean="0"/>
-              <a:t>13/01/2020</a:t>
+              <a:t>14/01/2020</a:t>
             </a:fld>
             <a:endParaRPr lang="pt-PT"/>
           </a:p>
@@ -6832,7 +6831,7 @@
           <a:p>
             <a:fld id="{E765D5E0-CA05-4FFC-8C8F-6C45FDE86182}" type="datetimeFigureOut">
               <a:rPr lang="pt-PT" smtClean="0"/>
-              <a:t>13/01/2020</a:t>
+              <a:t>14/01/2020</a:t>
             </a:fld>
             <a:endParaRPr lang="pt-PT"/>
           </a:p>
@@ -7002,7 +7001,7 @@
           <a:p>
             <a:fld id="{E765D5E0-CA05-4FFC-8C8F-6C45FDE86182}" type="datetimeFigureOut">
               <a:rPr lang="pt-PT" smtClean="0"/>
-              <a:t>13/01/2020</a:t>
+              <a:t>14/01/2020</a:t>
             </a:fld>
             <a:endParaRPr lang="pt-PT"/>
           </a:p>
@@ -7182,7 +7181,7 @@
           <a:p>
             <a:fld id="{E765D5E0-CA05-4FFC-8C8F-6C45FDE86182}" type="datetimeFigureOut">
               <a:rPr lang="pt-PT" smtClean="0"/>
-              <a:t>13/01/2020</a:t>
+              <a:t>14/01/2020</a:t>
             </a:fld>
             <a:endParaRPr lang="pt-PT"/>
           </a:p>
@@ -7352,7 +7351,7 @@
           <a:p>
             <a:fld id="{E765D5E0-CA05-4FFC-8C8F-6C45FDE86182}" type="datetimeFigureOut">
               <a:rPr lang="pt-PT" smtClean="0"/>
-              <a:t>13/01/2020</a:t>
+              <a:t>14/01/2020</a:t>
             </a:fld>
             <a:endParaRPr lang="pt-PT"/>
           </a:p>
@@ -7602,7 +7601,7 @@
           <a:p>
             <a:fld id="{E765D5E0-CA05-4FFC-8C8F-6C45FDE86182}" type="datetimeFigureOut">
               <a:rPr lang="pt-PT" smtClean="0"/>
-              <a:t>13/01/2020</a:t>
+              <a:t>14/01/2020</a:t>
             </a:fld>
             <a:endParaRPr lang="pt-PT"/>
           </a:p>
@@ -7834,7 +7833,7 @@
           <a:p>
             <a:fld id="{E765D5E0-CA05-4FFC-8C8F-6C45FDE86182}" type="datetimeFigureOut">
               <a:rPr lang="pt-PT" smtClean="0"/>
-              <a:t>13/01/2020</a:t>
+              <a:t>14/01/2020</a:t>
             </a:fld>
             <a:endParaRPr lang="pt-PT"/>
           </a:p>
@@ -8215,7 +8214,7 @@
           <a:p>
             <a:fld id="{E765D5E0-CA05-4FFC-8C8F-6C45FDE86182}" type="datetimeFigureOut">
               <a:rPr lang="pt-PT" smtClean="0"/>
-              <a:t>13/01/2020</a:t>
+              <a:t>14/01/2020</a:t>
             </a:fld>
             <a:endParaRPr lang="pt-PT"/>
           </a:p>
@@ -8333,7 +8332,7 @@
           <a:p>
             <a:fld id="{E765D5E0-CA05-4FFC-8C8F-6C45FDE86182}" type="datetimeFigureOut">
               <a:rPr lang="pt-PT" smtClean="0"/>
-              <a:t>13/01/2020</a:t>
+              <a:t>14/01/2020</a:t>
             </a:fld>
             <a:endParaRPr lang="pt-PT"/>
           </a:p>
@@ -8428,7 +8427,7 @@
           <a:p>
             <a:fld id="{E765D5E0-CA05-4FFC-8C8F-6C45FDE86182}" type="datetimeFigureOut">
               <a:rPr lang="pt-PT" smtClean="0"/>
-              <a:t>13/01/2020</a:t>
+              <a:t>14/01/2020</a:t>
             </a:fld>
             <a:endParaRPr lang="pt-PT"/>
           </a:p>
@@ -8677,7 +8676,7 @@
           <a:p>
             <a:fld id="{E765D5E0-CA05-4FFC-8C8F-6C45FDE86182}" type="datetimeFigureOut">
               <a:rPr lang="pt-PT" smtClean="0"/>
-              <a:t>13/01/2020</a:t>
+              <a:t>14/01/2020</a:t>
             </a:fld>
             <a:endParaRPr lang="pt-PT"/>
           </a:p>
@@ -8957,7 +8956,7 @@
           <a:p>
             <a:fld id="{E765D5E0-CA05-4FFC-8C8F-6C45FDE86182}" type="datetimeFigureOut">
               <a:rPr lang="pt-PT" smtClean="0"/>
-              <a:t>13/01/2020</a:t>
+              <a:t>14/01/2020</a:t>
             </a:fld>
             <a:endParaRPr lang="pt-PT"/>
           </a:p>
@@ -9080,7 +9079,7 @@
           <a:noFill/>
           <a:extLst>
             <a:ext uri="{909E8E84-426E-40dd-AFC4-6F175D3DCCD1}">
-              <a14:hiddenFill xmlns:a14="http://schemas.microsoft.com/office/drawing/2010/main" xmlns="">
+              <a14:hiddenFill xmlns="" xmlns:a14="http://schemas.microsoft.com/office/drawing/2010/main">
                 <a:solidFill>
                   <a:srgbClr val="FFFFFF"/>
                 </a:solidFill>
@@ -9154,7 +9153,7 @@
               </a:ln>
               <a:extLst>
                 <a:ext uri="{91240B29-F687-4f45-9708-019B960494DF}">
-                  <a14:hiddenLine xmlns:a14="http://schemas.microsoft.com/office/drawing/2010/main" xmlns="" w="9525">
+                  <a14:hiddenLine xmlns="" xmlns:a14="http://schemas.microsoft.com/office/drawing/2010/main" w="9525">
                     <a:solidFill>
                       <a:srgbClr val="000000"/>
                     </a:solidFill>
@@ -9244,7 +9243,7 @@
               </a:ln>
               <a:extLst>
                 <a:ext uri="{91240B29-F687-4f45-9708-019B960494DF}">
-                  <a14:hiddenLine xmlns:a14="http://schemas.microsoft.com/office/drawing/2010/main" xmlns="" w="9525">
+                  <a14:hiddenLine xmlns="" xmlns:a14="http://schemas.microsoft.com/office/drawing/2010/main" w="9525">
                     <a:solidFill>
                       <a:srgbClr val="000000"/>
                     </a:solidFill>
@@ -9334,7 +9333,7 @@
               </a:ln>
               <a:extLst>
                 <a:ext uri="{91240B29-F687-4f45-9708-019B960494DF}">
-                  <a14:hiddenLine xmlns:a14="http://schemas.microsoft.com/office/drawing/2010/main" xmlns="" w="9525">
+                  <a14:hiddenLine xmlns="" xmlns:a14="http://schemas.microsoft.com/office/drawing/2010/main" w="9525">
                     <a:solidFill>
                       <a:srgbClr val="000000"/>
                     </a:solidFill>
@@ -9396,7 +9395,7 @@
               </a:ln>
               <a:extLst>
                 <a:ext uri="{91240B29-F687-4f45-9708-019B960494DF}">
-                  <a14:hiddenLine xmlns:a14="http://schemas.microsoft.com/office/drawing/2010/main" xmlns="" w="9525">
+                  <a14:hiddenLine xmlns="" xmlns:a14="http://schemas.microsoft.com/office/drawing/2010/main" w="9525">
                     <a:solidFill>
                       <a:srgbClr val="000000"/>
                     </a:solidFill>
@@ -9486,7 +9485,7 @@
               </a:ln>
               <a:extLst>
                 <a:ext uri="{91240B29-F687-4f45-9708-019B960494DF}">
-                  <a14:hiddenLine xmlns:a14="http://schemas.microsoft.com/office/drawing/2010/main" xmlns="" w="9525">
+                  <a14:hiddenLine xmlns="" xmlns:a14="http://schemas.microsoft.com/office/drawing/2010/main" w="9525">
                     <a:solidFill>
                       <a:srgbClr val="000000"/>
                     </a:solidFill>
@@ -9548,7 +9547,7 @@
               </a:ln>
               <a:extLst>
                 <a:ext uri="{91240B29-F687-4f45-9708-019B960494DF}">
-                  <a14:hiddenLine xmlns:a14="http://schemas.microsoft.com/office/drawing/2010/main" xmlns="" w="9525">
+                  <a14:hiddenLine xmlns="" xmlns:a14="http://schemas.microsoft.com/office/drawing/2010/main" w="9525">
                     <a:solidFill>
                       <a:srgbClr val="000000"/>
                     </a:solidFill>
@@ -9610,7 +9609,7 @@
               </a:ln>
               <a:extLst>
                 <a:ext uri="{91240B29-F687-4f45-9708-019B960494DF}">
-                  <a14:hiddenLine xmlns:a14="http://schemas.microsoft.com/office/drawing/2010/main" xmlns="" w="9525">
+                  <a14:hiddenLine xmlns="" xmlns:a14="http://schemas.microsoft.com/office/drawing/2010/main" w="9525">
                     <a:solidFill>
                       <a:srgbClr val="000000"/>
                     </a:solidFill>
@@ -9700,7 +9699,7 @@
               </a:ln>
               <a:extLst>
                 <a:ext uri="{91240B29-F687-4f45-9708-019B960494DF}">
-                  <a14:hiddenLine xmlns:a14="http://schemas.microsoft.com/office/drawing/2010/main" xmlns="" w="9525">
+                  <a14:hiddenLine xmlns="" xmlns:a14="http://schemas.microsoft.com/office/drawing/2010/main" w="9525">
                     <a:solidFill>
                       <a:srgbClr val="000000"/>
                     </a:solidFill>
@@ -9790,7 +9789,7 @@
               </a:ln>
               <a:extLst>
                 <a:ext uri="{91240B29-F687-4f45-9708-019B960494DF}">
-                  <a14:hiddenLine xmlns:a14="http://schemas.microsoft.com/office/drawing/2010/main" xmlns="" w="9525">
+                  <a14:hiddenLine xmlns="" xmlns:a14="http://schemas.microsoft.com/office/drawing/2010/main" w="9525">
                     <a:solidFill>
                       <a:srgbClr val="000000"/>
                     </a:solidFill>
@@ -9852,7 +9851,7 @@
               </a:ln>
               <a:extLst>
                 <a:ext uri="{91240B29-F687-4f45-9708-019B960494DF}">
-                  <a14:hiddenLine xmlns:a14="http://schemas.microsoft.com/office/drawing/2010/main" xmlns="" w="9525">
+                  <a14:hiddenLine xmlns="" xmlns:a14="http://schemas.microsoft.com/office/drawing/2010/main" w="9525">
                     <a:solidFill>
                       <a:srgbClr val="000000"/>
                     </a:solidFill>
@@ -9962,7 +9961,7 @@
               </a:ln>
               <a:extLst>
                 <a:ext uri="{91240B29-F687-4f45-9708-019B960494DF}">
-                  <a14:hiddenLine xmlns:a14="http://schemas.microsoft.com/office/drawing/2010/main" xmlns="" w="9525">
+                  <a14:hiddenLine xmlns="" xmlns:a14="http://schemas.microsoft.com/office/drawing/2010/main" w="9525">
                     <a:solidFill>
                       <a:srgbClr val="000000"/>
                     </a:solidFill>
@@ -10046,7 +10045,7 @@
               </a:ln>
               <a:extLst>
                 <a:ext uri="{91240B29-F687-4f45-9708-019B960494DF}">
-                  <a14:hiddenLine xmlns:a14="http://schemas.microsoft.com/office/drawing/2010/main" xmlns="" w="9525">
+                  <a14:hiddenLine xmlns="" xmlns:a14="http://schemas.microsoft.com/office/drawing/2010/main" w="9525">
                     <a:solidFill>
                       <a:srgbClr val="000000"/>
                     </a:solidFill>
@@ -10108,7 +10107,7 @@
               </a:ln>
               <a:extLst>
                 <a:ext uri="{91240B29-F687-4f45-9708-019B960494DF}">
-                  <a14:hiddenLine xmlns:a14="http://schemas.microsoft.com/office/drawing/2010/main" xmlns="" w="9525">
+                  <a14:hiddenLine xmlns="" xmlns:a14="http://schemas.microsoft.com/office/drawing/2010/main" w="9525">
                     <a:solidFill>
                       <a:srgbClr val="000000"/>
                     </a:solidFill>
@@ -10170,7 +10169,7 @@
               </a:ln>
               <a:extLst>
                 <a:ext uri="{91240B29-F687-4f45-9708-019B960494DF}">
-                  <a14:hiddenLine xmlns:a14="http://schemas.microsoft.com/office/drawing/2010/main" xmlns="" w="9525">
+                  <a14:hiddenLine xmlns="" xmlns:a14="http://schemas.microsoft.com/office/drawing/2010/main" w="9525">
                     <a:solidFill>
                       <a:srgbClr val="000000"/>
                     </a:solidFill>
@@ -10260,7 +10259,7 @@
               </a:ln>
               <a:extLst>
                 <a:ext uri="{91240B29-F687-4f45-9708-019B960494DF}">
-                  <a14:hiddenLine xmlns:a14="http://schemas.microsoft.com/office/drawing/2010/main" xmlns="" w="9525">
+                  <a14:hiddenLine xmlns="" xmlns:a14="http://schemas.microsoft.com/office/drawing/2010/main" w="9525">
                     <a:solidFill>
                       <a:srgbClr val="000000"/>
                     </a:solidFill>
@@ -10294,7 +10293,7 @@
               </a:ln>
               <a:extLst>
                 <a:ext uri="{91240B29-F687-4f45-9708-019B960494DF}">
-                  <a14:hiddenLine xmlns:a14="http://schemas.microsoft.com/office/drawing/2010/main" xmlns="" w="9525">
+                  <a14:hiddenLine xmlns="" xmlns:a14="http://schemas.microsoft.com/office/drawing/2010/main" w="9525">
                     <a:solidFill>
                       <a:srgbClr val="000000"/>
                     </a:solidFill>
@@ -10359,7 +10358,7 @@
               </a:ln>
               <a:extLst>
                 <a:ext uri="{91240B29-F687-4f45-9708-019B960494DF}">
-                  <a14:hiddenLine xmlns:a14="http://schemas.microsoft.com/office/drawing/2010/main" xmlns="" w="9525">
+                  <a14:hiddenLine xmlns="" xmlns:a14="http://schemas.microsoft.com/office/drawing/2010/main" w="9525">
                     <a:solidFill>
                       <a:srgbClr val="000000"/>
                     </a:solidFill>
@@ -10449,7 +10448,7 @@
               </a:ln>
               <a:extLst>
                 <a:ext uri="{91240B29-F687-4f45-9708-019B960494DF}">
-                  <a14:hiddenLine xmlns:a14="http://schemas.microsoft.com/office/drawing/2010/main" xmlns="" w="9525">
+                  <a14:hiddenLine xmlns="" xmlns:a14="http://schemas.microsoft.com/office/drawing/2010/main" w="9525">
                     <a:solidFill>
                       <a:srgbClr val="000000"/>
                     </a:solidFill>
@@ -10511,7 +10510,7 @@
               </a:ln>
               <a:extLst>
                 <a:ext uri="{91240B29-F687-4f45-9708-019B960494DF}">
-                  <a14:hiddenLine xmlns:a14="http://schemas.microsoft.com/office/drawing/2010/main" xmlns="" w="9525">
+                  <a14:hiddenLine xmlns="" xmlns:a14="http://schemas.microsoft.com/office/drawing/2010/main" w="9525">
                     <a:solidFill>
                       <a:srgbClr val="000000"/>
                     </a:solidFill>
@@ -10601,7 +10600,7 @@
               </a:ln>
               <a:extLst>
                 <a:ext uri="{91240B29-F687-4f45-9708-019B960494DF}">
-                  <a14:hiddenLine xmlns:a14="http://schemas.microsoft.com/office/drawing/2010/main" xmlns="" w="9525">
+                  <a14:hiddenLine xmlns="" xmlns:a14="http://schemas.microsoft.com/office/drawing/2010/main" w="9525">
                     <a:solidFill>
                       <a:srgbClr val="000000"/>
                     </a:solidFill>
@@ -10666,7 +10665,7 @@
               </a:ln>
               <a:extLst>
                 <a:ext uri="{91240B29-F687-4f45-9708-019B960494DF}">
-                  <a14:hiddenLine xmlns:a14="http://schemas.microsoft.com/office/drawing/2010/main" xmlns="" w="9525">
+                  <a14:hiddenLine xmlns="" xmlns:a14="http://schemas.microsoft.com/office/drawing/2010/main" w="9525">
                     <a:solidFill>
                       <a:srgbClr val="000000"/>
                     </a:solidFill>
@@ -10728,7 +10727,7 @@
               </a:ln>
               <a:extLst>
                 <a:ext uri="{91240B29-F687-4f45-9708-019B960494DF}">
-                  <a14:hiddenLine xmlns:a14="http://schemas.microsoft.com/office/drawing/2010/main" xmlns="" w="9525">
+                  <a14:hiddenLine xmlns="" xmlns:a14="http://schemas.microsoft.com/office/drawing/2010/main" w="9525">
                     <a:solidFill>
                       <a:srgbClr val="000000"/>
                     </a:solidFill>
@@ -10818,7 +10817,7 @@
               </a:ln>
               <a:extLst>
                 <a:ext uri="{91240B29-F687-4f45-9708-019B960494DF}">
-                  <a14:hiddenLine xmlns:a14="http://schemas.microsoft.com/office/drawing/2010/main" xmlns="" w="9525">
+                  <a14:hiddenLine xmlns="" xmlns:a14="http://schemas.microsoft.com/office/drawing/2010/main" w="9525">
                     <a:solidFill>
                       <a:srgbClr val="000000"/>
                     </a:solidFill>
@@ -10908,7 +10907,7 @@
               </a:ln>
               <a:extLst>
                 <a:ext uri="{91240B29-F687-4f45-9708-019B960494DF}">
-                  <a14:hiddenLine xmlns:a14="http://schemas.microsoft.com/office/drawing/2010/main" xmlns="" w="9525">
+                  <a14:hiddenLine xmlns="" xmlns:a14="http://schemas.microsoft.com/office/drawing/2010/main" w="9525">
                     <a:solidFill>
                       <a:srgbClr val="000000"/>
                     </a:solidFill>
@@ -10973,7 +10972,7 @@
               </a:ln>
               <a:extLst>
                 <a:ext uri="{91240B29-F687-4f45-9708-019B960494DF}">
-                  <a14:hiddenLine xmlns:a14="http://schemas.microsoft.com/office/drawing/2010/main" xmlns="" w="9525">
+                  <a14:hiddenLine xmlns="" xmlns:a14="http://schemas.microsoft.com/office/drawing/2010/main" w="9525">
                     <a:solidFill>
                       <a:srgbClr val="000000"/>
                     </a:solidFill>
@@ -11093,7 +11092,7 @@
               </a:ln>
               <a:extLst>
                 <a:ext uri="{91240B29-F687-4f45-9708-019B960494DF}">
-                  <a14:hiddenLine xmlns:a14="http://schemas.microsoft.com/office/drawing/2010/main" xmlns="" w="9525">
+                  <a14:hiddenLine xmlns="" xmlns:a14="http://schemas.microsoft.com/office/drawing/2010/main" w="9525">
                     <a:solidFill>
                       <a:srgbClr val="000000"/>
                     </a:solidFill>
@@ -11174,7 +11173,7 @@
               </a:ln>
               <a:extLst>
                 <a:ext uri="{91240B29-F687-4f45-9708-019B960494DF}">
-                  <a14:hiddenLine xmlns:a14="http://schemas.microsoft.com/office/drawing/2010/main" xmlns="" w="9525">
+                  <a14:hiddenLine xmlns="" xmlns:a14="http://schemas.microsoft.com/office/drawing/2010/main" w="9525">
                     <a:solidFill>
                       <a:srgbClr val="000000"/>
                     </a:solidFill>
@@ -11289,7 +11288,7 @@
               </a:ln>
               <a:extLst>
                 <a:ext uri="{91240B29-F687-4f45-9708-019B960494DF}">
-                  <a14:hiddenLine xmlns:a14="http://schemas.microsoft.com/office/drawing/2010/main" xmlns="" w="9525">
+                  <a14:hiddenLine xmlns="" xmlns:a14="http://schemas.microsoft.com/office/drawing/2010/main" w="9525">
                     <a:solidFill>
                       <a:srgbClr val="000000"/>
                     </a:solidFill>
@@ -11379,7 +11378,7 @@
               </a:ln>
               <a:extLst>
                 <a:ext uri="{91240B29-F687-4f45-9708-019B960494DF}">
-                  <a14:hiddenLine xmlns:a14="http://schemas.microsoft.com/office/drawing/2010/main" xmlns="" w="9525">
+                  <a14:hiddenLine xmlns="" xmlns:a14="http://schemas.microsoft.com/office/drawing/2010/main" w="9525">
                     <a:solidFill>
                       <a:srgbClr val="000000"/>
                     </a:solidFill>
@@ -11444,7 +11443,7 @@
               </a:ln>
               <a:extLst>
                 <a:ext uri="{91240B29-F687-4f45-9708-019B960494DF}">
-                  <a14:hiddenLine xmlns:a14="http://schemas.microsoft.com/office/drawing/2010/main" xmlns="" w="9525">
+                  <a14:hiddenLine xmlns="" xmlns:a14="http://schemas.microsoft.com/office/drawing/2010/main" w="9525">
                     <a:solidFill>
                       <a:srgbClr val="000000"/>
                     </a:solidFill>
@@ -11534,7 +11533,7 @@
               </a:ln>
               <a:extLst>
                 <a:ext uri="{91240B29-F687-4f45-9708-019B960494DF}">
-                  <a14:hiddenLine xmlns:a14="http://schemas.microsoft.com/office/drawing/2010/main" xmlns="" w="9525">
+                  <a14:hiddenLine xmlns="" xmlns:a14="http://schemas.microsoft.com/office/drawing/2010/main" w="9525">
                     <a:solidFill>
                       <a:srgbClr val="000000"/>
                     </a:solidFill>
@@ -11602,7 +11601,7 @@
               </a:ln>
               <a:extLst>
                 <a:ext uri="{91240B29-F687-4f45-9708-019B960494DF}">
-                  <a14:hiddenLine xmlns:a14="http://schemas.microsoft.com/office/drawing/2010/main" xmlns="" w="9525">
+                  <a14:hiddenLine xmlns="" xmlns:a14="http://schemas.microsoft.com/office/drawing/2010/main" w="9525">
                     <a:solidFill>
                       <a:srgbClr val="000000"/>
                     </a:solidFill>
@@ -11692,7 +11691,7 @@
               </a:ln>
               <a:extLst>
                 <a:ext uri="{91240B29-F687-4f45-9708-019B960494DF}">
-                  <a14:hiddenLine xmlns:a14="http://schemas.microsoft.com/office/drawing/2010/main" xmlns="" w="9525">
+                  <a14:hiddenLine xmlns="" xmlns:a14="http://schemas.microsoft.com/office/drawing/2010/main" w="9525">
                     <a:solidFill>
                       <a:srgbClr val="000000"/>
                     </a:solidFill>
@@ -11760,7 +11759,7 @@
               </a:ln>
               <a:extLst>
                 <a:ext uri="{91240B29-F687-4f45-9708-019B960494DF}">
-                  <a14:hiddenLine xmlns:a14="http://schemas.microsoft.com/office/drawing/2010/main" xmlns="" w="9525">
+                  <a14:hiddenLine xmlns="" xmlns:a14="http://schemas.microsoft.com/office/drawing/2010/main" w="9525">
                     <a:solidFill>
                       <a:srgbClr val="000000"/>
                     </a:solidFill>
@@ -11850,7 +11849,7 @@
               </a:ln>
               <a:extLst>
                 <a:ext uri="{91240B29-F687-4f45-9708-019B960494DF}">
-                  <a14:hiddenLine xmlns:a14="http://schemas.microsoft.com/office/drawing/2010/main" xmlns="" w="9525">
+                  <a14:hiddenLine xmlns="" xmlns:a14="http://schemas.microsoft.com/office/drawing/2010/main" w="9525">
                     <a:solidFill>
                       <a:srgbClr val="000000"/>
                     </a:solidFill>
@@ -11884,7 +11883,7 @@
               </a:ln>
               <a:extLst>
                 <a:ext uri="{91240B29-F687-4f45-9708-019B960494DF}">
-                  <a14:hiddenLine xmlns:a14="http://schemas.microsoft.com/office/drawing/2010/main" xmlns="" w="9525">
+                  <a14:hiddenLine xmlns="" xmlns:a14="http://schemas.microsoft.com/office/drawing/2010/main" w="9525">
                     <a:solidFill>
                       <a:srgbClr val="000000"/>
                     </a:solidFill>
@@ -12024,7 +12023,7 @@
           <a:p>
             <a:fld id="{E765D5E0-CA05-4FFC-8C8F-6C45FDE86182}" type="datetimeFigureOut">
               <a:rPr lang="pt-PT" smtClean="0"/>
-              <a:t>13/01/2020</a:t>
+              <a:t>14/01/2020</a:t>
             </a:fld>
             <a:endParaRPr lang="pt-PT"/>
           </a:p>
@@ -12495,7 +12494,7 @@
           <a:p>
             <a:r>
               <a:rPr lang="pt-PT" dirty="0"/>
-              <a:t>Apresentação do trabalho prático</a:t>
+              <a:t>Apresentação do trabalho prático – grupo 19</a:t>
             </a:r>
           </a:p>
         </p:txBody>
@@ -12777,176 +12776,6 @@
           <p:cNvPr id="2" name="Título 1">
             <a:extLst>
               <a:ext uri="{FF2B5EF4-FFF2-40B4-BE49-F238E27FC236}">
-                <a16:creationId xmlns:a16="http://schemas.microsoft.com/office/drawing/2014/main" id="{A45482BD-332E-45AA-81E9-923C3A638B82}"/>
-              </a:ext>
-            </a:extLst>
-          </p:cNvPr>
-          <p:cNvSpPr>
-            <a:spLocks noGrp="1"/>
-          </p:cNvSpPr>
-          <p:nvPr>
-            <p:ph type="title"/>
-          </p:nvPr>
-        </p:nvSpPr>
-        <p:spPr/>
-        <p:txBody>
-          <a:bodyPr/>
-          <a:lstStyle/>
-          <a:p>
-            <a:r>
-              <a:rPr lang="pt-PT" dirty="0"/>
-              <a:t>Migração dos dados para um sistema não relacional</a:t>
-            </a:r>
-          </a:p>
-        </p:txBody>
-      </p:sp>
-      <p:sp>
-        <p:nvSpPr>
-          <p:cNvPr id="3" name="Marcador de Posição de Conteúdo 2">
-            <a:extLst>
-              <a:ext uri="{FF2B5EF4-FFF2-40B4-BE49-F238E27FC236}">
-                <a16:creationId xmlns:a16="http://schemas.microsoft.com/office/drawing/2014/main" id="{B89FA7A4-599C-4420-8999-114E6175AF91}"/>
-              </a:ext>
-            </a:extLst>
-          </p:cNvPr>
-          <p:cNvSpPr>
-            <a:spLocks noGrp="1"/>
-          </p:cNvSpPr>
-          <p:nvPr>
-            <p:ph idx="1"/>
-          </p:nvPr>
-        </p:nvSpPr>
-        <p:spPr/>
-        <p:txBody>
-          <a:bodyPr>
-            <a:normAutofit/>
-          </a:bodyPr>
-          <a:lstStyle/>
-          <a:p>
-            <a:r>
-              <a:rPr lang="pt-PT" sz="1800" dirty="0"/>
-              <a:t>Base de dados utilizada: </a:t>
-            </a:r>
-            <a:r>
-              <a:rPr lang="pt-PT" sz="1800" dirty="0" err="1"/>
-              <a:t>MongoDB</a:t>
-            </a:r>
-            <a:endParaRPr lang="pt-PT" sz="1800" dirty="0"/>
-          </a:p>
-          <a:p>
-            <a:pPr lvl="1"/>
-            <a:r>
-              <a:rPr lang="pt-PT" sz="1400" dirty="0"/>
-              <a:t>Tipo: Documental (Documentos possuem uma estrutura)</a:t>
-            </a:r>
-          </a:p>
-          <a:p>
-            <a:pPr lvl="1"/>
-            <a:r>
-              <a:rPr lang="pt-PT" sz="1400" dirty="0"/>
-              <a:t>Permite consultar os documentos</a:t>
-            </a:r>
-          </a:p>
-          <a:p>
-            <a:pPr lvl="1"/>
-            <a:r>
-              <a:rPr lang="pt-PT" sz="1400" dirty="0"/>
-              <a:t>No caso do </a:t>
-            </a:r>
-            <a:r>
-              <a:rPr lang="pt-PT" sz="1400" dirty="0" err="1"/>
-              <a:t>mongoDB</a:t>
-            </a:r>
-            <a:r>
-              <a:rPr lang="pt-PT" sz="1400" dirty="0"/>
-              <a:t> cada documento representa uma “linha de um ficheiro </a:t>
-            </a:r>
-            <a:r>
-              <a:rPr lang="pt-PT" sz="1400" dirty="0" err="1"/>
-              <a:t>json</a:t>
-            </a:r>
-            <a:r>
-              <a:rPr lang="pt-PT" sz="1400" dirty="0"/>
-              <a:t>”</a:t>
-            </a:r>
-          </a:p>
-          <a:p>
-            <a:r>
-              <a:rPr lang="pt-PT" sz="1800" dirty="0"/>
-              <a:t>Exemplo de um documento: </a:t>
-            </a:r>
-          </a:p>
-          <a:p>
-            <a:pPr lvl="1"/>
-            <a:endParaRPr lang="pt-PT" sz="1400" dirty="0"/>
-          </a:p>
-        </p:txBody>
-      </p:sp>
-      <p:pic>
-        <p:nvPicPr>
-          <p:cNvPr id="4" name="Imagem 3">
-            <a:extLst>
-              <a:ext uri="{FF2B5EF4-FFF2-40B4-BE49-F238E27FC236}">
-                <a16:creationId xmlns:a16="http://schemas.microsoft.com/office/drawing/2014/main" id="{29EB758B-5A6D-4519-9DA5-ED2C7BECA625}"/>
-              </a:ext>
-            </a:extLst>
-          </p:cNvPr>
-          <p:cNvPicPr>
-            <a:picLocks noChangeAspect="1"/>
-          </p:cNvPicPr>
-          <p:nvPr/>
-        </p:nvPicPr>
-        <p:blipFill>
-          <a:blip r:embed="rId2"/>
-          <a:stretch>
-            <a:fillRect/>
-          </a:stretch>
-        </p:blipFill>
-        <p:spPr>
-          <a:xfrm>
-            <a:off x="1998866" y="4621876"/>
-            <a:ext cx="8191089" cy="1169325"/>
-          </a:xfrm>
-          <a:prstGeom prst="rect">
-            <a:avLst/>
-          </a:prstGeom>
-        </p:spPr>
-      </p:pic>
-    </p:spTree>
-    <p:extLst>
-      <p:ext uri="{BB962C8B-B14F-4D97-AF65-F5344CB8AC3E}">
-        <p14:creationId xmlns:p14="http://schemas.microsoft.com/office/powerpoint/2010/main" val="1890334832"/>
-      </p:ext>
-    </p:extLst>
-  </p:cSld>
-  <p:clrMapOvr>
-    <a:masterClrMapping/>
-  </p:clrMapOvr>
-</p:sld>
-</file>
-
-<file path=ppt/slides/slide11.xml><?xml version="1.0" encoding="utf-8"?>
-<p:sld xmlns:a="http://schemas.openxmlformats.org/drawingml/2006/main" xmlns:r="http://schemas.openxmlformats.org/officeDocument/2006/relationships" xmlns:p="http://schemas.openxmlformats.org/presentationml/2006/main">
-  <p:cSld>
-    <p:spTree>
-      <p:nvGrpSpPr>
-        <p:cNvPr id="1" name=""/>
-        <p:cNvGrpSpPr/>
-        <p:nvPr/>
-      </p:nvGrpSpPr>
-      <p:grpSpPr>
-        <a:xfrm>
-          <a:off x="0" y="0"/>
-          <a:ext cx="0" cy="0"/>
-          <a:chOff x="0" y="0"/>
-          <a:chExt cx="0" cy="0"/>
-        </a:xfrm>
-      </p:grpSpPr>
-      <p:sp>
-        <p:nvSpPr>
-          <p:cNvPr id="2" name="Título 1">
-            <a:extLst>
-              <a:ext uri="{FF2B5EF4-FFF2-40B4-BE49-F238E27FC236}">
                 <a16:creationId xmlns:a16="http://schemas.microsoft.com/office/drawing/2014/main" id="{C74F184E-E36E-4CBC-80CF-11DB7F4BAD13}"/>
               </a:ext>
             </a:extLst>
@@ -13029,7 +12858,7 @@
 </p:sld>
 </file>
 
-<file path=ppt/slides/slide12.xml><?xml version="1.0" encoding="utf-8"?>
+<file path=ppt/slides/slide11.xml><?xml version="1.0" encoding="utf-8"?>
 <p:sld xmlns:a="http://schemas.openxmlformats.org/drawingml/2006/main" xmlns:r="http://schemas.openxmlformats.org/officeDocument/2006/relationships" xmlns:p="http://schemas.openxmlformats.org/presentationml/2006/main">
   <p:cSld>
     <p:spTree>
@@ -13146,7 +12975,7 @@
 </p:sld>
 </file>
 
-<file path=ppt/slides/slide13.xml><?xml version="1.0" encoding="utf-8"?>
+<file path=ppt/slides/slide12.xml><?xml version="1.0" encoding="utf-8"?>
 <p:sld xmlns:a="http://schemas.openxmlformats.org/drawingml/2006/main" xmlns:r="http://schemas.openxmlformats.org/officeDocument/2006/relationships" xmlns:p="http://schemas.openxmlformats.org/presentationml/2006/main">
   <p:cSld>
     <p:spTree>
@@ -13769,7 +13598,7 @@
           <a:p>
             <a:r>
               <a:rPr lang="pt-PT" sz="1800" dirty="0"/>
-              <a:t>Foram implementadas 2 vertentes:</a:t>
+              <a:t>Implementar 2 vertentes:</a:t>
             </a:r>
           </a:p>
           <a:p>
@@ -13844,89 +13673,6 @@
           <p:cNvPr id="2" name="Título 1">
             <a:extLst>
               <a:ext uri="{FF2B5EF4-FFF2-40B4-BE49-F238E27FC236}">
-                <a16:creationId xmlns:a16="http://schemas.microsoft.com/office/drawing/2014/main" id="{A2DA5CA3-07DB-4030-9B3B-0C92ECA7863C}"/>
-              </a:ext>
-            </a:extLst>
-          </p:cNvPr>
-          <p:cNvSpPr>
-            <a:spLocks noGrp="1"/>
-          </p:cNvSpPr>
-          <p:nvPr>
-            <p:ph type="title"/>
-          </p:nvPr>
-        </p:nvSpPr>
-        <p:spPr/>
-        <p:txBody>
-          <a:bodyPr/>
-          <a:lstStyle/>
-          <a:p>
-            <a:r>
-              <a:rPr lang="pt-PT" dirty="0"/>
-              <a:t>Implementação do SGBD relacional : Análise de Requisitos</a:t>
-            </a:r>
-          </a:p>
-        </p:txBody>
-      </p:sp>
-      <p:sp>
-        <p:nvSpPr>
-          <p:cNvPr id="3" name="Marcador de Posição de Conteúdo 2">
-            <a:extLst>
-              <a:ext uri="{FF2B5EF4-FFF2-40B4-BE49-F238E27FC236}">
-                <a16:creationId xmlns:a16="http://schemas.microsoft.com/office/drawing/2014/main" id="{D0EC2A16-F2F1-4101-A6C8-D48BD4C55404}"/>
-              </a:ext>
-            </a:extLst>
-          </p:cNvPr>
-          <p:cNvSpPr>
-            <a:spLocks noGrp="1"/>
-          </p:cNvSpPr>
-          <p:nvPr>
-            <p:ph idx="1"/>
-          </p:nvPr>
-        </p:nvSpPr>
-        <p:spPr/>
-        <p:txBody>
-          <a:bodyPr/>
-          <a:lstStyle/>
-          <a:p>
-            <a:endParaRPr lang="pt-PT" dirty="0"/>
-          </a:p>
-        </p:txBody>
-      </p:sp>
-    </p:spTree>
-    <p:extLst>
-      <p:ext uri="{BB962C8B-B14F-4D97-AF65-F5344CB8AC3E}">
-        <p14:creationId xmlns:p14="http://schemas.microsoft.com/office/powerpoint/2010/main" val="2815935822"/>
-      </p:ext>
-    </p:extLst>
-  </p:cSld>
-  <p:clrMapOvr>
-    <a:masterClrMapping/>
-  </p:clrMapOvr>
-</p:sld>
-</file>
-
-<file path=ppt/slides/slide6.xml><?xml version="1.0" encoding="utf-8"?>
-<p:sld xmlns:a="http://schemas.openxmlformats.org/drawingml/2006/main" xmlns:r="http://schemas.openxmlformats.org/officeDocument/2006/relationships" xmlns:p="http://schemas.openxmlformats.org/presentationml/2006/main">
-  <p:cSld>
-    <p:spTree>
-      <p:nvGrpSpPr>
-        <p:cNvPr id="1" name=""/>
-        <p:cNvGrpSpPr/>
-        <p:nvPr/>
-      </p:nvGrpSpPr>
-      <p:grpSpPr>
-        <a:xfrm>
-          <a:off x="0" y="0"/>
-          <a:ext cx="0" cy="0"/>
-          <a:chOff x="0" y="0"/>
-          <a:chExt cx="0" cy="0"/>
-        </a:xfrm>
-      </p:grpSpPr>
-      <p:sp>
-        <p:nvSpPr>
-          <p:cNvPr id="2" name="Título 1">
-            <a:extLst>
-              <a:ext uri="{FF2B5EF4-FFF2-40B4-BE49-F238E27FC236}">
                 <a16:creationId xmlns:a16="http://schemas.microsoft.com/office/drawing/2014/main" id="{AE8524FC-1E2D-4E25-81AD-9C71739B1E7B}"/>
               </a:ext>
             </a:extLst>
@@ -13953,7 +13699,7 @@
             </a:r>
             <a:r>
               <a:rPr lang="pt-PT" dirty="0"/>
-              <a:t> relacional : Modelo Conceptual</a:t>
+              <a:t> relacional : análise de requisitos &amp; Modelo Conceptual</a:t>
             </a:r>
           </a:p>
         </p:txBody>
@@ -14006,7 +13752,7 @@
 </p:sld>
 </file>
 
-<file path=ppt/slides/slide7.xml><?xml version="1.0" encoding="utf-8"?>
+<file path=ppt/slides/slide6.xml><?xml version="1.0" encoding="utf-8"?>
 <p:sld xmlns:a="http://schemas.openxmlformats.org/drawingml/2006/main" xmlns:r="http://schemas.openxmlformats.org/officeDocument/2006/relationships" xmlns:p="http://schemas.openxmlformats.org/presentationml/2006/main">
   <p:cSld>
     <p:spTree>
@@ -14107,7 +13853,7 @@
 </p:sld>
 </file>
 
-<file path=ppt/slides/slide8.xml><?xml version="1.0" encoding="utf-8"?>
+<file path=ppt/slides/slide7.xml><?xml version="1.0" encoding="utf-8"?>
 <p:sld xmlns:a="http://schemas.openxmlformats.org/drawingml/2006/main" xmlns:r="http://schemas.openxmlformats.org/officeDocument/2006/relationships" xmlns:p="http://schemas.openxmlformats.org/presentationml/2006/main">
   <p:cSld>
     <p:spTree>
@@ -14276,7 +14022,7 @@
 </p:sld>
 </file>
 
-<file path=ppt/slides/slide9.xml><?xml version="1.0" encoding="utf-8"?>
+<file path=ppt/slides/slide8.xml><?xml version="1.0" encoding="utf-8"?>
 <p:sld xmlns:a="http://schemas.openxmlformats.org/drawingml/2006/main" xmlns:r="http://schemas.openxmlformats.org/officeDocument/2006/relationships" xmlns:p="http://schemas.openxmlformats.org/presentationml/2006/main">
   <p:cSld>
     <p:spTree>
@@ -14463,6 +14209,176 @@
     <p:extLst>
       <p:ext uri="{BB962C8B-B14F-4D97-AF65-F5344CB8AC3E}">
         <p14:creationId xmlns:p14="http://schemas.microsoft.com/office/powerpoint/2010/main" val="2760215115"/>
+      </p:ext>
+    </p:extLst>
+  </p:cSld>
+  <p:clrMapOvr>
+    <a:masterClrMapping/>
+  </p:clrMapOvr>
+</p:sld>
+</file>
+
+<file path=ppt/slides/slide9.xml><?xml version="1.0" encoding="utf-8"?>
+<p:sld xmlns:a="http://schemas.openxmlformats.org/drawingml/2006/main" xmlns:r="http://schemas.openxmlformats.org/officeDocument/2006/relationships" xmlns:p="http://schemas.openxmlformats.org/presentationml/2006/main">
+  <p:cSld>
+    <p:spTree>
+      <p:nvGrpSpPr>
+        <p:cNvPr id="1" name=""/>
+        <p:cNvGrpSpPr/>
+        <p:nvPr/>
+      </p:nvGrpSpPr>
+      <p:grpSpPr>
+        <a:xfrm>
+          <a:off x="0" y="0"/>
+          <a:ext cx="0" cy="0"/>
+          <a:chOff x="0" y="0"/>
+          <a:chExt cx="0" cy="0"/>
+        </a:xfrm>
+      </p:grpSpPr>
+      <p:sp>
+        <p:nvSpPr>
+          <p:cNvPr id="2" name="Título 1">
+            <a:extLst>
+              <a:ext uri="{FF2B5EF4-FFF2-40B4-BE49-F238E27FC236}">
+                <a16:creationId xmlns:a16="http://schemas.microsoft.com/office/drawing/2014/main" id="{A45482BD-332E-45AA-81E9-923C3A638B82}"/>
+              </a:ext>
+            </a:extLst>
+          </p:cNvPr>
+          <p:cNvSpPr>
+            <a:spLocks noGrp="1"/>
+          </p:cNvSpPr>
+          <p:nvPr>
+            <p:ph type="title"/>
+          </p:nvPr>
+        </p:nvSpPr>
+        <p:spPr/>
+        <p:txBody>
+          <a:bodyPr/>
+          <a:lstStyle/>
+          <a:p>
+            <a:r>
+              <a:rPr lang="pt-PT" dirty="0"/>
+              <a:t>Migração dos dados para um sistema não relacional</a:t>
+            </a:r>
+          </a:p>
+        </p:txBody>
+      </p:sp>
+      <p:sp>
+        <p:nvSpPr>
+          <p:cNvPr id="3" name="Marcador de Posição de Conteúdo 2">
+            <a:extLst>
+              <a:ext uri="{FF2B5EF4-FFF2-40B4-BE49-F238E27FC236}">
+                <a16:creationId xmlns:a16="http://schemas.microsoft.com/office/drawing/2014/main" id="{B89FA7A4-599C-4420-8999-114E6175AF91}"/>
+              </a:ext>
+            </a:extLst>
+          </p:cNvPr>
+          <p:cNvSpPr>
+            <a:spLocks noGrp="1"/>
+          </p:cNvSpPr>
+          <p:nvPr>
+            <p:ph idx="1"/>
+          </p:nvPr>
+        </p:nvSpPr>
+        <p:spPr/>
+        <p:txBody>
+          <a:bodyPr>
+            <a:normAutofit/>
+          </a:bodyPr>
+          <a:lstStyle/>
+          <a:p>
+            <a:r>
+              <a:rPr lang="pt-PT" sz="1800" dirty="0"/>
+              <a:t>Base de dados utilizada: </a:t>
+            </a:r>
+            <a:r>
+              <a:rPr lang="pt-PT" sz="1800" dirty="0" err="1"/>
+              <a:t>MongoDB</a:t>
+            </a:r>
+            <a:endParaRPr lang="pt-PT" sz="1800" dirty="0"/>
+          </a:p>
+          <a:p>
+            <a:pPr lvl="1"/>
+            <a:r>
+              <a:rPr lang="pt-PT" sz="1400" dirty="0"/>
+              <a:t>Tipo: Documental (Documentos possuem uma estrutura)</a:t>
+            </a:r>
+          </a:p>
+          <a:p>
+            <a:pPr lvl="1"/>
+            <a:r>
+              <a:rPr lang="pt-PT" sz="1400" dirty="0"/>
+              <a:t>Permite consultar os documentos</a:t>
+            </a:r>
+          </a:p>
+          <a:p>
+            <a:pPr lvl="1"/>
+            <a:r>
+              <a:rPr lang="pt-PT" sz="1400" dirty="0"/>
+              <a:t>No caso do </a:t>
+            </a:r>
+            <a:r>
+              <a:rPr lang="pt-PT" sz="1400" dirty="0" err="1"/>
+              <a:t>mongoDB</a:t>
+            </a:r>
+            <a:r>
+              <a:rPr lang="pt-PT" sz="1400" dirty="0"/>
+              <a:t> cada documento representa uma “linha de um ficheiro </a:t>
+            </a:r>
+            <a:r>
+              <a:rPr lang="pt-PT" sz="1400" dirty="0" err="1"/>
+              <a:t>json</a:t>
+            </a:r>
+            <a:r>
+              <a:rPr lang="pt-PT" sz="1400" dirty="0"/>
+              <a:t>”</a:t>
+            </a:r>
+          </a:p>
+          <a:p>
+            <a:r>
+              <a:rPr lang="pt-PT" sz="1800" dirty="0"/>
+              <a:t>Exemplo de um documento: </a:t>
+            </a:r>
+          </a:p>
+          <a:p>
+            <a:pPr lvl="1"/>
+            <a:endParaRPr lang="pt-PT" sz="1400" dirty="0"/>
+          </a:p>
+        </p:txBody>
+      </p:sp>
+      <p:pic>
+        <p:nvPicPr>
+          <p:cNvPr id="4" name="Imagem 3">
+            <a:extLst>
+              <a:ext uri="{FF2B5EF4-FFF2-40B4-BE49-F238E27FC236}">
+                <a16:creationId xmlns:a16="http://schemas.microsoft.com/office/drawing/2014/main" id="{29EB758B-5A6D-4519-9DA5-ED2C7BECA625}"/>
+              </a:ext>
+            </a:extLst>
+          </p:cNvPr>
+          <p:cNvPicPr>
+            <a:picLocks noChangeAspect="1"/>
+          </p:cNvPicPr>
+          <p:nvPr/>
+        </p:nvPicPr>
+        <p:blipFill>
+          <a:blip r:embed="rId2"/>
+          <a:stretch>
+            <a:fillRect/>
+          </a:stretch>
+        </p:blipFill>
+        <p:spPr>
+          <a:xfrm>
+            <a:off x="1998866" y="4621876"/>
+            <a:ext cx="8191089" cy="1169325"/>
+          </a:xfrm>
+          <a:prstGeom prst="rect">
+            <a:avLst/>
+          </a:prstGeom>
+        </p:spPr>
+      </p:pic>
+    </p:spTree>
+    <p:extLst>
+      <p:ext uri="{BB962C8B-B14F-4D97-AF65-F5344CB8AC3E}">
+        <p14:creationId xmlns:p14="http://schemas.microsoft.com/office/powerpoint/2010/main" val="1890334832"/>
       </p:ext>
     </p:extLst>
   </p:cSld>

--- a/relatorio/Presentation/presentation.pptx
+++ b/relatorio/Presentation/presentation.pptx
@@ -180,7 +180,7 @@
           <a:noFill/>
           <a:extLst>
             <a:ext uri="{909E8E84-426E-40dd-AFC4-6F175D3DCCD1}">
-              <a14:hiddenFill xmlns="" xmlns:a14="http://schemas.microsoft.com/office/drawing/2010/main">
+              <a14:hiddenFill xmlns:a14="http://schemas.microsoft.com/office/drawing/2010/main" xmlns="">
                 <a:solidFill>
                   <a:srgbClr val="FFFFFF"/>
                 </a:solidFill>
@@ -239,7 +239,7 @@
             </a:ln>
             <a:extLst>
               <a:ext uri="{91240B29-F687-4f45-9708-019B960494DF}">
-                <a14:hiddenLine xmlns="" xmlns:a14="http://schemas.microsoft.com/office/drawing/2010/main" w="9525">
+                <a14:hiddenLine xmlns:a14="http://schemas.microsoft.com/office/drawing/2010/main" xmlns="" w="9525">
                   <a:solidFill>
                     <a:srgbClr val="000000"/>
                   </a:solidFill>
@@ -329,7 +329,7 @@
             </a:ln>
             <a:extLst>
               <a:ext uri="{91240B29-F687-4f45-9708-019B960494DF}">
-                <a14:hiddenLine xmlns="" xmlns:a14="http://schemas.microsoft.com/office/drawing/2010/main" w="9525">
+                <a14:hiddenLine xmlns:a14="http://schemas.microsoft.com/office/drawing/2010/main" xmlns="" w="9525">
                   <a:solidFill>
                     <a:srgbClr val="000000"/>
                   </a:solidFill>
@@ -419,7 +419,7 @@
             </a:ln>
             <a:extLst>
               <a:ext uri="{91240B29-F687-4f45-9708-019B960494DF}">
-                <a14:hiddenLine xmlns="" xmlns:a14="http://schemas.microsoft.com/office/drawing/2010/main" w="9525">
+                <a14:hiddenLine xmlns:a14="http://schemas.microsoft.com/office/drawing/2010/main" xmlns="" w="9525">
                   <a:solidFill>
                     <a:srgbClr val="000000"/>
                   </a:solidFill>
@@ -453,7 +453,7 @@
             </a:ln>
             <a:extLst>
               <a:ext uri="{91240B29-F687-4f45-9708-019B960494DF}">
-                <a14:hiddenLine xmlns="" xmlns:a14="http://schemas.microsoft.com/office/drawing/2010/main" w="9525">
+                <a14:hiddenLine xmlns:a14="http://schemas.microsoft.com/office/drawing/2010/main" xmlns="" w="9525">
                   <a:solidFill>
                     <a:srgbClr val="000000"/>
                   </a:solidFill>
@@ -543,7 +543,7 @@
             </a:ln>
             <a:extLst>
               <a:ext uri="{91240B29-F687-4f45-9708-019B960494DF}">
-                <a14:hiddenLine xmlns="" xmlns:a14="http://schemas.microsoft.com/office/drawing/2010/main" w="9525">
+                <a14:hiddenLine xmlns:a14="http://schemas.microsoft.com/office/drawing/2010/main" xmlns="" w="9525">
                   <a:solidFill>
                     <a:srgbClr val="000000"/>
                   </a:solidFill>
@@ -605,7 +605,7 @@
             </a:ln>
             <a:extLst>
               <a:ext uri="{91240B29-F687-4f45-9708-019B960494DF}">
-                <a14:hiddenLine xmlns="" xmlns:a14="http://schemas.microsoft.com/office/drawing/2010/main" w="9525">
+                <a14:hiddenLine xmlns:a14="http://schemas.microsoft.com/office/drawing/2010/main" xmlns="" w="9525">
                   <a:solidFill>
                     <a:srgbClr val="000000"/>
                   </a:solidFill>
@@ -667,7 +667,7 @@
             </a:ln>
             <a:extLst>
               <a:ext uri="{91240B29-F687-4f45-9708-019B960494DF}">
-                <a14:hiddenLine xmlns="" xmlns:a14="http://schemas.microsoft.com/office/drawing/2010/main" w="9525">
+                <a14:hiddenLine xmlns:a14="http://schemas.microsoft.com/office/drawing/2010/main" xmlns="" w="9525">
                   <a:solidFill>
                     <a:srgbClr val="000000"/>
                   </a:solidFill>
@@ -757,7 +757,7 @@
             </a:ln>
             <a:extLst>
               <a:ext uri="{91240B29-F687-4f45-9708-019B960494DF}">
-                <a14:hiddenLine xmlns="" xmlns:a14="http://schemas.microsoft.com/office/drawing/2010/main" w="9525">
+                <a14:hiddenLine xmlns:a14="http://schemas.microsoft.com/office/drawing/2010/main" xmlns="" w="9525">
                   <a:solidFill>
                     <a:srgbClr val="000000"/>
                   </a:solidFill>
@@ -819,7 +819,7 @@
             </a:ln>
             <a:extLst>
               <a:ext uri="{91240B29-F687-4f45-9708-019B960494DF}">
-                <a14:hiddenLine xmlns="" xmlns:a14="http://schemas.microsoft.com/office/drawing/2010/main" w="9525">
+                <a14:hiddenLine xmlns:a14="http://schemas.microsoft.com/office/drawing/2010/main" xmlns="" w="9525">
                   <a:solidFill>
                     <a:srgbClr val="000000"/>
                   </a:solidFill>
@@ -881,7 +881,7 @@
             </a:ln>
             <a:extLst>
               <a:ext uri="{91240B29-F687-4f45-9708-019B960494DF}">
-                <a14:hiddenLine xmlns="" xmlns:a14="http://schemas.microsoft.com/office/drawing/2010/main" w="9525">
+                <a14:hiddenLine xmlns:a14="http://schemas.microsoft.com/office/drawing/2010/main" xmlns="" w="9525">
                   <a:solidFill>
                     <a:srgbClr val="000000"/>
                   </a:solidFill>
@@ -971,7 +971,7 @@
             </a:ln>
             <a:extLst>
               <a:ext uri="{91240B29-F687-4f45-9708-019B960494DF}">
-                <a14:hiddenLine xmlns="" xmlns:a14="http://schemas.microsoft.com/office/drawing/2010/main" w="9525">
+                <a14:hiddenLine xmlns:a14="http://schemas.microsoft.com/office/drawing/2010/main" xmlns="" w="9525">
                   <a:solidFill>
                     <a:srgbClr val="000000"/>
                   </a:solidFill>
@@ -1061,7 +1061,7 @@
             </a:ln>
             <a:extLst>
               <a:ext uri="{91240B29-F687-4f45-9708-019B960494DF}">
-                <a14:hiddenLine xmlns="" xmlns:a14="http://schemas.microsoft.com/office/drawing/2010/main" w="9525">
+                <a14:hiddenLine xmlns:a14="http://schemas.microsoft.com/office/drawing/2010/main" xmlns="" w="9525">
                   <a:solidFill>
                     <a:srgbClr val="000000"/>
                   </a:solidFill>
@@ -1123,7 +1123,7 @@
             </a:ln>
             <a:extLst>
               <a:ext uri="{91240B29-F687-4f45-9708-019B960494DF}">
-                <a14:hiddenLine xmlns="" xmlns:a14="http://schemas.microsoft.com/office/drawing/2010/main" w="9525">
+                <a14:hiddenLine xmlns:a14="http://schemas.microsoft.com/office/drawing/2010/main" xmlns="" w="9525">
                   <a:solidFill>
                     <a:srgbClr val="000000"/>
                   </a:solidFill>
@@ -1233,7 +1233,7 @@
             </a:ln>
             <a:extLst>
               <a:ext uri="{91240B29-F687-4f45-9708-019B960494DF}">
-                <a14:hiddenLine xmlns="" xmlns:a14="http://schemas.microsoft.com/office/drawing/2010/main" w="9525">
+                <a14:hiddenLine xmlns:a14="http://schemas.microsoft.com/office/drawing/2010/main" xmlns="" w="9525">
                   <a:solidFill>
                     <a:srgbClr val="000000"/>
                   </a:solidFill>
@@ -1295,7 +1295,7 @@
             </a:ln>
             <a:extLst>
               <a:ext uri="{91240B29-F687-4f45-9708-019B960494DF}">
-                <a14:hiddenLine xmlns="" xmlns:a14="http://schemas.microsoft.com/office/drawing/2010/main" w="9525">
+                <a14:hiddenLine xmlns:a14="http://schemas.microsoft.com/office/drawing/2010/main" xmlns="" w="9525">
                   <a:solidFill>
                     <a:srgbClr val="000000"/>
                   </a:solidFill>
@@ -1385,7 +1385,7 @@
             </a:ln>
             <a:extLst>
               <a:ext uri="{91240B29-F687-4f45-9708-019B960494DF}">
-                <a14:hiddenLine xmlns="" xmlns:a14="http://schemas.microsoft.com/office/drawing/2010/main" w="9525">
+                <a14:hiddenLine xmlns:a14="http://schemas.microsoft.com/office/drawing/2010/main" xmlns="" w="9525">
                   <a:solidFill>
                     <a:srgbClr val="000000"/>
                   </a:solidFill>
@@ -1475,7 +1475,7 @@
             </a:ln>
             <a:extLst>
               <a:ext uri="{91240B29-F687-4f45-9708-019B960494DF}">
-                <a14:hiddenLine xmlns="" xmlns:a14="http://schemas.microsoft.com/office/drawing/2010/main" w="9525">
+                <a14:hiddenLine xmlns:a14="http://schemas.microsoft.com/office/drawing/2010/main" xmlns="" w="9525">
                   <a:solidFill>
                     <a:srgbClr val="000000"/>
                   </a:solidFill>
@@ -1537,7 +1537,7 @@
             </a:ln>
             <a:extLst>
               <a:ext uri="{91240B29-F687-4f45-9708-019B960494DF}">
-                <a14:hiddenLine xmlns="" xmlns:a14="http://schemas.microsoft.com/office/drawing/2010/main" w="9525">
+                <a14:hiddenLine xmlns:a14="http://schemas.microsoft.com/office/drawing/2010/main" xmlns="" w="9525">
                   <a:solidFill>
                     <a:srgbClr val="000000"/>
                   </a:solidFill>
@@ -1627,7 +1627,7 @@
             </a:ln>
             <a:extLst>
               <a:ext uri="{91240B29-F687-4f45-9708-019B960494DF}">
-                <a14:hiddenLine xmlns="" xmlns:a14="http://schemas.microsoft.com/office/drawing/2010/main" w="9525">
+                <a14:hiddenLine xmlns:a14="http://schemas.microsoft.com/office/drawing/2010/main" xmlns="" w="9525">
                   <a:solidFill>
                     <a:srgbClr val="000000"/>
                   </a:solidFill>
@@ -1717,7 +1717,7 @@
             </a:ln>
             <a:extLst>
               <a:ext uri="{91240B29-F687-4f45-9708-019B960494DF}">
-                <a14:hiddenLine xmlns="" xmlns:a14="http://schemas.microsoft.com/office/drawing/2010/main" w="9525">
+                <a14:hiddenLine xmlns:a14="http://schemas.microsoft.com/office/drawing/2010/main" xmlns="" w="9525">
                   <a:solidFill>
                     <a:srgbClr val="000000"/>
                   </a:solidFill>
@@ -1773,7 +1773,7 @@
             </a:ln>
             <a:extLst>
               <a:ext uri="{91240B29-F687-4f45-9708-019B960494DF}">
-                <a14:hiddenLine xmlns="" xmlns:a14="http://schemas.microsoft.com/office/drawing/2010/main" w="9525">
+                <a14:hiddenLine xmlns:a14="http://schemas.microsoft.com/office/drawing/2010/main" xmlns="" w="9525">
                   <a:solidFill>
                     <a:srgbClr val="000000"/>
                   </a:solidFill>
@@ -1863,7 +1863,7 @@
             </a:ln>
             <a:extLst>
               <a:ext uri="{91240B29-F687-4f45-9708-019B960494DF}">
-                <a14:hiddenLine xmlns="" xmlns:a14="http://schemas.microsoft.com/office/drawing/2010/main" w="9525">
+                <a14:hiddenLine xmlns:a14="http://schemas.microsoft.com/office/drawing/2010/main" xmlns="" w="9525">
                   <a:solidFill>
                     <a:srgbClr val="000000"/>
                   </a:solidFill>
@@ -1919,7 +1919,7 @@
             </a:ln>
             <a:extLst>
               <a:ext uri="{91240B29-F687-4f45-9708-019B960494DF}">
-                <a14:hiddenLine xmlns="" xmlns:a14="http://schemas.microsoft.com/office/drawing/2010/main" w="9525">
+                <a14:hiddenLine xmlns:a14="http://schemas.microsoft.com/office/drawing/2010/main" xmlns="" w="9525">
                   <a:solidFill>
                     <a:srgbClr val="000000"/>
                   </a:solidFill>
@@ -2009,7 +2009,7 @@
             </a:ln>
             <a:extLst>
               <a:ext uri="{91240B29-F687-4f45-9708-019B960494DF}">
-                <a14:hiddenLine xmlns="" xmlns:a14="http://schemas.microsoft.com/office/drawing/2010/main" w="9525">
+                <a14:hiddenLine xmlns:a14="http://schemas.microsoft.com/office/drawing/2010/main" xmlns="" w="9525">
                   <a:solidFill>
                     <a:srgbClr val="000000"/>
                   </a:solidFill>
@@ -2077,7 +2077,7 @@
             </a:ln>
             <a:extLst>
               <a:ext uri="{91240B29-F687-4f45-9708-019B960494DF}">
-                <a14:hiddenLine xmlns="" xmlns:a14="http://schemas.microsoft.com/office/drawing/2010/main" w="9525">
+                <a14:hiddenLine xmlns:a14="http://schemas.microsoft.com/office/drawing/2010/main" xmlns="" w="9525">
                   <a:solidFill>
                     <a:srgbClr val="000000"/>
                   </a:solidFill>
@@ -2167,7 +2167,7 @@
             </a:ln>
             <a:extLst>
               <a:ext uri="{91240B29-F687-4f45-9708-019B960494DF}">
-                <a14:hiddenLine xmlns="" xmlns:a14="http://schemas.microsoft.com/office/drawing/2010/main" w="9525">
+                <a14:hiddenLine xmlns:a14="http://schemas.microsoft.com/office/drawing/2010/main" xmlns="" w="9525">
                   <a:solidFill>
                     <a:srgbClr val="000000"/>
                   </a:solidFill>
@@ -2235,7 +2235,7 @@
             </a:ln>
             <a:extLst>
               <a:ext uri="{91240B29-F687-4f45-9708-019B960494DF}">
-                <a14:hiddenLine xmlns="" xmlns:a14="http://schemas.microsoft.com/office/drawing/2010/main" w="9525">
+                <a14:hiddenLine xmlns:a14="http://schemas.microsoft.com/office/drawing/2010/main" xmlns="" w="9525">
                   <a:solidFill>
                     <a:srgbClr val="000000"/>
                   </a:solidFill>
@@ -2325,7 +2325,7 @@
             </a:ln>
             <a:extLst>
               <a:ext uri="{91240B29-F687-4f45-9708-019B960494DF}">
-                <a14:hiddenLine xmlns="" xmlns:a14="http://schemas.microsoft.com/office/drawing/2010/main" w="9525">
+                <a14:hiddenLine xmlns:a14="http://schemas.microsoft.com/office/drawing/2010/main" xmlns="" w="9525">
                   <a:solidFill>
                     <a:srgbClr val="000000"/>
                   </a:solidFill>
@@ -2359,7 +2359,7 @@
             </a:ln>
             <a:extLst>
               <a:ext uri="{91240B29-F687-4f45-9708-019B960494DF}">
-                <a14:hiddenLine xmlns="" xmlns:a14="http://schemas.microsoft.com/office/drawing/2010/main" w="9525">
+                <a14:hiddenLine xmlns:a14="http://schemas.microsoft.com/office/drawing/2010/main" xmlns="" w="9525">
                   <a:solidFill>
                     <a:srgbClr val="000000"/>
                   </a:solidFill>
@@ -2449,7 +2449,7 @@
             </a:ln>
             <a:extLst>
               <a:ext uri="{91240B29-F687-4f45-9708-019B960494DF}">
-                <a14:hiddenLine xmlns="" xmlns:a14="http://schemas.microsoft.com/office/drawing/2010/main" w="9525">
+                <a14:hiddenLine xmlns:a14="http://schemas.microsoft.com/office/drawing/2010/main" xmlns="" w="9525">
                   <a:solidFill>
                     <a:srgbClr val="000000"/>
                   </a:solidFill>
@@ -2511,7 +2511,7 @@
             </a:ln>
             <a:extLst>
               <a:ext uri="{91240B29-F687-4f45-9708-019B960494DF}">
-                <a14:hiddenLine xmlns="" xmlns:a14="http://schemas.microsoft.com/office/drawing/2010/main" w="9525">
+                <a14:hiddenLine xmlns:a14="http://schemas.microsoft.com/office/drawing/2010/main" xmlns="" w="9525">
                   <a:solidFill>
                     <a:srgbClr val="000000"/>
                   </a:solidFill>
@@ -2573,7 +2573,7 @@
             </a:ln>
             <a:extLst>
               <a:ext uri="{91240B29-F687-4f45-9708-019B960494DF}">
-                <a14:hiddenLine xmlns="" xmlns:a14="http://schemas.microsoft.com/office/drawing/2010/main" w="9525">
+                <a14:hiddenLine xmlns:a14="http://schemas.microsoft.com/office/drawing/2010/main" xmlns="" w="9525">
                   <a:solidFill>
                     <a:srgbClr val="000000"/>
                   </a:solidFill>
@@ -2663,7 +2663,7 @@
             </a:ln>
             <a:extLst>
               <a:ext uri="{91240B29-F687-4f45-9708-019B960494DF}">
-                <a14:hiddenLine xmlns="" xmlns:a14="http://schemas.microsoft.com/office/drawing/2010/main" w="9525">
+                <a14:hiddenLine xmlns:a14="http://schemas.microsoft.com/office/drawing/2010/main" xmlns="" w="9525">
                   <a:solidFill>
                     <a:srgbClr val="000000"/>
                   </a:solidFill>
@@ -2731,7 +2731,7 @@
             </a:ln>
             <a:extLst>
               <a:ext uri="{91240B29-F687-4f45-9708-019B960494DF}">
-                <a14:hiddenLine xmlns="" xmlns:a14="http://schemas.microsoft.com/office/drawing/2010/main" w="9525">
+                <a14:hiddenLine xmlns:a14="http://schemas.microsoft.com/office/drawing/2010/main" xmlns="" w="9525">
                   <a:solidFill>
                     <a:srgbClr val="000000"/>
                   </a:solidFill>
@@ -2793,7 +2793,7 @@
             </a:ln>
             <a:extLst>
               <a:ext uri="{91240B29-F687-4f45-9708-019B960494DF}">
-                <a14:hiddenLine xmlns="" xmlns:a14="http://schemas.microsoft.com/office/drawing/2010/main" w="9525">
+                <a14:hiddenLine xmlns:a14="http://schemas.microsoft.com/office/drawing/2010/main" xmlns="" w="9525">
                   <a:solidFill>
                     <a:srgbClr val="000000"/>
                   </a:solidFill>
@@ -2883,7 +2883,7 @@
             </a:ln>
             <a:extLst>
               <a:ext uri="{91240B29-F687-4f45-9708-019B960494DF}">
-                <a14:hiddenLine xmlns="" xmlns:a14="http://schemas.microsoft.com/office/drawing/2010/main" w="9525">
+                <a14:hiddenLine xmlns:a14="http://schemas.microsoft.com/office/drawing/2010/main" xmlns="" w="9525">
                   <a:solidFill>
                     <a:srgbClr val="000000"/>
                   </a:solidFill>
@@ -2945,7 +2945,7 @@
             </a:ln>
             <a:extLst>
               <a:ext uri="{91240B29-F687-4f45-9708-019B960494DF}">
-                <a14:hiddenLine xmlns="" xmlns:a14="http://schemas.microsoft.com/office/drawing/2010/main" w="9525">
+                <a14:hiddenLine xmlns:a14="http://schemas.microsoft.com/office/drawing/2010/main" xmlns="" w="9525">
                   <a:solidFill>
                     <a:srgbClr val="000000"/>
                   </a:solidFill>
@@ -3035,7 +3035,7 @@
             </a:ln>
             <a:extLst>
               <a:ext uri="{91240B29-F687-4f45-9708-019B960494DF}">
-                <a14:hiddenLine xmlns="" xmlns:a14="http://schemas.microsoft.com/office/drawing/2010/main" w="9525">
+                <a14:hiddenLine xmlns:a14="http://schemas.microsoft.com/office/drawing/2010/main" xmlns="" w="9525">
                   <a:solidFill>
                     <a:srgbClr val="000000"/>
                   </a:solidFill>
@@ -3097,7 +3097,7 @@
             </a:ln>
             <a:extLst>
               <a:ext uri="{91240B29-F687-4f45-9708-019B960494DF}">
-                <a14:hiddenLine xmlns="" xmlns:a14="http://schemas.microsoft.com/office/drawing/2010/main" w="9525">
+                <a14:hiddenLine xmlns:a14="http://schemas.microsoft.com/office/drawing/2010/main" xmlns="" w="9525">
                   <a:solidFill>
                     <a:srgbClr val="000000"/>
                   </a:solidFill>
@@ -3187,7 +3187,7 @@
             </a:ln>
             <a:extLst>
               <a:ext uri="{91240B29-F687-4f45-9708-019B960494DF}">
-                <a14:hiddenLine xmlns="" xmlns:a14="http://schemas.microsoft.com/office/drawing/2010/main" w="9525">
+                <a14:hiddenLine xmlns:a14="http://schemas.microsoft.com/office/drawing/2010/main" xmlns="" w="9525">
                   <a:solidFill>
                     <a:srgbClr val="000000"/>
                   </a:solidFill>
@@ -3221,7 +3221,7 @@
             </a:ln>
             <a:extLst>
               <a:ext uri="{91240B29-F687-4f45-9708-019B960494DF}">
-                <a14:hiddenLine xmlns="" xmlns:a14="http://schemas.microsoft.com/office/drawing/2010/main" w="9525">
+                <a14:hiddenLine xmlns:a14="http://schemas.microsoft.com/office/drawing/2010/main" xmlns="" w="9525">
                   <a:solidFill>
                     <a:srgbClr val="000000"/>
                   </a:solidFill>
@@ -3286,7 +3286,7 @@
             </a:ln>
             <a:extLst>
               <a:ext uri="{91240B29-F687-4f45-9708-019B960494DF}">
-                <a14:hiddenLine xmlns="" xmlns:a14="http://schemas.microsoft.com/office/drawing/2010/main" w="9525">
+                <a14:hiddenLine xmlns:a14="http://schemas.microsoft.com/office/drawing/2010/main" xmlns="" w="9525">
                   <a:solidFill>
                     <a:srgbClr val="000000"/>
                   </a:solidFill>
@@ -3376,7 +3376,7 @@
             </a:ln>
             <a:extLst>
               <a:ext uri="{91240B29-F687-4f45-9708-019B960494DF}">
-                <a14:hiddenLine xmlns="" xmlns:a14="http://schemas.microsoft.com/office/drawing/2010/main" w="9525">
+                <a14:hiddenLine xmlns:a14="http://schemas.microsoft.com/office/drawing/2010/main" xmlns="" w="9525">
                   <a:solidFill>
                     <a:srgbClr val="000000"/>
                   </a:solidFill>
@@ -3438,7 +3438,7 @@
             </a:ln>
             <a:extLst>
               <a:ext uri="{91240B29-F687-4f45-9708-019B960494DF}">
-                <a14:hiddenLine xmlns="" xmlns:a14="http://schemas.microsoft.com/office/drawing/2010/main" w="9525">
+                <a14:hiddenLine xmlns:a14="http://schemas.microsoft.com/office/drawing/2010/main" xmlns="" w="9525">
                   <a:solidFill>
                     <a:srgbClr val="000000"/>
                   </a:solidFill>
@@ -3528,7 +3528,7 @@
             </a:ln>
             <a:extLst>
               <a:ext uri="{91240B29-F687-4f45-9708-019B960494DF}">
-                <a14:hiddenLine xmlns="" xmlns:a14="http://schemas.microsoft.com/office/drawing/2010/main" w="9525">
+                <a14:hiddenLine xmlns:a14="http://schemas.microsoft.com/office/drawing/2010/main" xmlns="" w="9525">
                   <a:solidFill>
                     <a:srgbClr val="000000"/>
                   </a:solidFill>
@@ -3618,7 +3618,7 @@
             </a:ln>
             <a:extLst>
               <a:ext uri="{91240B29-F687-4f45-9708-019B960494DF}">
-                <a14:hiddenLine xmlns="" xmlns:a14="http://schemas.microsoft.com/office/drawing/2010/main" w="9525">
+                <a14:hiddenLine xmlns:a14="http://schemas.microsoft.com/office/drawing/2010/main" xmlns="" w="9525">
                   <a:solidFill>
                     <a:srgbClr val="000000"/>
                   </a:solidFill>
@@ -3683,7 +3683,7 @@
             </a:ln>
             <a:extLst>
               <a:ext uri="{91240B29-F687-4f45-9708-019B960494DF}">
-                <a14:hiddenLine xmlns="" xmlns:a14="http://schemas.microsoft.com/office/drawing/2010/main" w="9525">
+                <a14:hiddenLine xmlns:a14="http://schemas.microsoft.com/office/drawing/2010/main" xmlns="" w="9525">
                   <a:solidFill>
                     <a:srgbClr val="000000"/>
                   </a:solidFill>
@@ -3745,7 +3745,7 @@
             </a:ln>
             <a:extLst>
               <a:ext uri="{91240B29-F687-4f45-9708-019B960494DF}">
-                <a14:hiddenLine xmlns="" xmlns:a14="http://schemas.microsoft.com/office/drawing/2010/main" w="9525">
+                <a14:hiddenLine xmlns:a14="http://schemas.microsoft.com/office/drawing/2010/main" xmlns="" w="9525">
                   <a:solidFill>
                     <a:srgbClr val="000000"/>
                   </a:solidFill>
@@ -3835,7 +3835,7 @@
             </a:ln>
             <a:extLst>
               <a:ext uri="{91240B29-F687-4f45-9708-019B960494DF}">
-                <a14:hiddenLine xmlns="" xmlns:a14="http://schemas.microsoft.com/office/drawing/2010/main" w="9525">
+                <a14:hiddenLine xmlns:a14="http://schemas.microsoft.com/office/drawing/2010/main" xmlns="" w="9525">
                   <a:solidFill>
                     <a:srgbClr val="000000"/>
                   </a:solidFill>
@@ -3925,7 +3925,7 @@
             </a:ln>
             <a:extLst>
               <a:ext uri="{91240B29-F687-4f45-9708-019B960494DF}">
-                <a14:hiddenLine xmlns="" xmlns:a14="http://schemas.microsoft.com/office/drawing/2010/main" w="9525">
+                <a14:hiddenLine xmlns:a14="http://schemas.microsoft.com/office/drawing/2010/main" xmlns="" w="9525">
                   <a:solidFill>
                     <a:srgbClr val="000000"/>
                   </a:solidFill>
@@ -3987,7 +3987,7 @@
             </a:ln>
             <a:extLst>
               <a:ext uri="{91240B29-F687-4f45-9708-019B960494DF}">
-                <a14:hiddenLine xmlns="" xmlns:a14="http://schemas.microsoft.com/office/drawing/2010/main" w="9525">
+                <a14:hiddenLine xmlns:a14="http://schemas.microsoft.com/office/drawing/2010/main" xmlns="" w="9525">
                   <a:solidFill>
                     <a:srgbClr val="000000"/>
                   </a:solidFill>
@@ -4107,7 +4107,7 @@
             </a:ln>
             <a:extLst>
               <a:ext uri="{91240B29-F687-4f45-9708-019B960494DF}">
-                <a14:hiddenLine xmlns="" xmlns:a14="http://schemas.microsoft.com/office/drawing/2010/main" w="9525">
+                <a14:hiddenLine xmlns:a14="http://schemas.microsoft.com/office/drawing/2010/main" xmlns="" w="9525">
                   <a:solidFill>
                     <a:srgbClr val="000000"/>
                   </a:solidFill>
@@ -4175,7 +4175,7 @@
             </a:ln>
             <a:extLst>
               <a:ext uri="{91240B29-F687-4f45-9708-019B960494DF}">
-                <a14:hiddenLine xmlns="" xmlns:a14="http://schemas.microsoft.com/office/drawing/2010/main" w="9525">
+                <a14:hiddenLine xmlns:a14="http://schemas.microsoft.com/office/drawing/2010/main" xmlns="" w="9525">
                   <a:solidFill>
                     <a:srgbClr val="000000"/>
                   </a:solidFill>
@@ -4265,7 +4265,7 @@
             </a:ln>
             <a:extLst>
               <a:ext uri="{91240B29-F687-4f45-9708-019B960494DF}">
-                <a14:hiddenLine xmlns="" xmlns:a14="http://schemas.microsoft.com/office/drawing/2010/main" w="9525">
+                <a14:hiddenLine xmlns:a14="http://schemas.microsoft.com/office/drawing/2010/main" xmlns="" w="9525">
                   <a:solidFill>
                     <a:srgbClr val="000000"/>
                   </a:solidFill>
@@ -9079,7 +9079,7 @@
           <a:noFill/>
           <a:extLst>
             <a:ext uri="{909E8E84-426E-40dd-AFC4-6F175D3DCCD1}">
-              <a14:hiddenFill xmlns="" xmlns:a14="http://schemas.microsoft.com/office/drawing/2010/main">
+              <a14:hiddenFill xmlns:a14="http://schemas.microsoft.com/office/drawing/2010/main" xmlns="">
                 <a:solidFill>
                   <a:srgbClr val="FFFFFF"/>
                 </a:solidFill>
@@ -9153,7 +9153,7 @@
               </a:ln>
               <a:extLst>
                 <a:ext uri="{91240B29-F687-4f45-9708-019B960494DF}">
-                  <a14:hiddenLine xmlns="" xmlns:a14="http://schemas.microsoft.com/office/drawing/2010/main" w="9525">
+                  <a14:hiddenLine xmlns:a14="http://schemas.microsoft.com/office/drawing/2010/main" xmlns="" w="9525">
                     <a:solidFill>
                       <a:srgbClr val="000000"/>
                     </a:solidFill>
@@ -9243,7 +9243,7 @@
               </a:ln>
               <a:extLst>
                 <a:ext uri="{91240B29-F687-4f45-9708-019B960494DF}">
-                  <a14:hiddenLine xmlns="" xmlns:a14="http://schemas.microsoft.com/office/drawing/2010/main" w="9525">
+                  <a14:hiddenLine xmlns:a14="http://schemas.microsoft.com/office/drawing/2010/main" xmlns="" w="9525">
                     <a:solidFill>
                       <a:srgbClr val="000000"/>
                     </a:solidFill>
@@ -9333,7 +9333,7 @@
               </a:ln>
               <a:extLst>
                 <a:ext uri="{91240B29-F687-4f45-9708-019B960494DF}">
-                  <a14:hiddenLine xmlns="" xmlns:a14="http://schemas.microsoft.com/office/drawing/2010/main" w="9525">
+                  <a14:hiddenLine xmlns:a14="http://schemas.microsoft.com/office/drawing/2010/main" xmlns="" w="9525">
                     <a:solidFill>
                       <a:srgbClr val="000000"/>
                     </a:solidFill>
@@ -9395,7 +9395,7 @@
               </a:ln>
               <a:extLst>
                 <a:ext uri="{91240B29-F687-4f45-9708-019B960494DF}">
-                  <a14:hiddenLine xmlns="" xmlns:a14="http://schemas.microsoft.com/office/drawing/2010/main" w="9525">
+                  <a14:hiddenLine xmlns:a14="http://schemas.microsoft.com/office/drawing/2010/main" xmlns="" w="9525">
                     <a:solidFill>
                       <a:srgbClr val="000000"/>
                     </a:solidFill>
@@ -9485,7 +9485,7 @@
               </a:ln>
               <a:extLst>
                 <a:ext uri="{91240B29-F687-4f45-9708-019B960494DF}">
-                  <a14:hiddenLine xmlns="" xmlns:a14="http://schemas.microsoft.com/office/drawing/2010/main" w="9525">
+                  <a14:hiddenLine xmlns:a14="http://schemas.microsoft.com/office/drawing/2010/main" xmlns="" w="9525">
                     <a:solidFill>
                       <a:srgbClr val="000000"/>
                     </a:solidFill>
@@ -9547,7 +9547,7 @@
               </a:ln>
               <a:extLst>
                 <a:ext uri="{91240B29-F687-4f45-9708-019B960494DF}">
-                  <a14:hiddenLine xmlns="" xmlns:a14="http://schemas.microsoft.com/office/drawing/2010/main" w="9525">
+                  <a14:hiddenLine xmlns:a14="http://schemas.microsoft.com/office/drawing/2010/main" xmlns="" w="9525">
                     <a:solidFill>
                       <a:srgbClr val="000000"/>
                     </a:solidFill>
@@ -9609,7 +9609,7 @@
               </a:ln>
               <a:extLst>
                 <a:ext uri="{91240B29-F687-4f45-9708-019B960494DF}">
-                  <a14:hiddenLine xmlns="" xmlns:a14="http://schemas.microsoft.com/office/drawing/2010/main" w="9525">
+                  <a14:hiddenLine xmlns:a14="http://schemas.microsoft.com/office/drawing/2010/main" xmlns="" w="9525">
                     <a:solidFill>
                       <a:srgbClr val="000000"/>
                     </a:solidFill>
@@ -9699,7 +9699,7 @@
               </a:ln>
               <a:extLst>
                 <a:ext uri="{91240B29-F687-4f45-9708-019B960494DF}">
-                  <a14:hiddenLine xmlns="" xmlns:a14="http://schemas.microsoft.com/office/drawing/2010/main" w="9525">
+                  <a14:hiddenLine xmlns:a14="http://schemas.microsoft.com/office/drawing/2010/main" xmlns="" w="9525">
                     <a:solidFill>
                       <a:srgbClr val="000000"/>
                     </a:solidFill>
@@ -9789,7 +9789,7 @@
               </a:ln>
               <a:extLst>
                 <a:ext uri="{91240B29-F687-4f45-9708-019B960494DF}">
-                  <a14:hiddenLine xmlns="" xmlns:a14="http://schemas.microsoft.com/office/drawing/2010/main" w="9525">
+                  <a14:hiddenLine xmlns:a14="http://schemas.microsoft.com/office/drawing/2010/main" xmlns="" w="9525">
                     <a:solidFill>
                       <a:srgbClr val="000000"/>
                     </a:solidFill>
@@ -9851,7 +9851,7 @@
               </a:ln>
               <a:extLst>
                 <a:ext uri="{91240B29-F687-4f45-9708-019B960494DF}">
-                  <a14:hiddenLine xmlns="" xmlns:a14="http://schemas.microsoft.com/office/drawing/2010/main" w="9525">
+                  <a14:hiddenLine xmlns:a14="http://schemas.microsoft.com/office/drawing/2010/main" xmlns="" w="9525">
                     <a:solidFill>
                       <a:srgbClr val="000000"/>
                     </a:solidFill>
@@ -9961,7 +9961,7 @@
               </a:ln>
               <a:extLst>
                 <a:ext uri="{91240B29-F687-4f45-9708-019B960494DF}">
-                  <a14:hiddenLine xmlns="" xmlns:a14="http://schemas.microsoft.com/office/drawing/2010/main" w="9525">
+                  <a14:hiddenLine xmlns:a14="http://schemas.microsoft.com/office/drawing/2010/main" xmlns="" w="9525">
                     <a:solidFill>
                       <a:srgbClr val="000000"/>
                     </a:solidFill>
@@ -10045,7 +10045,7 @@
               </a:ln>
               <a:extLst>
                 <a:ext uri="{91240B29-F687-4f45-9708-019B960494DF}">
-                  <a14:hiddenLine xmlns="" xmlns:a14="http://schemas.microsoft.com/office/drawing/2010/main" w="9525">
+                  <a14:hiddenLine xmlns:a14="http://schemas.microsoft.com/office/drawing/2010/main" xmlns="" w="9525">
                     <a:solidFill>
                       <a:srgbClr val="000000"/>
                     </a:solidFill>
@@ -10107,7 +10107,7 @@
               </a:ln>
               <a:extLst>
                 <a:ext uri="{91240B29-F687-4f45-9708-019B960494DF}">
-                  <a14:hiddenLine xmlns="" xmlns:a14="http://schemas.microsoft.com/office/drawing/2010/main" w="9525">
+                  <a14:hiddenLine xmlns:a14="http://schemas.microsoft.com/office/drawing/2010/main" xmlns="" w="9525">
                     <a:solidFill>
                       <a:srgbClr val="000000"/>
                     </a:solidFill>
@@ -10169,7 +10169,7 @@
               </a:ln>
               <a:extLst>
                 <a:ext uri="{91240B29-F687-4f45-9708-019B960494DF}">
-                  <a14:hiddenLine xmlns="" xmlns:a14="http://schemas.microsoft.com/office/drawing/2010/main" w="9525">
+                  <a14:hiddenLine xmlns:a14="http://schemas.microsoft.com/office/drawing/2010/main" xmlns="" w="9525">
                     <a:solidFill>
                       <a:srgbClr val="000000"/>
                     </a:solidFill>
@@ -10259,7 +10259,7 @@
               </a:ln>
               <a:extLst>
                 <a:ext uri="{91240B29-F687-4f45-9708-019B960494DF}">
-                  <a14:hiddenLine xmlns="" xmlns:a14="http://schemas.microsoft.com/office/drawing/2010/main" w="9525">
+                  <a14:hiddenLine xmlns:a14="http://schemas.microsoft.com/office/drawing/2010/main" xmlns="" w="9525">
                     <a:solidFill>
                       <a:srgbClr val="000000"/>
                     </a:solidFill>
@@ -10293,7 +10293,7 @@
               </a:ln>
               <a:extLst>
                 <a:ext uri="{91240B29-F687-4f45-9708-019B960494DF}">
-                  <a14:hiddenLine xmlns="" xmlns:a14="http://schemas.microsoft.com/office/drawing/2010/main" w="9525">
+                  <a14:hiddenLine xmlns:a14="http://schemas.microsoft.com/office/drawing/2010/main" xmlns="" w="9525">
                     <a:solidFill>
                       <a:srgbClr val="000000"/>
                     </a:solidFill>
@@ -10358,7 +10358,7 @@
               </a:ln>
               <a:extLst>
                 <a:ext uri="{91240B29-F687-4f45-9708-019B960494DF}">
-                  <a14:hiddenLine xmlns="" xmlns:a14="http://schemas.microsoft.com/office/drawing/2010/main" w="9525">
+                  <a14:hiddenLine xmlns:a14="http://schemas.microsoft.com/office/drawing/2010/main" xmlns="" w="9525">
                     <a:solidFill>
                       <a:srgbClr val="000000"/>
                     </a:solidFill>
@@ -10448,7 +10448,7 @@
               </a:ln>
               <a:extLst>
                 <a:ext uri="{91240B29-F687-4f45-9708-019B960494DF}">
-                  <a14:hiddenLine xmlns="" xmlns:a14="http://schemas.microsoft.com/office/drawing/2010/main" w="9525">
+                  <a14:hiddenLine xmlns:a14="http://schemas.microsoft.com/office/drawing/2010/main" xmlns="" w="9525">
                     <a:solidFill>
                       <a:srgbClr val="000000"/>
                     </a:solidFill>
@@ -10510,7 +10510,7 @@
               </a:ln>
               <a:extLst>
                 <a:ext uri="{91240B29-F687-4f45-9708-019B960494DF}">
-                  <a14:hiddenLine xmlns="" xmlns:a14="http://schemas.microsoft.com/office/drawing/2010/main" w="9525">
+                  <a14:hiddenLine xmlns:a14="http://schemas.microsoft.com/office/drawing/2010/main" xmlns="" w="9525">
                     <a:solidFill>
                       <a:srgbClr val="000000"/>
                     </a:solidFill>
@@ -10600,7 +10600,7 @@
               </a:ln>
               <a:extLst>
                 <a:ext uri="{91240B29-F687-4f45-9708-019B960494DF}">
-                  <a14:hiddenLine xmlns="" xmlns:a14="http://schemas.microsoft.com/office/drawing/2010/main" w="9525">
+                  <a14:hiddenLine xmlns:a14="http://schemas.microsoft.com/office/drawing/2010/main" xmlns="" w="9525">
                     <a:solidFill>
                       <a:srgbClr val="000000"/>
                     </a:solidFill>
@@ -10665,7 +10665,7 @@
               </a:ln>
               <a:extLst>
                 <a:ext uri="{91240B29-F687-4f45-9708-019B960494DF}">
-                  <a14:hiddenLine xmlns="" xmlns:a14="http://schemas.microsoft.com/office/drawing/2010/main" w="9525">
+                  <a14:hiddenLine xmlns:a14="http://schemas.microsoft.com/office/drawing/2010/main" xmlns="" w="9525">
                     <a:solidFill>
                       <a:srgbClr val="000000"/>
                     </a:solidFill>
@@ -10727,7 +10727,7 @@
               </a:ln>
               <a:extLst>
                 <a:ext uri="{91240B29-F687-4f45-9708-019B960494DF}">
-                  <a14:hiddenLine xmlns="" xmlns:a14="http://schemas.microsoft.com/office/drawing/2010/main" w="9525">
+                  <a14:hiddenLine xmlns:a14="http://schemas.microsoft.com/office/drawing/2010/main" xmlns="" w="9525">
                     <a:solidFill>
                       <a:srgbClr val="000000"/>
                     </a:solidFill>
@@ -10817,7 +10817,7 @@
               </a:ln>
               <a:extLst>
                 <a:ext uri="{91240B29-F687-4f45-9708-019B960494DF}">
-                  <a14:hiddenLine xmlns="" xmlns:a14="http://schemas.microsoft.com/office/drawing/2010/main" w="9525">
+                  <a14:hiddenLine xmlns:a14="http://schemas.microsoft.com/office/drawing/2010/main" xmlns="" w="9525">
                     <a:solidFill>
                       <a:srgbClr val="000000"/>
                     </a:solidFill>
@@ -10907,7 +10907,7 @@
               </a:ln>
               <a:extLst>
                 <a:ext uri="{91240B29-F687-4f45-9708-019B960494DF}">
-                  <a14:hiddenLine xmlns="" xmlns:a14="http://schemas.microsoft.com/office/drawing/2010/main" w="9525">
+                  <a14:hiddenLine xmlns:a14="http://schemas.microsoft.com/office/drawing/2010/main" xmlns="" w="9525">
                     <a:solidFill>
                       <a:srgbClr val="000000"/>
                     </a:solidFill>
@@ -10972,7 +10972,7 @@
               </a:ln>
               <a:extLst>
                 <a:ext uri="{91240B29-F687-4f45-9708-019B960494DF}">
-                  <a14:hiddenLine xmlns="" xmlns:a14="http://schemas.microsoft.com/office/drawing/2010/main" w="9525">
+                  <a14:hiddenLine xmlns:a14="http://schemas.microsoft.com/office/drawing/2010/main" xmlns="" w="9525">
                     <a:solidFill>
                       <a:srgbClr val="000000"/>
                     </a:solidFill>
@@ -11092,7 +11092,7 @@
               </a:ln>
               <a:extLst>
                 <a:ext uri="{91240B29-F687-4f45-9708-019B960494DF}">
-                  <a14:hiddenLine xmlns="" xmlns:a14="http://schemas.microsoft.com/office/drawing/2010/main" w="9525">
+                  <a14:hiddenLine xmlns:a14="http://schemas.microsoft.com/office/drawing/2010/main" xmlns="" w="9525">
                     <a:solidFill>
                       <a:srgbClr val="000000"/>
                     </a:solidFill>
@@ -11173,7 +11173,7 @@
               </a:ln>
               <a:extLst>
                 <a:ext uri="{91240B29-F687-4f45-9708-019B960494DF}">
-                  <a14:hiddenLine xmlns="" xmlns:a14="http://schemas.microsoft.com/office/drawing/2010/main" w="9525">
+                  <a14:hiddenLine xmlns:a14="http://schemas.microsoft.com/office/drawing/2010/main" xmlns="" w="9525">
                     <a:solidFill>
                       <a:srgbClr val="000000"/>
                     </a:solidFill>
@@ -11288,7 +11288,7 @@
               </a:ln>
               <a:extLst>
                 <a:ext uri="{91240B29-F687-4f45-9708-019B960494DF}">
-                  <a14:hiddenLine xmlns="" xmlns:a14="http://schemas.microsoft.com/office/drawing/2010/main" w="9525">
+                  <a14:hiddenLine xmlns:a14="http://schemas.microsoft.com/office/drawing/2010/main" xmlns="" w="9525">
                     <a:solidFill>
                       <a:srgbClr val="000000"/>
                     </a:solidFill>
@@ -11378,7 +11378,7 @@
               </a:ln>
               <a:extLst>
                 <a:ext uri="{91240B29-F687-4f45-9708-019B960494DF}">
-                  <a14:hiddenLine xmlns="" xmlns:a14="http://schemas.microsoft.com/office/drawing/2010/main" w="9525">
+                  <a14:hiddenLine xmlns:a14="http://schemas.microsoft.com/office/drawing/2010/main" xmlns="" w="9525">
                     <a:solidFill>
                       <a:srgbClr val="000000"/>
                     </a:solidFill>
@@ -11443,7 +11443,7 @@
               </a:ln>
               <a:extLst>
                 <a:ext uri="{91240B29-F687-4f45-9708-019B960494DF}">
-                  <a14:hiddenLine xmlns="" xmlns:a14="http://schemas.microsoft.com/office/drawing/2010/main" w="9525">
+                  <a14:hiddenLine xmlns:a14="http://schemas.microsoft.com/office/drawing/2010/main" xmlns="" w="9525">
                     <a:solidFill>
                       <a:srgbClr val="000000"/>
                     </a:solidFill>
@@ -11533,7 +11533,7 @@
               </a:ln>
               <a:extLst>
                 <a:ext uri="{91240B29-F687-4f45-9708-019B960494DF}">
-                  <a14:hiddenLine xmlns="" xmlns:a14="http://schemas.microsoft.com/office/drawing/2010/main" w="9525">
+                  <a14:hiddenLine xmlns:a14="http://schemas.microsoft.com/office/drawing/2010/main" xmlns="" w="9525">
                     <a:solidFill>
                       <a:srgbClr val="000000"/>
                     </a:solidFill>
@@ -11601,7 +11601,7 @@
               </a:ln>
               <a:extLst>
                 <a:ext uri="{91240B29-F687-4f45-9708-019B960494DF}">
-                  <a14:hiddenLine xmlns="" xmlns:a14="http://schemas.microsoft.com/office/drawing/2010/main" w="9525">
+                  <a14:hiddenLine xmlns:a14="http://schemas.microsoft.com/office/drawing/2010/main" xmlns="" w="9525">
                     <a:solidFill>
                       <a:srgbClr val="000000"/>
                     </a:solidFill>
@@ -11691,7 +11691,7 @@
               </a:ln>
               <a:extLst>
                 <a:ext uri="{91240B29-F687-4f45-9708-019B960494DF}">
-                  <a14:hiddenLine xmlns="" xmlns:a14="http://schemas.microsoft.com/office/drawing/2010/main" w="9525">
+                  <a14:hiddenLine xmlns:a14="http://schemas.microsoft.com/office/drawing/2010/main" xmlns="" w="9525">
                     <a:solidFill>
                       <a:srgbClr val="000000"/>
                     </a:solidFill>
@@ -11759,7 +11759,7 @@
               </a:ln>
               <a:extLst>
                 <a:ext uri="{91240B29-F687-4f45-9708-019B960494DF}">
-                  <a14:hiddenLine xmlns="" xmlns:a14="http://schemas.microsoft.com/office/drawing/2010/main" w="9525">
+                  <a14:hiddenLine xmlns:a14="http://schemas.microsoft.com/office/drawing/2010/main" xmlns="" w="9525">
                     <a:solidFill>
                       <a:srgbClr val="000000"/>
                     </a:solidFill>
@@ -11849,7 +11849,7 @@
               </a:ln>
               <a:extLst>
                 <a:ext uri="{91240B29-F687-4f45-9708-019B960494DF}">
-                  <a14:hiddenLine xmlns="" xmlns:a14="http://schemas.microsoft.com/office/drawing/2010/main" w="9525">
+                  <a14:hiddenLine xmlns:a14="http://schemas.microsoft.com/office/drawing/2010/main" xmlns="" w="9525">
                     <a:solidFill>
                       <a:srgbClr val="000000"/>
                     </a:solidFill>
@@ -11883,7 +11883,7 @@
               </a:ln>
               <a:extLst>
                 <a:ext uri="{91240B29-F687-4f45-9708-019B960494DF}">
-                  <a14:hiddenLine xmlns="" xmlns:a14="http://schemas.microsoft.com/office/drawing/2010/main" w="9525">
+                  <a14:hiddenLine xmlns:a14="http://schemas.microsoft.com/office/drawing/2010/main" xmlns="" w="9525">
                     <a:solidFill>
                       <a:srgbClr val="000000"/>
                     </a:solidFill>
@@ -12802,7 +12802,7 @@
             </a:r>
             <a:r>
               <a:rPr lang="pt-PT" dirty="0"/>
-              <a:t> : Algumas das </a:t>
+              <a:t> não relacional: Algumas das </a:t>
             </a:r>
             <a:r>
               <a:rPr lang="pt-PT" dirty="0" err="1"/>
@@ -14070,7 +14070,7 @@
             </a:r>
             <a:r>
               <a:rPr lang="pt-PT" dirty="0"/>
-              <a:t> relacional : Objetivos</a:t>
+              <a:t> não relacional : Objetivos</a:t>
             </a:r>
           </a:p>
         </p:txBody>
